--- a/Documents/Presentaion/Project_Akshar_Presentation.pptx
+++ b/Documents/Presentaion/Project_Akshar_Presentation.pptx
@@ -6,31 +6,27 @@
   </p:sldMasterIdLst>
   <p:sldIdLst>
     <p:sldId id="256" r:id="rId3"/>
-    <p:sldId id="264" r:id="rId4"/>
-    <p:sldId id="262" r:id="rId5"/>
-    <p:sldId id="288" r:id="rId6"/>
-    <p:sldId id="267" r:id="rId7"/>
-    <p:sldId id="281" r:id="rId8"/>
-    <p:sldId id="333" r:id="rId9"/>
-    <p:sldId id="334" r:id="rId10"/>
-    <p:sldId id="340" r:id="rId11"/>
+    <p:sldId id="368" r:id="rId4"/>
+    <p:sldId id="264" r:id="rId5"/>
+    <p:sldId id="262" r:id="rId6"/>
+    <p:sldId id="288" r:id="rId7"/>
+    <p:sldId id="267" r:id="rId8"/>
+    <p:sldId id="281" r:id="rId9"/>
+    <p:sldId id="333" r:id="rId10"/>
+    <p:sldId id="334" r:id="rId11"/>
     <p:sldId id="335" r:id="rId12"/>
-    <p:sldId id="341" r:id="rId13"/>
-    <p:sldId id="342" r:id="rId14"/>
-    <p:sldId id="336" r:id="rId15"/>
-    <p:sldId id="337" r:id="rId16"/>
-    <p:sldId id="338" r:id="rId17"/>
-    <p:sldId id="357" r:id="rId18"/>
-    <p:sldId id="358" r:id="rId19"/>
-    <p:sldId id="322" r:id="rId20"/>
-    <p:sldId id="324" r:id="rId21"/>
-    <p:sldId id="292" r:id="rId22"/>
-    <p:sldId id="263" r:id="rId23"/>
-    <p:sldId id="261" r:id="rId24"/>
-    <p:sldId id="276" r:id="rId25"/>
-    <p:sldId id="289" r:id="rId26"/>
-    <p:sldId id="259" r:id="rId27"/>
-    <p:sldId id="291" r:id="rId28"/>
+    <p:sldId id="369" r:id="rId13"/>
+    <p:sldId id="374" r:id="rId14"/>
+    <p:sldId id="322" r:id="rId15"/>
+    <p:sldId id="324" r:id="rId16"/>
+    <p:sldId id="292" r:id="rId17"/>
+    <p:sldId id="263" r:id="rId18"/>
+    <p:sldId id="378" r:id="rId19"/>
+    <p:sldId id="375" r:id="rId20"/>
+    <p:sldId id="377" r:id="rId21"/>
+    <p:sldId id="289" r:id="rId22"/>
+    <p:sldId id="259" r:id="rId23"/>
+    <p:sldId id="291" r:id="rId24"/>
   </p:sldIdLst>
   <p:sldSz cx="12192000" cy="6858000"/>
   <p:notesSz cx="6858000" cy="9144000"/>
@@ -13073,88 +13069,6 @@
           <a:chExt cx="0" cy="0"/>
         </a:xfrm>
       </p:grpSpPr>
-      <p:sp>
-        <p:nvSpPr>
-          <p:cNvPr id="5" name="Text Box 4"/>
-          <p:cNvSpPr txBox="1"/>
-          <p:nvPr/>
-        </p:nvSpPr>
-        <p:spPr>
-          <a:xfrm>
-            <a:off x="-635" y="1865630"/>
-            <a:ext cx="12192635" cy="1568450"/>
-          </a:xfrm>
-          <a:prstGeom prst="rect">
-            <a:avLst/>
-          </a:prstGeom>
-          <a:noFill/>
-        </p:spPr>
-        <p:txBody>
-          <a:bodyPr wrap="square" rtlCol="0">
-            <a:spAutoFit/>
-            <a:scene3d>
-              <a:camera prst="orthographicFront"/>
-              <a:lightRig rig="threePt" dir="t"/>
-            </a:scene3d>
-          </a:bodyPr>
-          <a:p>
-            <a:pPr algn="ctr"/>
-            <a:r>
-              <a:rPr lang="en-US" altLang="zh-CN" sz="9600" b="1">
-                <a:gradFill>
-                  <a:gsLst>
-                    <a:gs pos="0">
-                      <a:schemeClr val="accent5">
-                        <a:lumMod val="50000"/>
-                      </a:schemeClr>
-                    </a:gs>
-                    <a:gs pos="50000">
-                      <a:schemeClr val="accent5"/>
-                    </a:gs>
-                    <a:gs pos="100000">
-                      <a:schemeClr val="accent5">
-                        <a:lumMod val="60000"/>
-                        <a:lumOff val="40000"/>
-                      </a:schemeClr>
-                    </a:gs>
-                  </a:gsLst>
-                  <a:lin ang="5400000"/>
-                </a:gradFill>
-                <a:effectLst>
-                  <a:reflection blurRad="6350" stA="53000" endA="300" endPos="35500" dir="5400000" sy="-90000" algn="bl" rotWithShape="0"/>
-                </a:effectLst>
-                <a:sym typeface="+mn-ea"/>
-              </a:rPr>
-              <a:t>AKSHAR</a:t>
-            </a:r>
-            <a:endParaRPr lang="en-US" altLang="zh-CN" sz="9600" b="1">
-              <a:gradFill>
-                <a:gsLst>
-                  <a:gs pos="0">
-                    <a:schemeClr val="accent5">
-                      <a:lumMod val="50000"/>
-                    </a:schemeClr>
-                  </a:gs>
-                  <a:gs pos="50000">
-                    <a:schemeClr val="accent5"/>
-                  </a:gs>
-                  <a:gs pos="100000">
-                    <a:schemeClr val="accent5">
-                      <a:lumMod val="60000"/>
-                      <a:lumOff val="40000"/>
-                    </a:schemeClr>
-                  </a:gs>
-                </a:gsLst>
-                <a:lin ang="5400000"/>
-              </a:gradFill>
-              <a:effectLst>
-                <a:reflection blurRad="6350" stA="53000" endA="300" endPos="35500" dir="5400000" sy="-90000" algn="bl" rotWithShape="0"/>
-              </a:effectLst>
-              <a:sym typeface="+mn-ea"/>
-            </a:endParaRPr>
-          </a:p>
-        </p:txBody>
-      </p:sp>
       <p:pic>
         <p:nvPicPr>
           <p:cNvPr id="6" name="Picture 5"/>
@@ -13179,9 +13093,829 @@
           </a:prstGeom>
         </p:spPr>
       </p:pic>
+      <p:sp>
+        <p:nvSpPr>
+          <p:cNvPr id="4" name="Title 1"/>
+          <p:cNvSpPr txBox="1"/>
+          <p:nvPr/>
+        </p:nvSpPr>
+        <p:spPr>
+          <a:xfrm>
+            <a:off x="-635" y="0"/>
+            <a:ext cx="12192635" cy="1752600"/>
+          </a:xfrm>
+          <a:prstGeom prst="rect">
+            <a:avLst/>
+          </a:prstGeom>
+        </p:spPr>
+        <p:txBody>
+          <a:bodyPr vert="horz" lIns="91440" tIns="45720" rIns="91440" bIns="45720" rtlCol="0" anchor="ctr">
+            <a:noAutofit/>
+          </a:bodyPr>
+          <a:lstStyle>
+            <a:lvl1pPr algn="ctr" defTabSz="914400" rtl="0" eaLnBrk="1" latinLnBrk="0" hangingPunct="1">
+              <a:lnSpc>
+                <a:spcPct val="90000"/>
+              </a:lnSpc>
+              <a:spcBef>
+                <a:spcPct val="0"/>
+              </a:spcBef>
+              <a:buNone/>
+              <a:defRPr sz="6000" kern="1200">
+                <a:solidFill>
+                  <a:schemeClr val="tx1"/>
+                </a:solidFill>
+                <a:latin typeface="+mj-lt"/>
+                <a:ea typeface="+mj-ea"/>
+                <a:cs typeface="+mj-cs"/>
+              </a:defRPr>
+            </a:lvl1pPr>
+          </a:lstStyle>
+          <a:p>
+            <a:pPr marL="0" marR="0" lvl="0" indent="0" algn="ctr" defTabSz="914400" rtl="0" eaLnBrk="1" fontAlgn="auto" latinLnBrk="0" hangingPunct="1">
+              <a:lnSpc>
+                <a:spcPct val="150000"/>
+              </a:lnSpc>
+              <a:spcBef>
+                <a:spcPct val="0"/>
+              </a:spcBef>
+              <a:spcAft>
+                <a:spcPts val="0"/>
+              </a:spcAft>
+              <a:buClrTx/>
+              <a:buSzTx/>
+              <a:buFontTx/>
+              <a:buNone/>
+              <a:defRPr/>
+            </a:pPr>
+            <a:br>
+              <a:rPr kumimoji="0" lang="en-US" altLang="zh-CN" sz="1600" b="0" i="0" u="none" strike="noStrike" kern="1200" cap="none" spc="0" normalizeH="0" baseline="0" noProof="0" dirty="0">
+                <a:ln>
+                  <a:noFill/>
+                </a:ln>
+                <a:solidFill>
+                  <a:schemeClr val="tx1"/>
+                </a:solidFill>
+                <a:effectLst/>
+                <a:uLnTx/>
+                <a:uFillTx/>
+                <a:latin typeface="+mj-lt"/>
+                <a:ea typeface="+mj-ea"/>
+                <a:cs typeface="+mj-cs"/>
+              </a:rPr>
+            </a:br>
+            <a:br>
+              <a:rPr kumimoji="0" lang="en-US" altLang="zh-CN" sz="1600" b="0" i="0" u="none" strike="noStrike" kern="1200" cap="none" spc="0" normalizeH="0" baseline="0" noProof="0" dirty="0">
+                <a:ln>
+                  <a:noFill/>
+                </a:ln>
+                <a:solidFill>
+                  <a:schemeClr val="tx1"/>
+                </a:solidFill>
+                <a:effectLst/>
+                <a:uLnTx/>
+                <a:uFillTx/>
+                <a:latin typeface="+mj-lt"/>
+                <a:ea typeface="+mj-ea"/>
+                <a:cs typeface="+mj-cs"/>
+              </a:rPr>
+            </a:br>
+            <a:r>
+              <a:rPr kumimoji="0" lang="en-US" altLang="zh-CN" sz="1600" b="1" i="0" u="none" strike="noStrike" kern="1200" cap="none" spc="0" normalizeH="0" baseline="0" noProof="0" dirty="0">
+                <a:ln>
+                  <a:noFill/>
+                </a:ln>
+                <a:solidFill>
+                  <a:schemeClr val="tx1"/>
+                </a:solidFill>
+                <a:effectLst/>
+                <a:uLnTx/>
+                <a:uFillTx/>
+                <a:latin typeface="+mj-lt"/>
+                <a:ea typeface="+mn-ea"/>
+                <a:cs typeface="+mn-cs"/>
+              </a:rPr>
+              <a:t>Presentation on </a:t>
+            </a:r>
+            <a:br>
+              <a:rPr kumimoji="0" lang="en-US" altLang="zh-CN" sz="1600" b="0" i="0" u="none" strike="noStrike" kern="1200" cap="none" spc="0" normalizeH="0" baseline="0" noProof="0" dirty="0">
+                <a:ln>
+                  <a:noFill/>
+                </a:ln>
+                <a:solidFill>
+                  <a:schemeClr val="tx1"/>
+                </a:solidFill>
+                <a:effectLst/>
+                <a:uLnTx/>
+                <a:uFillTx/>
+                <a:latin typeface="+mj-lt"/>
+                <a:ea typeface="+mj-ea"/>
+                <a:cs typeface="+mj-cs"/>
+              </a:rPr>
+            </a:br>
+            <a:r>
+              <a:rPr kumimoji="0" lang="en-US" altLang="zh-CN" sz="2800" b="1" i="0" u="none" strike="noStrike" kern="1200" cap="none" spc="0" normalizeH="0" baseline="0" noProof="0" dirty="0">
+                <a:ln>
+                  <a:noFill/>
+                </a:ln>
+                <a:solidFill>
+                  <a:schemeClr val="tx1"/>
+                </a:solidFill>
+                <a:effectLst/>
+                <a:uLnTx/>
+                <a:uFillTx/>
+                <a:latin typeface="+mj-lt"/>
+                <a:ea typeface="+mj-ea"/>
+                <a:cs typeface="+mj-cs"/>
+              </a:rPr>
+              <a:t>AKSHAR</a:t>
+            </a:r>
+            <a:endParaRPr kumimoji="0" lang="en-US" sz="1800" b="1" i="0" u="none" strike="noStrike" kern="1200" cap="none" spc="0" normalizeH="0" baseline="0" noProof="0" dirty="0">
+              <a:ln>
+                <a:noFill/>
+              </a:ln>
+              <a:solidFill>
+                <a:schemeClr val="tx1"/>
+              </a:solidFill>
+              <a:effectLst/>
+              <a:uLnTx/>
+              <a:uFillTx/>
+              <a:latin typeface="+mj-lt"/>
+              <a:ea typeface="Microsoft YaHei" panose="020B0503020204020204" charset="-122"/>
+              <a:cs typeface="+mj-cs"/>
+              <a:sym typeface="+mn-ea"/>
+            </a:endParaRPr>
+          </a:p>
+          <a:p>
+            <a:pPr marL="0" marR="0" lvl="0" indent="0" algn="ctr" defTabSz="914400" rtl="0" eaLnBrk="1" fontAlgn="auto" latinLnBrk="0" hangingPunct="1">
+              <a:lnSpc>
+                <a:spcPct val="150000"/>
+              </a:lnSpc>
+              <a:spcBef>
+                <a:spcPct val="0"/>
+              </a:spcBef>
+              <a:spcAft>
+                <a:spcPts val="0"/>
+              </a:spcAft>
+              <a:buClrTx/>
+              <a:buSzTx/>
+              <a:buFontTx/>
+              <a:buNone/>
+              <a:defRPr/>
+            </a:pPr>
+            <a:r>
+              <a:rPr kumimoji="0" lang="en-US" altLang="zh-CN" sz="1600" b="1" i="0" u="none" strike="noStrike" kern="1200" cap="none" spc="0" normalizeH="0" baseline="0" noProof="0" dirty="0">
+                <a:ln>
+                  <a:noFill/>
+                </a:ln>
+                <a:solidFill>
+                  <a:schemeClr val="tx1"/>
+                </a:solidFill>
+                <a:effectLst/>
+                <a:uLnTx/>
+                <a:uFillTx/>
+                <a:latin typeface="+mj-lt"/>
+                <a:ea typeface="Microsoft YaHei" panose="020B0503020204020204" charset="-122"/>
+                <a:cs typeface="+mj-cs"/>
+                <a:sym typeface="+mn-ea"/>
+              </a:rPr>
+              <a:t>at</a:t>
+            </a:r>
+            <a:endParaRPr kumimoji="0" lang="en-US" altLang="zh-CN" sz="1600" b="1" i="0" u="none" strike="noStrike" kern="1200" cap="none" spc="0" normalizeH="0" baseline="0" noProof="0" dirty="0">
+              <a:ln>
+                <a:noFill/>
+              </a:ln>
+              <a:solidFill>
+                <a:schemeClr val="tx1"/>
+              </a:solidFill>
+              <a:effectLst/>
+              <a:uLnTx/>
+              <a:uFillTx/>
+              <a:latin typeface="+mj-lt"/>
+              <a:ea typeface="Microsoft YaHei" panose="020B0503020204020204" charset="-122"/>
+              <a:cs typeface="+mj-cs"/>
+              <a:sym typeface="+mn-ea"/>
+            </a:endParaRPr>
+          </a:p>
+          <a:p>
+            <a:pPr marL="0" marR="0" lvl="0" indent="0" algn="ctr" defTabSz="914400" rtl="0" eaLnBrk="1" fontAlgn="auto" latinLnBrk="0" hangingPunct="1">
+              <a:lnSpc>
+                <a:spcPct val="150000"/>
+              </a:lnSpc>
+              <a:spcBef>
+                <a:spcPct val="0"/>
+              </a:spcBef>
+              <a:spcAft>
+                <a:spcPts val="0"/>
+              </a:spcAft>
+              <a:buClrTx/>
+              <a:buSzTx/>
+              <a:buFontTx/>
+              <a:buNone/>
+              <a:defRPr/>
+            </a:pPr>
+            <a:r>
+              <a:rPr kumimoji="0" lang="en-US" altLang="zh-CN" sz="2000" b="1" i="0" u="none" strike="noStrike" kern="1200" cap="none" spc="0" normalizeH="0" baseline="0" noProof="0" dirty="0">
+                <a:ln>
+                  <a:noFill/>
+                </a:ln>
+                <a:solidFill>
+                  <a:schemeClr val="tx1"/>
+                </a:solidFill>
+                <a:effectLst/>
+                <a:uLnTx/>
+                <a:uFillTx/>
+                <a:latin typeface="+mj-lt"/>
+                <a:ea typeface="+mj-ea"/>
+                <a:cs typeface="Times New Roman" panose="02020603050405020304" charset="0"/>
+              </a:rPr>
+              <a:t>AMITY UNIVERSITY RAJASTHAN, JAIPUR (INDIA)</a:t>
+            </a:r>
+            <a:endParaRPr kumimoji="0" lang="en-US" altLang="zh-CN" sz="2000" b="1" i="0" u="none" strike="noStrike" kern="1200" cap="none" spc="0" normalizeH="0" baseline="0" noProof="0" dirty="0">
+              <a:ln>
+                <a:noFill/>
+              </a:ln>
+              <a:solidFill>
+                <a:schemeClr val="tx1"/>
+              </a:solidFill>
+              <a:effectLst/>
+              <a:uLnTx/>
+              <a:uFillTx/>
+              <a:latin typeface="+mj-lt"/>
+              <a:ea typeface="+mj-ea"/>
+              <a:cs typeface="Times New Roman" panose="02020603050405020304" charset="0"/>
+            </a:endParaRPr>
+          </a:p>
+          <a:p>
+            <a:pPr marL="0" marR="0" lvl="0" indent="0" algn="ctr" defTabSz="914400" rtl="0" eaLnBrk="1" fontAlgn="auto" latinLnBrk="0" hangingPunct="1">
+              <a:lnSpc>
+                <a:spcPct val="90000"/>
+              </a:lnSpc>
+              <a:spcBef>
+                <a:spcPct val="0"/>
+              </a:spcBef>
+              <a:spcAft>
+                <a:spcPts val="0"/>
+              </a:spcAft>
+              <a:buClrTx/>
+              <a:buSzTx/>
+              <a:buFontTx/>
+              <a:buNone/>
+              <a:defRPr/>
+            </a:pPr>
+            <a:br>
+              <a:rPr kumimoji="0" lang="en-US" altLang="zh-CN" sz="2000" b="0" i="0" u="none" strike="noStrike" kern="1200" cap="none" spc="0" normalizeH="0" baseline="0" noProof="0" dirty="0">
+                <a:ln>
+                  <a:noFill/>
+                </a:ln>
+                <a:solidFill>
+                  <a:schemeClr val="tx1"/>
+                </a:solidFill>
+                <a:effectLst/>
+                <a:uLnTx/>
+                <a:uFillTx/>
+                <a:latin typeface="+mj-lt"/>
+                <a:ea typeface="+mj-ea"/>
+                <a:cs typeface="+mj-cs"/>
+              </a:rPr>
+            </a:br>
+            <a:endParaRPr kumimoji="0" lang="en-US" altLang="zh-CN" sz="2000" b="0" i="0" u="none" strike="noStrike" kern="1200" cap="none" spc="0" normalizeH="0" baseline="0" noProof="0" dirty="0">
+              <a:ln>
+                <a:noFill/>
+              </a:ln>
+              <a:solidFill>
+                <a:schemeClr val="tx1"/>
+              </a:solidFill>
+              <a:effectLst/>
+              <a:uLnTx/>
+              <a:uFillTx/>
+              <a:latin typeface="+mj-lt"/>
+              <a:ea typeface="+mj-ea"/>
+              <a:cs typeface="+mj-cs"/>
+            </a:endParaRPr>
+          </a:p>
+        </p:txBody>
+      </p:sp>
+      <p:sp>
+        <p:nvSpPr>
+          <p:cNvPr id="5123" name="TextBox 8"/>
+          <p:cNvSpPr txBox="1"/>
+          <p:nvPr/>
+        </p:nvSpPr>
+        <p:spPr>
+          <a:xfrm>
+            <a:off x="-635" y="1981200"/>
+            <a:ext cx="12192635" cy="5107940"/>
+          </a:xfrm>
+          <a:prstGeom prst="rect">
+            <a:avLst/>
+          </a:prstGeom>
+          <a:noFill/>
+          <a:ln w="9525">
+            <a:noFill/>
+          </a:ln>
+        </p:spPr>
+        <p:txBody>
+          <a:bodyPr wrap="square">
+            <a:spAutoFit/>
+          </a:bodyPr>
+          <a:p>
+            <a:pPr marR="0" algn="ctr" defTabSz="457200">
+              <a:buClrTx/>
+              <a:buSzTx/>
+              <a:buFontTx/>
+              <a:buNone/>
+            </a:pPr>
+            <a:r>
+              <a:rPr kumimoji="0" sz="1600" b="1" kern="1200" cap="none" spc="0" normalizeH="0" baseline="0" noProof="1" dirty="0">
+                <a:solidFill>
+                  <a:srgbClr val="002060"/>
+                </a:solidFill>
+                <a:latin typeface="Times New Roman" panose="02020603050405020304" charset="0"/>
+                <a:ea typeface="+mn-ea"/>
+                <a:cs typeface="+mn-cs"/>
+                <a:sym typeface="+mn-ea"/>
+              </a:rPr>
+              <a:t>For partial fulfillment of the degree</a:t>
+            </a:r>
+            <a:endParaRPr kumimoji="0" sz="1600" b="1" kern="1200" cap="none" spc="0" normalizeH="0" baseline="0" noProof="1" dirty="0">
+              <a:solidFill>
+                <a:srgbClr val="002060"/>
+              </a:solidFill>
+              <a:latin typeface="Times New Roman" panose="02020603050405020304" charset="0"/>
+              <a:ea typeface="+mn-ea"/>
+              <a:cs typeface="+mn-cs"/>
+              <a:sym typeface="+mn-ea"/>
+            </a:endParaRPr>
+          </a:p>
+          <a:p>
+            <a:pPr marR="0" algn="ctr" defTabSz="457200">
+              <a:buClrTx/>
+              <a:buSzTx/>
+              <a:buFontTx/>
+              <a:buNone/>
+            </a:pPr>
+            <a:r>
+              <a:rPr kumimoji="0" sz="1600" b="1" kern="1200" cap="none" spc="0" normalizeH="0" baseline="0" noProof="1" dirty="0">
+                <a:solidFill>
+                  <a:srgbClr val="002060"/>
+                </a:solidFill>
+                <a:latin typeface="Times New Roman" panose="02020603050405020304" charset="0"/>
+                <a:ea typeface="+mn-ea"/>
+                <a:cs typeface="+mn-cs"/>
+                <a:sym typeface="+mn-ea"/>
+              </a:rPr>
+              <a:t>of</a:t>
+            </a:r>
+            <a:endParaRPr kumimoji="0" sz="1600" b="1" kern="1200" cap="none" spc="0" normalizeH="0" baseline="0" noProof="1" dirty="0">
+              <a:solidFill>
+                <a:srgbClr val="002060"/>
+              </a:solidFill>
+              <a:latin typeface="Times New Roman" panose="02020603050405020304" charset="0"/>
+              <a:ea typeface="+mn-ea"/>
+              <a:cs typeface="+mn-cs"/>
+              <a:sym typeface="+mn-ea"/>
+            </a:endParaRPr>
+          </a:p>
+          <a:p>
+            <a:pPr marR="0" algn="ctr" defTabSz="457200">
+              <a:buClrTx/>
+              <a:buSzTx/>
+              <a:buFontTx/>
+              <a:buNone/>
+            </a:pPr>
+            <a:r>
+              <a:rPr kumimoji="0" sz="1600" b="1" kern="1200" cap="none" spc="0" normalizeH="0" baseline="0" noProof="1" dirty="0">
+                <a:solidFill>
+                  <a:srgbClr val="002060"/>
+                </a:solidFill>
+                <a:latin typeface="Times New Roman" panose="02020603050405020304" charset="0"/>
+                <a:ea typeface="+mn-ea"/>
+                <a:cs typeface="+mn-cs"/>
+                <a:sym typeface="+mn-ea"/>
+              </a:rPr>
+              <a:t>Bachelor of Technology</a:t>
+            </a:r>
+            <a:endParaRPr kumimoji="0" sz="1600" b="1" kern="1200" cap="none" spc="0" normalizeH="0" baseline="0" noProof="1" dirty="0">
+              <a:solidFill>
+                <a:srgbClr val="002060"/>
+              </a:solidFill>
+              <a:latin typeface="Times New Roman" panose="02020603050405020304" charset="0"/>
+              <a:ea typeface="+mn-ea"/>
+              <a:cs typeface="+mn-cs"/>
+            </a:endParaRPr>
+          </a:p>
+          <a:p>
+            <a:pPr marR="0" algn="ctr" defTabSz="457200">
+              <a:buClrTx/>
+              <a:buSzTx/>
+              <a:buFontTx/>
+              <a:buNone/>
+            </a:pPr>
+            <a:r>
+              <a:rPr kumimoji="0" sz="1600" b="1" kern="1200" cap="none" spc="0" normalizeH="0" baseline="0" noProof="1" dirty="0">
+                <a:solidFill>
+                  <a:srgbClr val="002060"/>
+                </a:solidFill>
+                <a:latin typeface="Times New Roman" panose="02020603050405020304" charset="0"/>
+                <a:ea typeface="+mn-ea"/>
+                <a:cs typeface="+mn-cs"/>
+                <a:sym typeface="+mn-ea"/>
+              </a:rPr>
+              <a:t>in</a:t>
+            </a:r>
+            <a:endParaRPr kumimoji="0" sz="1600" b="1" kern="1200" cap="none" spc="0" normalizeH="0" baseline="0" noProof="1" dirty="0">
+              <a:solidFill>
+                <a:srgbClr val="002060"/>
+              </a:solidFill>
+              <a:latin typeface="Times New Roman" panose="02020603050405020304" charset="0"/>
+              <a:ea typeface="+mn-ea"/>
+              <a:cs typeface="+mn-cs"/>
+            </a:endParaRPr>
+          </a:p>
+          <a:p>
+            <a:pPr marR="0" algn="ctr" defTabSz="457200">
+              <a:buClrTx/>
+              <a:buSzTx/>
+              <a:buFontTx/>
+              <a:buNone/>
+            </a:pPr>
+            <a:r>
+              <a:rPr kumimoji="0" sz="1600" b="1" kern="1200" cap="none" spc="0" normalizeH="0" baseline="0" noProof="1" dirty="0">
+                <a:solidFill>
+                  <a:srgbClr val="002060"/>
+                </a:solidFill>
+                <a:latin typeface="Times New Roman" panose="02020603050405020304" charset="0"/>
+                <a:ea typeface="+mn-ea"/>
+                <a:cs typeface="+mn-cs"/>
+                <a:sym typeface="+mn-ea"/>
+              </a:rPr>
+              <a:t>Computer Science and Engineering</a:t>
+            </a:r>
+            <a:endParaRPr kumimoji="0" sz="1600" b="1" kern="1200" cap="none" spc="0" normalizeH="0" baseline="0" noProof="1" dirty="0">
+              <a:solidFill>
+                <a:srgbClr val="002060"/>
+              </a:solidFill>
+              <a:latin typeface="Times New Roman" panose="02020603050405020304" charset="0"/>
+              <a:ea typeface="+mn-ea"/>
+              <a:cs typeface="+mn-cs"/>
+              <a:sym typeface="+mn-ea"/>
+            </a:endParaRPr>
+          </a:p>
+          <a:p>
+            <a:pPr marR="0" algn="ctr" defTabSz="457200">
+              <a:buClrTx/>
+              <a:buSzTx/>
+              <a:buFontTx/>
+              <a:buNone/>
+            </a:pPr>
+            <a:endParaRPr kumimoji="0" b="1" kern="1200" cap="none" spc="0" normalizeH="0" baseline="0" noProof="1" dirty="0">
+              <a:solidFill>
+                <a:schemeClr val="accent2"/>
+              </a:solidFill>
+              <a:latin typeface="Times New Roman" panose="02020603050405020304" charset="0"/>
+              <a:ea typeface="+mn-ea"/>
+              <a:cs typeface="+mn-cs"/>
+              <a:sym typeface="+mn-ea"/>
+            </a:endParaRPr>
+          </a:p>
+          <a:p>
+            <a:pPr marR="0" algn="ctr" defTabSz="457200">
+              <a:buClrTx/>
+              <a:buSzTx/>
+              <a:buFontTx/>
+              <a:buNone/>
+            </a:pPr>
+            <a:r>
+              <a:rPr kumimoji="0" lang="en-US" altLang="x-none" sz="1600" kern="1200" cap="none" spc="0" normalizeH="0" baseline="0" noProof="1" dirty="0">
+                <a:latin typeface="Times New Roman" panose="02020603050405020304" charset="0"/>
+                <a:ea typeface="+mn-ea"/>
+                <a:cs typeface="+mn-cs"/>
+              </a:rPr>
+              <a:t>Under the Guidance of</a:t>
+            </a:r>
+            <a:endParaRPr kumimoji="0" lang="en-US" altLang="x-none" sz="1600" kern="1200" cap="none" spc="0" normalizeH="0" baseline="0" noProof="1" dirty="0">
+              <a:latin typeface="Times New Roman" panose="02020603050405020304" charset="0"/>
+              <a:ea typeface="+mn-ea"/>
+              <a:cs typeface="+mn-cs"/>
+            </a:endParaRPr>
+          </a:p>
+          <a:p>
+            <a:pPr marR="0" algn="ctr" defTabSz="457200">
+              <a:buClrTx/>
+              <a:buSzTx/>
+              <a:buFontTx/>
+              <a:buNone/>
+            </a:pPr>
+            <a:r>
+              <a:rPr kumimoji="0" lang="en-US" altLang="x-none" sz="1600" b="1" kern="1200" cap="none" spc="0" normalizeH="0" baseline="0" noProof="1" dirty="0">
+                <a:latin typeface="Times New Roman" panose="02020603050405020304" charset="0"/>
+                <a:ea typeface="+mn-ea"/>
+                <a:cs typeface="+mn-cs"/>
+              </a:rPr>
+              <a:t> </a:t>
+            </a:r>
+            <a:r>
+              <a:rPr kumimoji="0" lang="en-US" sz="1600" b="1" kern="1200" cap="none" spc="0" normalizeH="0" baseline="0" noProof="1">
+                <a:effectLst>
+                  <a:outerShdw blurRad="38100" dist="19050" dir="2700000" algn="tl" rotWithShape="0">
+                    <a:schemeClr val="dk1">
+                      <a:alpha val="40000"/>
+                    </a:schemeClr>
+                  </a:outerShdw>
+                </a:effectLst>
+                <a:latin typeface="Times New Roman" panose="02020603050405020304" charset="0"/>
+                <a:ea typeface="+mn-ea"/>
+                <a:cs typeface="+mn-cs"/>
+                <a:sym typeface="+mn-ea"/>
+              </a:rPr>
+              <a:t>Dr. Rekha Chaturvedi</a:t>
+            </a:r>
+            <a:endParaRPr kumimoji="0" lang="en-US" altLang="x-none" sz="1600" b="1" kern="1200" cap="none" spc="0" normalizeH="0" baseline="0" noProof="1" dirty="0">
+              <a:latin typeface="Times New Roman" panose="02020603050405020304" charset="0"/>
+              <a:ea typeface="+mn-ea"/>
+              <a:cs typeface="+mn-cs"/>
+            </a:endParaRPr>
+          </a:p>
+          <a:p>
+            <a:pPr marR="0" algn="ctr" defTabSz="457200">
+              <a:buClrTx/>
+              <a:buSzTx/>
+              <a:buFontTx/>
+              <a:buNone/>
+            </a:pPr>
+            <a:r>
+              <a:rPr kumimoji="0" lang="en-US" altLang="en-US" sz="1600" kern="1200" cap="none" spc="0" normalizeH="0" baseline="0" noProof="1" dirty="0">
+                <a:latin typeface="Times New Roman" panose="02020603050405020304" charset="0"/>
+                <a:ea typeface="+mn-ea"/>
+                <a:cs typeface="+mn-cs"/>
+              </a:rPr>
+              <a:t>Asiistant </a:t>
+            </a:r>
+            <a:r>
+              <a:rPr kumimoji="0" lang="en-US" altLang="x-none" sz="1600" kern="1200" cap="none" spc="0" normalizeH="0" baseline="0" noProof="1" dirty="0">
+                <a:latin typeface="Times New Roman" panose="02020603050405020304" charset="0"/>
+                <a:ea typeface="+mn-ea"/>
+                <a:cs typeface="+mn-cs"/>
+              </a:rPr>
+              <a:t>Professor (CSE)</a:t>
+            </a:r>
+            <a:endParaRPr kumimoji="0" lang="en-US" altLang="x-none" sz="1600" kern="1200" cap="none" spc="0" normalizeH="0" baseline="0" noProof="1" dirty="0">
+              <a:latin typeface="Times New Roman" panose="02020603050405020304" charset="0"/>
+              <a:ea typeface="+mn-ea"/>
+              <a:cs typeface="+mn-cs"/>
+            </a:endParaRPr>
+          </a:p>
+          <a:p>
+            <a:pPr marR="0" algn="ctr" defTabSz="457200">
+              <a:buClrTx/>
+              <a:buSzTx/>
+              <a:buFontTx/>
+              <a:buNone/>
+            </a:pPr>
+            <a:endParaRPr kumimoji="0" b="1" kern="1200" cap="none" spc="0" normalizeH="0" baseline="0" noProof="1" dirty="0">
+              <a:solidFill>
+                <a:schemeClr val="accent2"/>
+              </a:solidFill>
+              <a:latin typeface="Times New Roman" panose="02020603050405020304" charset="0"/>
+              <a:ea typeface="+mn-ea"/>
+              <a:cs typeface="+mn-cs"/>
+            </a:endParaRPr>
+          </a:p>
+          <a:p>
+            <a:pPr marR="0" algn="ctr" defTabSz="457200">
+              <a:buClrTx/>
+              <a:buSzTx/>
+              <a:buFontTx/>
+              <a:buNone/>
+            </a:pPr>
+            <a:r>
+              <a:rPr kumimoji="0" sz="1600" kern="1200" cap="none" spc="0" normalizeH="0" baseline="0" noProof="1" dirty="0">
+                <a:latin typeface="Times New Roman" panose="02020603050405020304" charset="0"/>
+                <a:ea typeface="+mn-ea"/>
+                <a:cs typeface="+mn-cs"/>
+              </a:rPr>
+              <a:t>By</a:t>
+            </a:r>
+            <a:endParaRPr kumimoji="0" sz="1600" kern="1200" cap="none" spc="0" normalizeH="0" baseline="0" noProof="1" dirty="0">
+              <a:latin typeface="Times New Roman" panose="02020603050405020304" charset="0"/>
+              <a:ea typeface="+mn-ea"/>
+              <a:cs typeface="+mn-cs"/>
+            </a:endParaRPr>
+          </a:p>
+          <a:p>
+            <a:pPr marR="0" algn="ctr" defTabSz="457200" eaLnBrk="0" hangingPunct="0">
+              <a:lnSpc>
+                <a:spcPct val="150000"/>
+              </a:lnSpc>
+              <a:buClrTx/>
+              <a:buSzTx/>
+              <a:buFontTx/>
+              <a:buNone/>
+            </a:pPr>
+            <a:endParaRPr kumimoji="0" lang="en-US" sz="1600" b="1" kern="1200" cap="none" spc="0" normalizeH="0" baseline="0" noProof="1">
+              <a:effectLst>
+                <a:outerShdw blurRad="38100" dist="19050" dir="2700000" algn="tl" rotWithShape="0">
+                  <a:schemeClr val="dk1">
+                    <a:alpha val="40000"/>
+                  </a:schemeClr>
+                </a:outerShdw>
+              </a:effectLst>
+              <a:latin typeface="Times New Roman" panose="02020603050405020304" charset="0"/>
+              <a:ea typeface="+mn-ea"/>
+              <a:cs typeface="+mn-cs"/>
+            </a:endParaRPr>
+          </a:p>
+          <a:p>
+            <a:pPr marR="0" algn="ctr" defTabSz="457200" eaLnBrk="0" hangingPunct="0">
+              <a:lnSpc>
+                <a:spcPct val="150000"/>
+              </a:lnSpc>
+              <a:buClrTx/>
+              <a:buSzTx/>
+              <a:buFontTx/>
+              <a:buNone/>
+            </a:pPr>
+            <a:r>
+              <a:rPr kumimoji="0" lang="en-US" sz="1600" b="1" kern="1200" cap="none" spc="0" normalizeH="0" baseline="0" noProof="1">
+                <a:effectLst>
+                  <a:outerShdw blurRad="38100" dist="19050" dir="2700000" algn="tl" rotWithShape="0">
+                    <a:schemeClr val="dk1">
+                      <a:alpha val="40000"/>
+                    </a:schemeClr>
+                  </a:outerShdw>
+                </a:effectLst>
+                <a:latin typeface="Times New Roman" panose="02020603050405020304" charset="0"/>
+                <a:ea typeface="+mn-ea"/>
+                <a:cs typeface="+mn-cs"/>
+                <a:sym typeface="+mn-ea"/>
+              </a:rPr>
+              <a:t>Konagandla Bhaskar        A20405217088</a:t>
+            </a:r>
+            <a:endParaRPr kumimoji="0" lang="en-US" sz="1600" b="1" kern="1200" cap="none" spc="0" normalizeH="0" baseline="0" noProof="1">
+              <a:effectLst>
+                <a:outerShdw blurRad="38100" dist="19050" dir="2700000" algn="tl" rotWithShape="0">
+                  <a:schemeClr val="dk1">
+                    <a:alpha val="40000"/>
+                  </a:schemeClr>
+                </a:outerShdw>
+              </a:effectLst>
+              <a:latin typeface="Times New Roman" panose="02020603050405020304" charset="0"/>
+              <a:ea typeface="+mn-ea"/>
+              <a:cs typeface="+mn-cs"/>
+            </a:endParaRPr>
+          </a:p>
+          <a:p>
+            <a:pPr marR="0" algn="ctr" defTabSz="457200" eaLnBrk="0" hangingPunct="0">
+              <a:lnSpc>
+                <a:spcPct val="150000"/>
+              </a:lnSpc>
+              <a:buClrTx/>
+              <a:buSzTx/>
+              <a:buFontTx/>
+              <a:buNone/>
+            </a:pPr>
+            <a:r>
+              <a:rPr kumimoji="0" lang="en-US" sz="1600" b="1" kern="1200" cap="none" spc="0" normalizeH="0" baseline="0" noProof="1">
+                <a:effectLst>
+                  <a:outerShdw blurRad="38100" dist="19050" dir="2700000" algn="tl" rotWithShape="0">
+                    <a:schemeClr val="dk1">
+                      <a:alpha val="40000"/>
+                    </a:schemeClr>
+                  </a:outerShdw>
+                </a:effectLst>
+                <a:latin typeface="Times New Roman" panose="02020603050405020304" charset="0"/>
+                <a:ea typeface="+mn-ea"/>
+                <a:cs typeface="+mn-cs"/>
+                <a:sym typeface="+mn-ea"/>
+              </a:rPr>
+              <a:t>Kartik Sharma                 A20405217121</a:t>
+            </a:r>
+            <a:endParaRPr kumimoji="0" lang="en-US" sz="1600" b="1" kern="1200" cap="none" spc="0" normalizeH="0" baseline="0" noProof="1">
+              <a:effectLst>
+                <a:outerShdw blurRad="38100" dist="19050" dir="2700000" algn="tl" rotWithShape="0">
+                  <a:schemeClr val="dk1">
+                    <a:alpha val="40000"/>
+                  </a:schemeClr>
+                </a:outerShdw>
+              </a:effectLst>
+              <a:latin typeface="Times New Roman" panose="02020603050405020304" charset="0"/>
+              <a:ea typeface="+mn-ea"/>
+              <a:cs typeface="+mn-cs"/>
+              <a:sym typeface="+mn-ea"/>
+            </a:endParaRPr>
+          </a:p>
+          <a:p>
+            <a:pPr marR="0" algn="ctr" defTabSz="457200" eaLnBrk="0" hangingPunct="0">
+              <a:lnSpc>
+                <a:spcPct val="150000"/>
+              </a:lnSpc>
+              <a:buClrTx/>
+              <a:buSzTx/>
+              <a:buFontTx/>
+              <a:buNone/>
+            </a:pPr>
+            <a:r>
+              <a:rPr kumimoji="0" lang="en-US" sz="1600" b="1" kern="1200" cap="none" spc="0" normalizeH="0" baseline="0" noProof="1">
+                <a:effectLst>
+                  <a:outerShdw blurRad="38100" dist="19050" dir="2700000" algn="tl" rotWithShape="0">
+                    <a:schemeClr val="dk1">
+                      <a:alpha val="40000"/>
+                    </a:schemeClr>
+                  </a:outerShdw>
+                </a:effectLst>
+                <a:latin typeface="Times New Roman" panose="02020603050405020304" charset="0"/>
+                <a:ea typeface="+mn-ea"/>
+                <a:cs typeface="+mn-cs"/>
+                <a:sym typeface="+mn-ea"/>
+              </a:rPr>
+              <a:t>P Venkata Hemanth         A20405217065</a:t>
+            </a:r>
+            <a:endParaRPr kumimoji="0" lang="en-US" sz="1600" b="1" kern="1200" cap="none" spc="0" normalizeH="0" baseline="0" noProof="1">
+              <a:effectLst>
+                <a:outerShdw blurRad="38100" dist="19050" dir="2700000" algn="tl" rotWithShape="0">
+                  <a:schemeClr val="dk1">
+                    <a:alpha val="40000"/>
+                  </a:schemeClr>
+                </a:outerShdw>
+              </a:effectLst>
+              <a:latin typeface="Times New Roman" panose="02020603050405020304" charset="0"/>
+              <a:ea typeface="+mn-ea"/>
+              <a:cs typeface="+mn-cs"/>
+              <a:sym typeface="+mn-ea"/>
+            </a:endParaRPr>
+          </a:p>
+          <a:p>
+            <a:pPr marR="0" algn="ctr" defTabSz="457200">
+              <a:buClrTx/>
+              <a:buSzTx/>
+              <a:buFontTx/>
+              <a:buNone/>
+            </a:pPr>
+            <a:endParaRPr kumimoji="0" sz="1600" b="1" kern="1200" cap="none" spc="0" normalizeH="0" baseline="0" noProof="1" dirty="0">
+              <a:latin typeface="Times New Roman" panose="02020603050405020304" charset="0"/>
+              <a:ea typeface="+mn-ea"/>
+              <a:cs typeface="+mn-cs"/>
+            </a:endParaRPr>
+          </a:p>
+          <a:p>
+            <a:pPr marR="0" algn="ctr" defTabSz="457200">
+              <a:buClrTx/>
+              <a:buSzTx/>
+              <a:buFontTx/>
+              <a:buNone/>
+            </a:pPr>
+            <a:r>
+              <a:rPr kumimoji="0" sz="1600" b="1" kern="1200" cap="none" spc="0" normalizeH="0" baseline="0" noProof="1" dirty="0">
+                <a:latin typeface="Times New Roman" panose="02020603050405020304" charset="0"/>
+                <a:ea typeface="+mn-ea"/>
+                <a:cs typeface="+mn-cs"/>
+              </a:rPr>
+              <a:t>12</a:t>
+            </a:r>
+            <a:r>
+              <a:rPr kumimoji="0" sz="1600" b="1" kern="1200" cap="none" spc="0" normalizeH="0" baseline="30000" noProof="1" dirty="0">
+                <a:latin typeface="Times New Roman" panose="02020603050405020304" charset="0"/>
+                <a:ea typeface="+mn-ea"/>
+                <a:cs typeface="+mn-cs"/>
+              </a:rPr>
+              <a:t>th</a:t>
+            </a:r>
+            <a:r>
+              <a:rPr kumimoji="0" sz="1600" b="1" kern="1200" cap="none" spc="0" normalizeH="0" baseline="0" noProof="1" dirty="0">
+                <a:latin typeface="Times New Roman" panose="02020603050405020304" charset="0"/>
+                <a:ea typeface="+mn-ea"/>
+                <a:cs typeface="+mn-cs"/>
+              </a:rPr>
+              <a:t> June 2021</a:t>
+            </a:r>
+            <a:endParaRPr kumimoji="0" sz="1600" b="1" kern="1200" cap="none" spc="0" normalizeH="0" baseline="0" noProof="1" dirty="0">
+              <a:latin typeface="Times New Roman" panose="02020603050405020304" charset="0"/>
+              <a:ea typeface="+mn-ea"/>
+              <a:cs typeface="+mn-cs"/>
+            </a:endParaRPr>
+          </a:p>
+          <a:p>
+            <a:pPr marR="0" algn="ctr" defTabSz="457200">
+              <a:buClrTx/>
+              <a:buSzTx/>
+              <a:buFontTx/>
+              <a:buNone/>
+            </a:pPr>
+            <a:endParaRPr kumimoji="0" b="1" kern="1200" cap="none" spc="0" normalizeH="0" baseline="0" noProof="1" dirty="0">
+              <a:solidFill>
+                <a:schemeClr val="accent2"/>
+              </a:solidFill>
+              <a:latin typeface="Times New Roman" panose="02020603050405020304" charset="0"/>
+              <a:ea typeface="+mn-ea"/>
+              <a:cs typeface="+mn-cs"/>
+            </a:endParaRPr>
+          </a:p>
+        </p:txBody>
+      </p:sp>
       <p:pic>
         <p:nvPicPr>
-          <p:cNvPr id="7" name="Picture 6"/>
+          <p:cNvPr id="8" name="Picture 7"/>
           <p:cNvPicPr>
             <a:picLocks noChangeAspect="1"/>
           </p:cNvPicPr>
@@ -13195,7 +13929,31 @@
         </p:blipFill>
         <p:spPr>
           <a:xfrm>
-            <a:off x="466725" y="250190"/>
+            <a:off x="814705" y="2130425"/>
+            <a:ext cx="1962150" cy="2324100"/>
+          </a:xfrm>
+          <a:prstGeom prst="rect">
+            <a:avLst/>
+          </a:prstGeom>
+        </p:spPr>
+      </p:pic>
+      <p:pic>
+        <p:nvPicPr>
+          <p:cNvPr id="9" name="Picture 8"/>
+          <p:cNvPicPr>
+            <a:picLocks noChangeAspect="1"/>
+          </p:cNvPicPr>
+          <p:nvPr/>
+        </p:nvPicPr>
+        <p:blipFill>
+          <a:blip r:embed="rId3"/>
+          <a:stretch>
+            <a:fillRect/>
+          </a:stretch>
+        </p:blipFill>
+        <p:spPr>
+          <a:xfrm>
+            <a:off x="9436100" y="4091940"/>
             <a:ext cx="2162175" cy="2114550"/>
           </a:xfrm>
           <a:prstGeom prst="rect">
@@ -13203,254 +13961,6 @@
           </a:prstGeom>
         </p:spPr>
       </p:pic>
-      <p:sp>
-        <p:nvSpPr>
-          <p:cNvPr id="2" name="Text Box 1"/>
-          <p:cNvSpPr txBox="1"/>
-          <p:nvPr/>
-        </p:nvSpPr>
-        <p:spPr>
-          <a:xfrm>
-            <a:off x="7433310" y="4194175"/>
-            <a:ext cx="3021330" cy="2306955"/>
-          </a:xfrm>
-          <a:prstGeom prst="rect">
-            <a:avLst/>
-          </a:prstGeom>
-          <a:noFill/>
-        </p:spPr>
-        <p:txBody>
-          <a:bodyPr wrap="square" rtlCol="0">
-            <a:spAutoFit/>
-          </a:bodyPr>
-          <a:p>
-            <a:pPr algn="just">
-              <a:lnSpc>
-                <a:spcPct val="150000"/>
-              </a:lnSpc>
-            </a:pPr>
-            <a:r>
-              <a:rPr lang="en-US" sz="2400" b="1">
-                <a:solidFill>
-                  <a:schemeClr val="tx1"/>
-                </a:solidFill>
-                <a:effectLst>
-                  <a:outerShdw blurRad="38100" dist="19050" dir="2700000" algn="tl" rotWithShape="0">
-                    <a:schemeClr val="dk1">
-                      <a:alpha val="40000"/>
-                    </a:schemeClr>
-                  </a:outerShdw>
-                </a:effectLst>
-              </a:rPr>
-              <a:t>TEAM : </a:t>
-            </a:r>
-            <a:endParaRPr lang="en-US" sz="2400" b="1">
-              <a:solidFill>
-                <a:schemeClr val="tx1"/>
-              </a:solidFill>
-              <a:effectLst>
-                <a:outerShdw blurRad="38100" dist="19050" dir="2700000" algn="tl" rotWithShape="0">
-                  <a:schemeClr val="dk1">
-                    <a:alpha val="40000"/>
-                  </a:schemeClr>
-                </a:outerShdw>
-              </a:effectLst>
-            </a:endParaRPr>
-          </a:p>
-          <a:p>
-            <a:pPr algn="just">
-              <a:lnSpc>
-                <a:spcPct val="150000"/>
-              </a:lnSpc>
-            </a:pPr>
-            <a:r>
-              <a:rPr lang="en-US" sz="2400" b="1">
-                <a:solidFill>
-                  <a:schemeClr val="tx1"/>
-                </a:solidFill>
-                <a:effectLst>
-                  <a:outerShdw blurRad="38100" dist="19050" dir="2700000" algn="tl" rotWithShape="0">
-                    <a:schemeClr val="dk1">
-                      <a:alpha val="40000"/>
-                    </a:schemeClr>
-                  </a:outerShdw>
-                </a:effectLst>
-              </a:rPr>
-              <a:t>Konagandla Bhaskar</a:t>
-            </a:r>
-            <a:endParaRPr lang="en-US" sz="2400" b="1">
-              <a:solidFill>
-                <a:schemeClr val="tx1"/>
-              </a:solidFill>
-              <a:effectLst>
-                <a:outerShdw blurRad="38100" dist="19050" dir="2700000" algn="tl" rotWithShape="0">
-                  <a:schemeClr val="dk1">
-                    <a:alpha val="40000"/>
-                  </a:schemeClr>
-                </a:outerShdw>
-              </a:effectLst>
-            </a:endParaRPr>
-          </a:p>
-          <a:p>
-            <a:pPr algn="just">
-              <a:lnSpc>
-                <a:spcPct val="150000"/>
-              </a:lnSpc>
-            </a:pPr>
-            <a:r>
-              <a:rPr lang="en-US" sz="2400" b="1">
-                <a:solidFill>
-                  <a:schemeClr val="tx1"/>
-                </a:solidFill>
-                <a:effectLst>
-                  <a:outerShdw blurRad="38100" dist="19050" dir="2700000" algn="tl" rotWithShape="0">
-                    <a:schemeClr val="dk1">
-                      <a:alpha val="40000"/>
-                    </a:schemeClr>
-                  </a:outerShdw>
-                </a:effectLst>
-              </a:rPr>
-              <a:t>Kartik Sharma</a:t>
-            </a:r>
-            <a:endParaRPr lang="en-US" sz="2400" b="1">
-              <a:solidFill>
-                <a:schemeClr val="tx1"/>
-              </a:solidFill>
-              <a:effectLst>
-                <a:outerShdw blurRad="38100" dist="19050" dir="2700000" algn="tl" rotWithShape="0">
-                  <a:schemeClr val="dk1">
-                    <a:alpha val="40000"/>
-                  </a:schemeClr>
-                </a:outerShdw>
-              </a:effectLst>
-            </a:endParaRPr>
-          </a:p>
-          <a:p>
-            <a:pPr algn="just">
-              <a:lnSpc>
-                <a:spcPct val="150000"/>
-              </a:lnSpc>
-            </a:pPr>
-            <a:r>
-              <a:rPr lang="en-US" sz="2400" b="1">
-                <a:solidFill>
-                  <a:schemeClr val="tx1"/>
-                </a:solidFill>
-                <a:effectLst>
-                  <a:outerShdw blurRad="38100" dist="19050" dir="2700000" algn="tl" rotWithShape="0">
-                    <a:schemeClr val="dk1">
-                      <a:alpha val="40000"/>
-                    </a:schemeClr>
-                  </a:outerShdw>
-                </a:effectLst>
-              </a:rPr>
-              <a:t>P Venkata Hemanth</a:t>
-            </a:r>
-            <a:endParaRPr lang="en-US" sz="2400" b="1">
-              <a:solidFill>
-                <a:schemeClr val="tx1"/>
-              </a:solidFill>
-              <a:effectLst>
-                <a:outerShdw blurRad="38100" dist="19050" dir="2700000" algn="tl" rotWithShape="0">
-                  <a:schemeClr val="dk1">
-                    <a:alpha val="40000"/>
-                  </a:schemeClr>
-                </a:outerShdw>
-              </a:effectLst>
-            </a:endParaRPr>
-          </a:p>
-        </p:txBody>
-      </p:sp>
-      <p:sp>
-        <p:nvSpPr>
-          <p:cNvPr id="3" name="Text Box 2"/>
-          <p:cNvSpPr txBox="1"/>
-          <p:nvPr/>
-        </p:nvSpPr>
-        <p:spPr>
-          <a:xfrm>
-            <a:off x="966470" y="4194175"/>
-            <a:ext cx="2842895" cy="1198880"/>
-          </a:xfrm>
-          <a:prstGeom prst="rect">
-            <a:avLst/>
-          </a:prstGeom>
-          <a:noFill/>
-        </p:spPr>
-        <p:txBody>
-          <a:bodyPr wrap="none" rtlCol="0">
-            <a:spAutoFit/>
-          </a:bodyPr>
-          <a:p>
-            <a:pPr>
-              <a:lnSpc>
-                <a:spcPct val="150000"/>
-              </a:lnSpc>
-            </a:pPr>
-            <a:r>
-              <a:rPr lang="en-US" sz="2400" b="1">
-                <a:solidFill>
-                  <a:schemeClr val="tx1"/>
-                </a:solidFill>
-                <a:effectLst>
-                  <a:outerShdw blurRad="38100" dist="19050" dir="2700000" algn="tl" rotWithShape="0">
-                    <a:schemeClr val="dk1">
-                      <a:alpha val="40000"/>
-                    </a:schemeClr>
-                  </a:outerShdw>
-                </a:effectLst>
-              </a:rPr>
-              <a:t>GUIDE :</a:t>
-            </a:r>
-            <a:endParaRPr lang="en-US" sz="2400" b="1">
-              <a:solidFill>
-                <a:schemeClr val="tx1"/>
-              </a:solidFill>
-              <a:effectLst>
-                <a:outerShdw blurRad="38100" dist="19050" dir="2700000" algn="tl" rotWithShape="0">
-                  <a:schemeClr val="dk1">
-                    <a:alpha val="40000"/>
-                  </a:schemeClr>
-                </a:outerShdw>
-              </a:effectLst>
-            </a:endParaRPr>
-          </a:p>
-          <a:p>
-            <a:pPr>
-              <a:lnSpc>
-                <a:spcPct val="150000"/>
-              </a:lnSpc>
-            </a:pPr>
-            <a:r>
-              <a:rPr lang="en-US" sz="2400" b="1">
-                <a:solidFill>
-                  <a:schemeClr val="tx1"/>
-                </a:solidFill>
-                <a:effectLst>
-                  <a:outerShdw blurRad="38100" dist="19050" dir="2700000" algn="tl" rotWithShape="0">
-                    <a:schemeClr val="dk1">
-                      <a:alpha val="40000"/>
-                    </a:schemeClr>
-                  </a:outerShdw>
-                </a:effectLst>
-              </a:rPr>
-              <a:t>Dr. Rekha Chaturvedi</a:t>
-            </a:r>
-            <a:endParaRPr lang="en-US" sz="2400" b="1">
-              <a:solidFill>
-                <a:schemeClr val="tx1"/>
-              </a:solidFill>
-              <a:effectLst>
-                <a:outerShdw blurRad="38100" dist="19050" dir="2700000" algn="tl" rotWithShape="0">
-                  <a:schemeClr val="dk1">
-                    <a:alpha val="40000"/>
-                  </a:schemeClr>
-                </a:outerShdw>
-              </a:effectLst>
-            </a:endParaRPr>
-          </a:p>
-        </p:txBody>
-      </p:sp>
     </p:spTree>
   </p:cSld>
   <p:clrMapOvr>
@@ -13552,8 +14062,8 @@
         </p:nvSpPr>
         <p:spPr>
           <a:xfrm>
-            <a:off x="6756400" y="377825"/>
-            <a:ext cx="2891155" cy="922020"/>
+            <a:off x="2406650" y="377825"/>
+            <a:ext cx="2485390" cy="922020"/>
           </a:xfrm>
           <a:prstGeom prst="rect">
             <a:avLst/>
@@ -13578,7 +14088,7 @@
                   </a:outerShdw>
                 </a:effectLst>
               </a:rPr>
-              <a:t>Unigrams</a:t>
+              <a:t>n-grams</a:t>
             </a:r>
             <a:endParaRPr lang="en-US" sz="5400" b="1">
               <a:solidFill>
@@ -13659,8 +14169,132 @@
         </p:blipFill>
         <p:spPr>
           <a:xfrm>
-            <a:off x="2934970" y="2195830"/>
-            <a:ext cx="6489700" cy="2531110"/>
+            <a:off x="2096770" y="1814830"/>
+            <a:ext cx="3681095" cy="1435735"/>
+          </a:xfrm>
+          <a:prstGeom prst="rect">
+            <a:avLst/>
+          </a:prstGeom>
+        </p:spPr>
+      </p:pic>
+      <p:pic>
+        <p:nvPicPr>
+          <p:cNvPr id="4" name="Picture 3"/>
+          <p:cNvPicPr>
+            <a:picLocks noChangeAspect="1"/>
+          </p:cNvPicPr>
+          <p:nvPr/>
+        </p:nvPicPr>
+        <p:blipFill>
+          <a:blip r:embed="rId4"/>
+          <a:stretch>
+            <a:fillRect/>
+          </a:stretch>
+        </p:blipFill>
+        <p:spPr>
+          <a:xfrm>
+            <a:off x="2120900" y="5185410"/>
+            <a:ext cx="3961130" cy="1544955"/>
+          </a:xfrm>
+          <a:prstGeom prst="rect">
+            <a:avLst/>
+          </a:prstGeom>
+        </p:spPr>
+      </p:pic>
+      <p:pic>
+        <p:nvPicPr>
+          <p:cNvPr id="8" name="Picture 7"/>
+          <p:cNvPicPr>
+            <a:picLocks noChangeAspect="1"/>
+          </p:cNvPicPr>
+          <p:nvPr/>
+        </p:nvPicPr>
+        <p:blipFill>
+          <a:blip r:embed="rId5"/>
+          <a:stretch>
+            <a:fillRect/>
+          </a:stretch>
+        </p:blipFill>
+        <p:spPr>
+          <a:xfrm>
+            <a:off x="2089150" y="3241040"/>
+            <a:ext cx="4006850" cy="1790065"/>
+          </a:xfrm>
+          <a:prstGeom prst="rect">
+            <a:avLst/>
+          </a:prstGeom>
+        </p:spPr>
+      </p:pic>
+      <p:sp>
+        <p:nvSpPr>
+          <p:cNvPr id="10" name="Text Box 9"/>
+          <p:cNvSpPr txBox="1"/>
+          <p:nvPr/>
+        </p:nvSpPr>
+        <p:spPr>
+          <a:xfrm>
+            <a:off x="6441440" y="516255"/>
+            <a:ext cx="3750945" cy="922020"/>
+          </a:xfrm>
+          <a:prstGeom prst="rect">
+            <a:avLst/>
+          </a:prstGeom>
+          <a:noFill/>
+        </p:spPr>
+        <p:txBody>
+          <a:bodyPr wrap="square" rtlCol="0">
+            <a:spAutoFit/>
+          </a:bodyPr>
+          <a:p>
+            <a:r>
+              <a:rPr lang="en-US" sz="5400" b="1">
+                <a:solidFill>
+                  <a:schemeClr val="tx1"/>
+                </a:solidFill>
+                <a:effectLst>
+                  <a:outerShdw blurRad="38100" dist="19050" dir="2700000" algn="tl" rotWithShape="0">
+                    <a:schemeClr val="dk1">
+                      <a:alpha val="40000"/>
+                    </a:schemeClr>
+                  </a:outerShdw>
+                </a:effectLst>
+              </a:rPr>
+              <a:t>Word Cloud</a:t>
+            </a:r>
+            <a:endParaRPr lang="en-US" sz="5400" b="1">
+              <a:solidFill>
+                <a:schemeClr val="tx1"/>
+              </a:solidFill>
+              <a:effectLst>
+                <a:outerShdw blurRad="38100" dist="19050" dir="2700000" algn="tl" rotWithShape="0">
+                  <a:schemeClr val="dk1">
+                    <a:alpha val="40000"/>
+                  </a:schemeClr>
+                </a:outerShdw>
+              </a:effectLst>
+            </a:endParaRPr>
+          </a:p>
+        </p:txBody>
+      </p:sp>
+      <p:pic>
+        <p:nvPicPr>
+          <p:cNvPr id="11" name="Picture 10"/>
+          <p:cNvPicPr>
+            <a:picLocks noChangeAspect="1"/>
+          </p:cNvPicPr>
+          <p:nvPr/>
+        </p:nvPicPr>
+        <p:blipFill>
+          <a:blip r:embed="rId6"/>
+          <a:srcRect l="13783" t="15712" r="13464" b="13950"/>
+          <a:stretch>
+            <a:fillRect/>
+          </a:stretch>
+        </p:blipFill>
+        <p:spPr>
+          <a:xfrm>
+            <a:off x="7005320" y="2166620"/>
+            <a:ext cx="4161155" cy="3018790"/>
           </a:xfrm>
           <a:prstGeom prst="rect">
             <a:avLst/>
@@ -13705,8 +14339,8 @@
         </p:nvSpPr>
         <p:spPr>
           <a:xfrm rot="10800000">
-            <a:off x="386080" y="1424305"/>
-            <a:ext cx="859790" cy="5434330"/>
+            <a:off x="386080" y="1300480"/>
+            <a:ext cx="859790" cy="5558155"/>
           </a:xfrm>
           <a:prstGeom prst="rect">
             <a:avLst/>
@@ -13761,8 +14395,8 @@
         </p:nvSpPr>
         <p:spPr>
           <a:xfrm>
-            <a:off x="6756400" y="377825"/>
-            <a:ext cx="2459355" cy="922020"/>
+            <a:off x="3968750" y="389255"/>
+            <a:ext cx="5137150" cy="922020"/>
           </a:xfrm>
           <a:prstGeom prst="rect">
             <a:avLst/>
@@ -13787,216 +14421,7 @@
                   </a:outerShdw>
                 </a:effectLst>
               </a:rPr>
-              <a:t>Bigrams</a:t>
-            </a:r>
-            <a:endParaRPr lang="en-US" sz="5400" b="1">
-              <a:solidFill>
-                <a:schemeClr val="tx1"/>
-              </a:solidFill>
-              <a:effectLst>
-                <a:outerShdw blurRad="38100" dist="19050" dir="2700000" algn="tl" rotWithShape="0">
-                  <a:schemeClr val="dk1">
-                    <a:alpha val="40000"/>
-                  </a:schemeClr>
-                </a:outerShdw>
-              </a:effectLst>
-            </a:endParaRPr>
-          </a:p>
-        </p:txBody>
-      </p:sp>
-      <p:pic>
-        <p:nvPicPr>
-          <p:cNvPr id="2" name="Picture 1"/>
-          <p:cNvPicPr>
-            <a:picLocks noChangeAspect="1"/>
-          </p:cNvPicPr>
-          <p:nvPr/>
-        </p:nvPicPr>
-        <p:blipFill>
-          <a:blip r:embed="rId1"/>
-          <a:stretch>
-            <a:fillRect/>
-          </a:stretch>
-        </p:blipFill>
-        <p:spPr>
-          <a:xfrm>
-            <a:off x="10062845" y="170180"/>
-            <a:ext cx="1899285" cy="1129665"/>
-          </a:xfrm>
-          <a:prstGeom prst="rect">
-            <a:avLst/>
-          </a:prstGeom>
-        </p:spPr>
-      </p:pic>
-      <p:pic>
-        <p:nvPicPr>
-          <p:cNvPr id="7" name="Picture 6"/>
-          <p:cNvPicPr>
-            <a:picLocks noChangeAspect="1"/>
-          </p:cNvPicPr>
-          <p:nvPr/>
-        </p:nvPicPr>
-        <p:blipFill>
-          <a:blip r:embed="rId2"/>
-          <a:stretch>
-            <a:fillRect/>
-          </a:stretch>
-        </p:blipFill>
-        <p:spPr>
-          <a:xfrm>
-            <a:off x="193040" y="170180"/>
-            <a:ext cx="1154430" cy="1129665"/>
-          </a:xfrm>
-          <a:prstGeom prst="rect">
-            <a:avLst/>
-          </a:prstGeom>
-        </p:spPr>
-      </p:pic>
-      <p:pic>
-        <p:nvPicPr>
-          <p:cNvPr id="4" name="Picture 3"/>
-          <p:cNvPicPr>
-            <a:picLocks noChangeAspect="1"/>
-          </p:cNvPicPr>
-          <p:nvPr/>
-        </p:nvPicPr>
-        <p:blipFill>
-          <a:blip r:embed="rId3"/>
-          <a:stretch>
-            <a:fillRect/>
-          </a:stretch>
-        </p:blipFill>
-        <p:spPr>
-          <a:xfrm>
-            <a:off x="3336290" y="2195830"/>
-            <a:ext cx="6535420" cy="2919730"/>
-          </a:xfrm>
-          <a:prstGeom prst="rect">
-            <a:avLst/>
-          </a:prstGeom>
-        </p:spPr>
-      </p:pic>
-    </p:spTree>
-  </p:cSld>
-  <p:clrMapOvr>
-    <a:masterClrMapping/>
-  </p:clrMapOvr>
-  <mc:AlternateContent xmlns:mc="http://schemas.openxmlformats.org/markup-compatibility/2006">
-    <mc:Choice xmlns:p14="http://schemas.microsoft.com/office/powerpoint/2010/main" Requires="p14">
-      <p:transition spd="slow" p14:dur="2000">
-        <p:fade/>
-      </p:transition>
-    </mc:Choice>
-    <mc:Fallback>
-      <p:transition spd="slow">
-        <p:fade/>
-      </p:transition>
-    </mc:Fallback>
-  </mc:AlternateContent>
-</p:sld>
-</file>
-
-<file path=ppt/slides/slide12.xml><?xml version="1.0" encoding="utf-8"?>
-<p:sld xmlns:a="http://schemas.openxmlformats.org/drawingml/2006/main" xmlns:r="http://schemas.openxmlformats.org/officeDocument/2006/relationships" xmlns:p="http://schemas.openxmlformats.org/presentationml/2006/main">
-  <p:cSld>
-    <p:spTree>
-      <p:nvGrpSpPr>
-        <p:cNvPr id="1" name=""/>
-        <p:cNvGrpSpPr/>
-        <p:nvPr/>
-      </p:nvGrpSpPr>
-      <p:grpSpPr/>
-      <p:sp>
-        <p:nvSpPr>
-          <p:cNvPr id="5" name="Text Box 4"/>
-          <p:cNvSpPr txBox="1"/>
-          <p:nvPr/>
-        </p:nvSpPr>
-        <p:spPr>
-          <a:xfrm rot="10800000">
-            <a:off x="386080" y="1424305"/>
-            <a:ext cx="859790" cy="5434330"/>
-          </a:xfrm>
-          <a:prstGeom prst="rect">
-            <a:avLst/>
-          </a:prstGeom>
-          <a:noFill/>
-        </p:spPr>
-        <p:txBody>
-          <a:bodyPr vert="eaVert" wrap="square" rtlCol="0">
-            <a:spAutoFit/>
-          </a:bodyPr>
-          <a:p>
-            <a:pPr algn="ctr"/>
-            <a:r>
-              <a:rPr lang="en-US" sz="4400" b="1">
-                <a:gradFill>
-                  <a:gsLst>
-                    <a:gs pos="21000">
-                      <a:srgbClr val="53575C"/>
-                    </a:gs>
-                    <a:gs pos="88000">
-                      <a:srgbClr val="C5C7CA"/>
-                    </a:gs>
-                  </a:gsLst>
-                  <a:lin ang="5400000"/>
-                </a:gradFill>
-                <a:effectLst/>
-              </a:rPr>
-              <a:t>OUR METHODOLOGIES</a:t>
-            </a:r>
-            <a:endParaRPr lang="en-US" sz="4400" b="1">
-              <a:gradFill>
-                <a:gsLst>
-                  <a:gs pos="21000">
-                    <a:srgbClr val="53575C"/>
-                  </a:gs>
-                  <a:gs pos="88000">
-                    <a:srgbClr val="C5C7CA"/>
-                  </a:gs>
-                </a:gsLst>
-                <a:lin ang="5400000"/>
-              </a:gradFill>
-              <a:effectLst/>
-            </a:endParaRPr>
-          </a:p>
-        </p:txBody>
-      </p:sp>
-      <p:sp>
-        <p:nvSpPr>
-          <p:cNvPr id="6" name="Text Box 5"/>
-          <p:cNvSpPr txBox="1"/>
-          <p:nvPr/>
-        </p:nvSpPr>
-        <p:spPr>
-          <a:xfrm>
-            <a:off x="6756400" y="377825"/>
-            <a:ext cx="2623185" cy="922020"/>
-          </a:xfrm>
-          <a:prstGeom prst="rect">
-            <a:avLst/>
-          </a:prstGeom>
-          <a:noFill/>
-        </p:spPr>
-        <p:txBody>
-          <a:bodyPr wrap="none" rtlCol="0">
-            <a:spAutoFit/>
-          </a:bodyPr>
-          <a:p>
-            <a:r>
-              <a:rPr lang="en-US" sz="5400" b="1">
-                <a:solidFill>
-                  <a:schemeClr val="tx1"/>
-                </a:solidFill>
-                <a:effectLst>
-                  <a:outerShdw blurRad="38100" dist="19050" dir="2700000" algn="tl" rotWithShape="0">
-                    <a:schemeClr val="dk1">
-                      <a:alpha val="40000"/>
-                    </a:schemeClr>
-                  </a:outerShdw>
-                </a:effectLst>
-              </a:rPr>
-              <a:t>Trigrams</a:t>
+              <a:t>Query Resolution</a:t>
             </a:r>
             <a:endParaRPr lang="en-US" sz="5400" b="1">
               <a:solidFill>
@@ -14077,14 +14502,667 @@
         </p:blipFill>
         <p:spPr>
           <a:xfrm>
-            <a:off x="3967480" y="2598420"/>
-            <a:ext cx="6321425" cy="2465705"/>
+            <a:off x="1245870" y="4589145"/>
+            <a:ext cx="2390775" cy="1914525"/>
           </a:xfrm>
           <a:prstGeom prst="rect">
             <a:avLst/>
           </a:prstGeom>
         </p:spPr>
       </p:pic>
+      <p:sp>
+        <p:nvSpPr>
+          <p:cNvPr id="4" name="Up Arrow 3"/>
+          <p:cNvSpPr/>
+          <p:nvPr/>
+        </p:nvSpPr>
+        <p:spPr>
+          <a:xfrm rot="1140000">
+            <a:off x="2673350" y="3963035"/>
+            <a:ext cx="250825" cy="466090"/>
+          </a:xfrm>
+          <a:prstGeom prst="upArrow">
+            <a:avLst/>
+          </a:prstGeom>
+          <a:solidFill>
+            <a:schemeClr val="bg1"/>
+          </a:solidFill>
+        </p:spPr>
+        <p:style>
+          <a:lnRef idx="2">
+            <a:schemeClr val="accent1">
+              <a:shade val="50000"/>
+            </a:schemeClr>
+          </a:lnRef>
+          <a:fillRef idx="1">
+            <a:schemeClr val="accent1"/>
+          </a:fillRef>
+          <a:effectRef idx="0">
+            <a:schemeClr val="accent1"/>
+          </a:effectRef>
+          <a:fontRef idx="minor">
+            <a:schemeClr val="lt1"/>
+          </a:fontRef>
+        </p:style>
+        <p:txBody>
+          <a:bodyPr rtlCol="0" anchor="ctr"/>
+          <a:p>
+            <a:pPr algn="ctr"/>
+            <a:endParaRPr lang="en-US"/>
+          </a:p>
+        </p:txBody>
+      </p:sp>
+      <p:sp>
+        <p:nvSpPr>
+          <p:cNvPr id="9" name="Rectangles 8"/>
+          <p:cNvSpPr/>
+          <p:nvPr/>
+        </p:nvSpPr>
+        <p:spPr>
+          <a:xfrm>
+            <a:off x="2432368" y="3079750"/>
+            <a:ext cx="1781175" cy="768350"/>
+          </a:xfrm>
+          <a:prstGeom prst="rect">
+            <a:avLst/>
+          </a:prstGeom>
+          <a:noFill/>
+          <a:ln>
+            <a:noFill/>
+          </a:ln>
+        </p:spPr>
+        <p:txBody>
+          <a:bodyPr wrap="none" rtlCol="0" anchor="t">
+            <a:spAutoFit/>
+          </a:bodyPr>
+          <a:p>
+            <a:pPr algn="ctr"/>
+            <a:r>
+              <a:rPr lang="en-US" altLang="zh-CN" sz="4400" b="1">
+                <a:solidFill>
+                  <a:schemeClr val="tx1"/>
+                </a:solidFill>
+                <a:effectLst>
+                  <a:outerShdw blurRad="38100" dist="19050" dir="2700000" algn="tl" rotWithShape="0">
+                    <a:schemeClr val="dk1">
+                      <a:alpha val="40000"/>
+                    </a:schemeClr>
+                  </a:outerShdw>
+                </a:effectLst>
+              </a:rPr>
+              <a:t>Akshar</a:t>
+            </a:r>
+            <a:endParaRPr lang="en-US" altLang="zh-CN" sz="4400" b="1">
+              <a:solidFill>
+                <a:schemeClr val="tx1"/>
+              </a:solidFill>
+              <a:effectLst>
+                <a:outerShdw blurRad="38100" dist="19050" dir="2700000" algn="tl" rotWithShape="0">
+                  <a:schemeClr val="dk1">
+                    <a:alpha val="40000"/>
+                  </a:schemeClr>
+                </a:outerShdw>
+              </a:effectLst>
+            </a:endParaRPr>
+          </a:p>
+        </p:txBody>
+      </p:sp>
+      <p:sp>
+        <p:nvSpPr>
+          <p:cNvPr id="10" name="Up Arrow 9"/>
+          <p:cNvSpPr/>
+          <p:nvPr/>
+        </p:nvSpPr>
+        <p:spPr>
+          <a:xfrm rot="3660000">
+            <a:off x="3701415" y="2578100"/>
+            <a:ext cx="250825" cy="466090"/>
+          </a:xfrm>
+          <a:prstGeom prst="upArrow">
+            <a:avLst/>
+          </a:prstGeom>
+          <a:solidFill>
+            <a:schemeClr val="bg1"/>
+          </a:solidFill>
+        </p:spPr>
+        <p:style>
+          <a:lnRef idx="2">
+            <a:schemeClr val="accent1">
+              <a:shade val="50000"/>
+            </a:schemeClr>
+          </a:lnRef>
+          <a:fillRef idx="1">
+            <a:schemeClr val="accent1"/>
+          </a:fillRef>
+          <a:effectRef idx="0">
+            <a:schemeClr val="accent1"/>
+          </a:effectRef>
+          <a:fontRef idx="minor">
+            <a:schemeClr val="lt1"/>
+          </a:fontRef>
+        </p:style>
+        <p:txBody>
+          <a:bodyPr rtlCol="0" anchor="ctr"/>
+          <a:p>
+            <a:pPr algn="ctr"/>
+            <a:endParaRPr lang="en-US"/>
+          </a:p>
+        </p:txBody>
+      </p:sp>
+      <p:sp>
+        <p:nvSpPr>
+          <p:cNvPr id="11" name="Rectangles 10"/>
+          <p:cNvSpPr/>
+          <p:nvPr/>
+        </p:nvSpPr>
+        <p:spPr>
+          <a:xfrm>
+            <a:off x="4271963" y="1902460"/>
+            <a:ext cx="2263775" cy="1198880"/>
+          </a:xfrm>
+          <a:prstGeom prst="rect">
+            <a:avLst/>
+          </a:prstGeom>
+          <a:noFill/>
+          <a:ln>
+            <a:noFill/>
+          </a:ln>
+        </p:spPr>
+        <p:txBody>
+          <a:bodyPr wrap="none" rtlCol="0" anchor="t">
+            <a:spAutoFit/>
+          </a:bodyPr>
+          <a:p>
+            <a:pPr algn="ctr"/>
+            <a:r>
+              <a:rPr lang="en-US" altLang="zh-CN" sz="3600" b="1">
+                <a:solidFill>
+                  <a:schemeClr val="tx1"/>
+                </a:solidFill>
+                <a:effectLst>
+                  <a:outerShdw blurRad="38100" dist="19050" dir="2700000" algn="tl" rotWithShape="0">
+                    <a:schemeClr val="dk1">
+                      <a:alpha val="40000"/>
+                    </a:schemeClr>
+                  </a:outerShdw>
+                </a:effectLst>
+              </a:rPr>
+              <a:t>Extractive  </a:t>
+            </a:r>
+            <a:endParaRPr lang="en-US" altLang="zh-CN" sz="3600" b="1">
+              <a:solidFill>
+                <a:schemeClr val="tx1"/>
+              </a:solidFill>
+              <a:effectLst>
+                <a:outerShdw blurRad="38100" dist="19050" dir="2700000" algn="tl" rotWithShape="0">
+                  <a:schemeClr val="dk1">
+                    <a:alpha val="40000"/>
+                  </a:schemeClr>
+                </a:outerShdw>
+              </a:effectLst>
+            </a:endParaRPr>
+          </a:p>
+          <a:p>
+            <a:pPr algn="ctr"/>
+            <a:r>
+              <a:rPr lang="en-US" altLang="zh-CN" sz="3600" b="1">
+                <a:solidFill>
+                  <a:schemeClr val="tx1"/>
+                </a:solidFill>
+                <a:effectLst>
+                  <a:outerShdw blurRad="38100" dist="19050" dir="2700000" algn="tl" rotWithShape="0">
+                    <a:schemeClr val="dk1">
+                      <a:alpha val="40000"/>
+                    </a:schemeClr>
+                  </a:outerShdw>
+                </a:effectLst>
+              </a:rPr>
+              <a:t>answering </a:t>
+            </a:r>
+            <a:endParaRPr lang="en-US" altLang="zh-CN" sz="3600" b="1">
+              <a:solidFill>
+                <a:schemeClr val="tx1"/>
+              </a:solidFill>
+              <a:effectLst>
+                <a:outerShdw blurRad="38100" dist="19050" dir="2700000" algn="tl" rotWithShape="0">
+                  <a:schemeClr val="dk1">
+                    <a:alpha val="40000"/>
+                  </a:schemeClr>
+                </a:outerShdw>
+              </a:effectLst>
+            </a:endParaRPr>
+          </a:p>
+        </p:txBody>
+      </p:sp>
+      <p:sp>
+        <p:nvSpPr>
+          <p:cNvPr id="12" name="Cloud Callout 11"/>
+          <p:cNvSpPr/>
+          <p:nvPr/>
+        </p:nvSpPr>
+        <p:spPr>
+          <a:xfrm>
+            <a:off x="6407150" y="1902460"/>
+            <a:ext cx="1736090" cy="1076325"/>
+          </a:xfrm>
+          <a:prstGeom prst="cloudCallout">
+            <a:avLst/>
+          </a:prstGeom>
+        </p:spPr>
+        <p:style>
+          <a:lnRef idx="2">
+            <a:schemeClr val="accent1">
+              <a:shade val="50000"/>
+            </a:schemeClr>
+          </a:lnRef>
+          <a:fillRef idx="1">
+            <a:schemeClr val="accent1"/>
+          </a:fillRef>
+          <a:effectRef idx="0">
+            <a:schemeClr val="accent1"/>
+          </a:effectRef>
+          <a:fontRef idx="minor">
+            <a:schemeClr val="lt1"/>
+          </a:fontRef>
+        </p:style>
+        <p:txBody>
+          <a:bodyPr rtlCol="0" anchor="ctr"/>
+          <a:p>
+            <a:pPr algn="ctr"/>
+            <a:endParaRPr lang="en-US"/>
+          </a:p>
+        </p:txBody>
+      </p:sp>
+      <p:sp>
+        <p:nvSpPr>
+          <p:cNvPr id="13" name="Text Box 12"/>
+          <p:cNvSpPr txBox="1"/>
+          <p:nvPr/>
+        </p:nvSpPr>
+        <p:spPr>
+          <a:xfrm>
+            <a:off x="6799580" y="2252345"/>
+            <a:ext cx="951230" cy="368300"/>
+          </a:xfrm>
+          <a:prstGeom prst="rect">
+            <a:avLst/>
+          </a:prstGeom>
+          <a:noFill/>
+        </p:spPr>
+        <p:txBody>
+          <a:bodyPr wrap="none" rtlCol="0">
+            <a:spAutoFit/>
+          </a:bodyPr>
+          <a:p>
+            <a:r>
+              <a:rPr lang="en-US" b="1"/>
+              <a:t>Internet</a:t>
+            </a:r>
+            <a:endParaRPr lang="en-US" b="1"/>
+          </a:p>
+        </p:txBody>
+      </p:sp>
+      <p:sp>
+        <p:nvSpPr>
+          <p:cNvPr id="14" name="Up Arrow 13"/>
+          <p:cNvSpPr/>
+          <p:nvPr/>
+        </p:nvSpPr>
+        <p:spPr>
+          <a:xfrm rot="6780000">
+            <a:off x="8637270" y="2514600"/>
+            <a:ext cx="250825" cy="466090"/>
+          </a:xfrm>
+          <a:prstGeom prst="upArrow">
+            <a:avLst/>
+          </a:prstGeom>
+          <a:solidFill>
+            <a:schemeClr val="bg1"/>
+          </a:solidFill>
+        </p:spPr>
+        <p:style>
+          <a:lnRef idx="2">
+            <a:schemeClr val="accent1">
+              <a:shade val="50000"/>
+            </a:schemeClr>
+          </a:lnRef>
+          <a:fillRef idx="1">
+            <a:schemeClr val="accent1"/>
+          </a:fillRef>
+          <a:effectRef idx="0">
+            <a:schemeClr val="accent1"/>
+          </a:effectRef>
+          <a:fontRef idx="minor">
+            <a:schemeClr val="lt1"/>
+          </a:fontRef>
+        </p:style>
+        <p:txBody>
+          <a:bodyPr rtlCol="0" anchor="ctr"/>
+          <a:p>
+            <a:pPr algn="ctr"/>
+            <a:endParaRPr lang="en-US"/>
+          </a:p>
+        </p:txBody>
+      </p:sp>
+      <p:pic>
+        <p:nvPicPr>
+          <p:cNvPr id="15" name="Picture 14"/>
+          <p:cNvPicPr>
+            <a:picLocks noChangeAspect="1"/>
+          </p:cNvPicPr>
+          <p:nvPr/>
+        </p:nvPicPr>
+        <p:blipFill>
+          <a:blip r:embed="rId4"/>
+          <a:stretch>
+            <a:fillRect/>
+          </a:stretch>
+        </p:blipFill>
+        <p:spPr>
+          <a:xfrm>
+            <a:off x="8996680" y="2625725"/>
+            <a:ext cx="2733675" cy="1676400"/>
+          </a:xfrm>
+          <a:prstGeom prst="rect">
+            <a:avLst/>
+          </a:prstGeom>
+        </p:spPr>
+      </p:pic>
+      <p:sp>
+        <p:nvSpPr>
+          <p:cNvPr id="16" name="Up Arrow 15"/>
+          <p:cNvSpPr/>
+          <p:nvPr/>
+        </p:nvSpPr>
+        <p:spPr>
+          <a:xfrm rot="6060000">
+            <a:off x="3893820" y="3963035"/>
+            <a:ext cx="250825" cy="466090"/>
+          </a:xfrm>
+          <a:prstGeom prst="upArrow">
+            <a:avLst/>
+          </a:prstGeom>
+          <a:solidFill>
+            <a:schemeClr val="bg1"/>
+          </a:solidFill>
+        </p:spPr>
+        <p:style>
+          <a:lnRef idx="2">
+            <a:schemeClr val="accent1">
+              <a:shade val="50000"/>
+            </a:schemeClr>
+          </a:lnRef>
+          <a:fillRef idx="1">
+            <a:schemeClr val="accent1"/>
+          </a:fillRef>
+          <a:effectRef idx="0">
+            <a:schemeClr val="accent1"/>
+          </a:effectRef>
+          <a:fontRef idx="minor">
+            <a:schemeClr val="lt1"/>
+          </a:fontRef>
+        </p:style>
+        <p:txBody>
+          <a:bodyPr rtlCol="0" anchor="ctr"/>
+          <a:p>
+            <a:pPr algn="ctr"/>
+            <a:endParaRPr lang="en-US"/>
+          </a:p>
+        </p:txBody>
+      </p:sp>
+      <p:sp>
+        <p:nvSpPr>
+          <p:cNvPr id="17" name="Rectangles 16"/>
+          <p:cNvSpPr/>
+          <p:nvPr/>
+        </p:nvSpPr>
+        <p:spPr>
+          <a:xfrm>
+            <a:off x="4398963" y="3870960"/>
+            <a:ext cx="2263775" cy="1198880"/>
+          </a:xfrm>
+          <a:prstGeom prst="rect">
+            <a:avLst/>
+          </a:prstGeom>
+          <a:noFill/>
+          <a:ln>
+            <a:noFill/>
+          </a:ln>
+        </p:spPr>
+        <p:txBody>
+          <a:bodyPr wrap="none" rtlCol="0" anchor="t">
+            <a:spAutoFit/>
+          </a:bodyPr>
+          <a:p>
+            <a:pPr algn="ctr"/>
+            <a:r>
+              <a:rPr lang="en-US" altLang="zh-CN" sz="3600" b="1">
+                <a:solidFill>
+                  <a:schemeClr val="tx1"/>
+                </a:solidFill>
+                <a:effectLst>
+                  <a:outerShdw blurRad="38100" dist="19050" dir="2700000" algn="tl" rotWithShape="0">
+                    <a:schemeClr val="dk1">
+                      <a:alpha val="40000"/>
+                    </a:schemeClr>
+                  </a:outerShdw>
+                </a:effectLst>
+              </a:rPr>
+              <a:t>Extractive  </a:t>
+            </a:r>
+            <a:endParaRPr lang="en-US" altLang="zh-CN" sz="3600" b="1">
+              <a:solidFill>
+                <a:schemeClr val="tx1"/>
+              </a:solidFill>
+              <a:effectLst>
+                <a:outerShdw blurRad="38100" dist="19050" dir="2700000" algn="tl" rotWithShape="0">
+                  <a:schemeClr val="dk1">
+                    <a:alpha val="40000"/>
+                  </a:schemeClr>
+                </a:outerShdw>
+              </a:effectLst>
+            </a:endParaRPr>
+          </a:p>
+          <a:p>
+            <a:pPr algn="ctr"/>
+            <a:r>
+              <a:rPr lang="en-US" altLang="zh-CN" sz="3600" b="1">
+                <a:solidFill>
+                  <a:schemeClr val="tx1"/>
+                </a:solidFill>
+                <a:effectLst>
+                  <a:outerShdw blurRad="38100" dist="19050" dir="2700000" algn="tl" rotWithShape="0">
+                    <a:schemeClr val="dk1">
+                      <a:alpha val="40000"/>
+                    </a:schemeClr>
+                  </a:outerShdw>
+                </a:effectLst>
+              </a:rPr>
+              <a:t>Summary </a:t>
+            </a:r>
+            <a:endParaRPr lang="en-US" altLang="zh-CN" sz="3600" b="1">
+              <a:solidFill>
+                <a:schemeClr val="tx1"/>
+              </a:solidFill>
+              <a:effectLst>
+                <a:outerShdw blurRad="38100" dist="19050" dir="2700000" algn="tl" rotWithShape="0">
+                  <a:schemeClr val="dk1">
+                    <a:alpha val="40000"/>
+                  </a:schemeClr>
+                </a:outerShdw>
+              </a:effectLst>
+            </a:endParaRPr>
+          </a:p>
+        </p:txBody>
+      </p:sp>
+      <p:sp>
+        <p:nvSpPr>
+          <p:cNvPr id="18" name="Cloud Callout 17"/>
+          <p:cNvSpPr/>
+          <p:nvPr/>
+        </p:nvSpPr>
+        <p:spPr>
+          <a:xfrm>
+            <a:off x="6534150" y="3870960"/>
+            <a:ext cx="1736090" cy="1076325"/>
+          </a:xfrm>
+          <a:prstGeom prst="cloudCallout">
+            <a:avLst/>
+          </a:prstGeom>
+        </p:spPr>
+        <p:style>
+          <a:lnRef idx="2">
+            <a:schemeClr val="accent1">
+              <a:shade val="50000"/>
+            </a:schemeClr>
+          </a:lnRef>
+          <a:fillRef idx="1">
+            <a:schemeClr val="accent1"/>
+          </a:fillRef>
+          <a:effectRef idx="0">
+            <a:schemeClr val="accent1"/>
+          </a:effectRef>
+          <a:fontRef idx="minor">
+            <a:schemeClr val="lt1"/>
+          </a:fontRef>
+        </p:style>
+        <p:txBody>
+          <a:bodyPr rtlCol="0" anchor="ctr"/>
+          <a:p>
+            <a:pPr algn="ctr"/>
+            <a:endParaRPr lang="en-US"/>
+          </a:p>
+        </p:txBody>
+      </p:sp>
+      <p:sp>
+        <p:nvSpPr>
+          <p:cNvPr id="19" name="Text Box 18"/>
+          <p:cNvSpPr txBox="1"/>
+          <p:nvPr/>
+        </p:nvSpPr>
+        <p:spPr>
+          <a:xfrm>
+            <a:off x="6926580" y="4220845"/>
+            <a:ext cx="951230" cy="368300"/>
+          </a:xfrm>
+          <a:prstGeom prst="rect">
+            <a:avLst/>
+          </a:prstGeom>
+          <a:noFill/>
+        </p:spPr>
+        <p:txBody>
+          <a:bodyPr wrap="none" rtlCol="0">
+            <a:spAutoFit/>
+          </a:bodyPr>
+          <a:p>
+            <a:r>
+              <a:rPr lang="en-US" b="1"/>
+              <a:t>Internet</a:t>
+            </a:r>
+            <a:endParaRPr lang="en-US" b="1"/>
+          </a:p>
+        </p:txBody>
+      </p:sp>
+      <p:sp>
+        <p:nvSpPr>
+          <p:cNvPr id="20" name="Up Arrow 19"/>
+          <p:cNvSpPr/>
+          <p:nvPr/>
+        </p:nvSpPr>
+        <p:spPr>
+          <a:xfrm rot="2940000">
+            <a:off x="8748395" y="4244975"/>
+            <a:ext cx="250825" cy="466090"/>
+          </a:xfrm>
+          <a:prstGeom prst="upArrow">
+            <a:avLst/>
+          </a:prstGeom>
+          <a:solidFill>
+            <a:schemeClr val="bg1"/>
+          </a:solidFill>
+        </p:spPr>
+        <p:style>
+          <a:lnRef idx="2">
+            <a:schemeClr val="accent1">
+              <a:shade val="50000"/>
+            </a:schemeClr>
+          </a:lnRef>
+          <a:fillRef idx="1">
+            <a:schemeClr val="accent1"/>
+          </a:fillRef>
+          <a:effectRef idx="0">
+            <a:schemeClr val="accent1"/>
+          </a:effectRef>
+          <a:fontRef idx="minor">
+            <a:schemeClr val="lt1"/>
+          </a:fontRef>
+        </p:style>
+        <p:txBody>
+          <a:bodyPr rtlCol="0" anchor="ctr"/>
+          <a:p>
+            <a:pPr algn="ctr"/>
+            <a:endParaRPr lang="en-US"/>
+          </a:p>
+        </p:txBody>
+      </p:sp>
+      <p:sp>
+        <p:nvSpPr>
+          <p:cNvPr id="21" name="Text Box 20"/>
+          <p:cNvSpPr txBox="1"/>
+          <p:nvPr/>
+        </p:nvSpPr>
+        <p:spPr>
+          <a:xfrm rot="19620000">
+            <a:off x="3017520" y="2317750"/>
+            <a:ext cx="941070" cy="368300"/>
+          </a:xfrm>
+          <a:prstGeom prst="rect">
+            <a:avLst/>
+          </a:prstGeom>
+          <a:noFill/>
+        </p:spPr>
+        <p:txBody>
+          <a:bodyPr wrap="none" rtlCol="0">
+            <a:spAutoFit/>
+          </a:bodyPr>
+          <a:p>
+            <a:r>
+              <a:rPr lang="en-US"/>
+              <a:t>Specific </a:t>
+            </a:r>
+            <a:endParaRPr lang="en-US"/>
+          </a:p>
+        </p:txBody>
+      </p:sp>
+      <p:sp>
+        <p:nvSpPr>
+          <p:cNvPr id="22" name="Text Box 21"/>
+          <p:cNvSpPr txBox="1"/>
+          <p:nvPr/>
+        </p:nvSpPr>
+        <p:spPr>
+          <a:xfrm rot="780000">
+            <a:off x="3460115" y="4505960"/>
+            <a:ext cx="903605" cy="368300"/>
+          </a:xfrm>
+          <a:prstGeom prst="rect">
+            <a:avLst/>
+          </a:prstGeom>
+          <a:noFill/>
+        </p:spPr>
+        <p:txBody>
+          <a:bodyPr wrap="none" rtlCol="0">
+            <a:spAutoFit/>
+          </a:bodyPr>
+          <a:p>
+            <a:r>
+              <a:rPr lang="en-US"/>
+              <a:t>Generic</a:t>
+            </a:r>
+            <a:endParaRPr lang="en-US"/>
+          </a:p>
+        </p:txBody>
+      </p:sp>
     </p:spTree>
   </p:cSld>
   <p:clrMapOvr>
@@ -14105,7 +15183,7 @@
 </p:sld>
 </file>
 
-<file path=ppt/slides/slide13.xml><?xml version="1.0" encoding="utf-8"?>
+<file path=ppt/slides/slide12.xml><?xml version="1.0" encoding="utf-8"?>
 <p:sld xmlns:a="http://schemas.openxmlformats.org/drawingml/2006/main" xmlns:r="http://schemas.openxmlformats.org/officeDocument/2006/relationships" xmlns:p="http://schemas.openxmlformats.org/presentationml/2006/main">
   <p:cSld>
     <p:spTree>
@@ -14117,70 +15195,14 @@
       <p:grpSpPr/>
       <p:sp>
         <p:nvSpPr>
-          <p:cNvPr id="5" name="Text Box 4"/>
-          <p:cNvSpPr txBox="1"/>
-          <p:nvPr/>
-        </p:nvSpPr>
-        <p:spPr>
-          <a:xfrm rot="10800000">
-            <a:off x="386080" y="0"/>
-            <a:ext cx="859790" cy="6858635"/>
-          </a:xfrm>
-          <a:prstGeom prst="rect">
-            <a:avLst/>
-          </a:prstGeom>
-          <a:noFill/>
-        </p:spPr>
-        <p:txBody>
-          <a:bodyPr vert="eaVert" wrap="square" rtlCol="0">
-            <a:spAutoFit/>
-          </a:bodyPr>
-          <a:p>
-            <a:pPr algn="ctr"/>
-            <a:r>
-              <a:rPr lang="en-US" sz="4400" b="1">
-                <a:gradFill>
-                  <a:gsLst>
-                    <a:gs pos="21000">
-                      <a:srgbClr val="53575C"/>
-                    </a:gs>
-                    <a:gs pos="88000">
-                      <a:srgbClr val="C5C7CA"/>
-                    </a:gs>
-                  </a:gsLst>
-                  <a:lin ang="5400000"/>
-                </a:gradFill>
-                <a:effectLst/>
-              </a:rPr>
-              <a:t>OUR METHODOLOGIES</a:t>
-            </a:r>
-            <a:endParaRPr lang="en-US" sz="4400" b="1">
-              <a:gradFill>
-                <a:gsLst>
-                  <a:gs pos="21000">
-                    <a:srgbClr val="53575C"/>
-                  </a:gs>
-                  <a:gs pos="88000">
-                    <a:srgbClr val="C5C7CA"/>
-                  </a:gs>
-                </a:gsLst>
-                <a:lin ang="5400000"/>
-              </a:gradFill>
-              <a:effectLst/>
-            </a:endParaRPr>
-          </a:p>
-        </p:txBody>
-      </p:sp>
-      <p:sp>
-        <p:nvSpPr>
           <p:cNvPr id="6" name="Text Box 5"/>
           <p:cNvSpPr txBox="1"/>
           <p:nvPr/>
         </p:nvSpPr>
         <p:spPr>
           <a:xfrm>
-            <a:off x="6063615" y="377825"/>
-            <a:ext cx="3541395" cy="922020"/>
+            <a:off x="4143375" y="198755"/>
+            <a:ext cx="5890260" cy="922020"/>
           </a:xfrm>
           <a:prstGeom prst="rect">
             <a:avLst/>
@@ -14205,7 +15227,7 @@
                   </a:outerShdw>
                 </a:effectLst>
               </a:rPr>
-              <a:t>Word Cloud</a:t>
+              <a:t>System Architecture</a:t>
             </a:r>
             <a:endParaRPr lang="en-US" sz="5400" b="1">
               <a:solidFill>
@@ -14272,7 +15294,7 @@
       </p:pic>
       <p:pic>
         <p:nvPicPr>
-          <p:cNvPr id="4" name="Picture 3"/>
+          <p:cNvPr id="4" name="Picture 3" descr="sa"/>
           <p:cNvPicPr>
             <a:picLocks noChangeAspect="1"/>
           </p:cNvPicPr>
@@ -14280,15 +15302,14 @@
         </p:nvPicPr>
         <p:blipFill>
           <a:blip r:embed="rId3"/>
-          <a:srcRect l="13783" t="15712" r="13464" b="13950"/>
           <a:stretch>
             <a:fillRect/>
           </a:stretch>
         </p:blipFill>
         <p:spPr>
           <a:xfrm>
-            <a:off x="3569970" y="1917065"/>
-            <a:ext cx="5511800" cy="3997960"/>
+            <a:off x="1347470" y="258445"/>
+            <a:ext cx="8313420" cy="6342380"/>
           </a:xfrm>
           <a:prstGeom prst="rect">
             <a:avLst/>
@@ -14315,437 +15336,7 @@
 </p:sld>
 </file>
 
-<file path=ppt/slides/slide14.xml><?xml version="1.0" encoding="utf-8"?>
-<p:sld xmlns:a="http://schemas.openxmlformats.org/drawingml/2006/main" xmlns:r="http://schemas.openxmlformats.org/officeDocument/2006/relationships" xmlns:p="http://schemas.openxmlformats.org/presentationml/2006/main">
-  <p:cSld>
-    <p:spTree>
-      <p:nvGrpSpPr>
-        <p:cNvPr id="1" name=""/>
-        <p:cNvGrpSpPr/>
-        <p:nvPr/>
-      </p:nvGrpSpPr>
-      <p:grpSpPr/>
-      <p:sp>
-        <p:nvSpPr>
-          <p:cNvPr id="5" name="Text Box 4"/>
-          <p:cNvSpPr txBox="1"/>
-          <p:nvPr/>
-        </p:nvSpPr>
-        <p:spPr>
-          <a:xfrm rot="10800000">
-            <a:off x="386080" y="0"/>
-            <a:ext cx="859790" cy="6858635"/>
-          </a:xfrm>
-          <a:prstGeom prst="rect">
-            <a:avLst/>
-          </a:prstGeom>
-          <a:noFill/>
-        </p:spPr>
-        <p:txBody>
-          <a:bodyPr vert="eaVert" wrap="square" rtlCol="0">
-            <a:spAutoFit/>
-          </a:bodyPr>
-          <a:p>
-            <a:pPr algn="ctr"/>
-            <a:r>
-              <a:rPr lang="en-US" sz="4400" b="1">
-                <a:gradFill>
-                  <a:gsLst>
-                    <a:gs pos="21000">
-                      <a:srgbClr val="53575C"/>
-                    </a:gs>
-                    <a:gs pos="88000">
-                      <a:srgbClr val="C5C7CA"/>
-                    </a:gs>
-                  </a:gsLst>
-                  <a:lin ang="5400000"/>
-                </a:gradFill>
-                <a:effectLst/>
-              </a:rPr>
-              <a:t>OUR METHODOLOGIES</a:t>
-            </a:r>
-            <a:endParaRPr lang="en-US" sz="4400" b="1">
-              <a:gradFill>
-                <a:gsLst>
-                  <a:gs pos="21000">
-                    <a:srgbClr val="53575C"/>
-                  </a:gs>
-                  <a:gs pos="88000">
-                    <a:srgbClr val="C5C7CA"/>
-                  </a:gs>
-                </a:gsLst>
-                <a:lin ang="5400000"/>
-              </a:gradFill>
-              <a:effectLst/>
-            </a:endParaRPr>
-          </a:p>
-        </p:txBody>
-      </p:sp>
-      <p:sp>
-        <p:nvSpPr>
-          <p:cNvPr id="6" name="Text Box 5"/>
-          <p:cNvSpPr txBox="1"/>
-          <p:nvPr/>
-        </p:nvSpPr>
-        <p:spPr>
-          <a:xfrm>
-            <a:off x="2762250" y="389255"/>
-            <a:ext cx="6157595" cy="922020"/>
-          </a:xfrm>
-          <a:prstGeom prst="rect">
-            <a:avLst/>
-          </a:prstGeom>
-          <a:noFill/>
-        </p:spPr>
-        <p:txBody>
-          <a:bodyPr wrap="none" rtlCol="0">
-            <a:spAutoFit/>
-          </a:bodyPr>
-          <a:p>
-            <a:r>
-              <a:rPr lang="en-US" sz="5400" b="1">
-                <a:solidFill>
-                  <a:schemeClr val="tx1"/>
-                </a:solidFill>
-                <a:effectLst>
-                  <a:outerShdw blurRad="38100" dist="19050" dir="2700000" algn="tl" rotWithShape="0">
-                    <a:schemeClr val="dk1">
-                      <a:alpha val="40000"/>
-                    </a:schemeClr>
-                  </a:outerShdw>
-                </a:effectLst>
-              </a:rPr>
-              <a:t>Extractive Answering</a:t>
-            </a:r>
-            <a:endParaRPr lang="en-US" sz="5400" b="1">
-              <a:solidFill>
-                <a:schemeClr val="tx1"/>
-              </a:solidFill>
-              <a:effectLst>
-                <a:outerShdw blurRad="38100" dist="19050" dir="2700000" algn="tl" rotWithShape="0">
-                  <a:schemeClr val="dk1">
-                    <a:alpha val="40000"/>
-                  </a:schemeClr>
-                </a:outerShdw>
-              </a:effectLst>
-            </a:endParaRPr>
-          </a:p>
-        </p:txBody>
-      </p:sp>
-      <p:pic>
-        <p:nvPicPr>
-          <p:cNvPr id="2" name="Picture 1"/>
-          <p:cNvPicPr>
-            <a:picLocks noChangeAspect="1"/>
-          </p:cNvPicPr>
-          <p:nvPr/>
-        </p:nvPicPr>
-        <p:blipFill>
-          <a:blip r:embed="rId1"/>
-          <a:stretch>
-            <a:fillRect/>
-          </a:stretch>
-        </p:blipFill>
-        <p:spPr>
-          <a:xfrm>
-            <a:off x="10062845" y="170180"/>
-            <a:ext cx="1899285" cy="1129665"/>
-          </a:xfrm>
-          <a:prstGeom prst="rect">
-            <a:avLst/>
-          </a:prstGeom>
-        </p:spPr>
-      </p:pic>
-      <p:pic>
-        <p:nvPicPr>
-          <p:cNvPr id="7" name="Picture 6"/>
-          <p:cNvPicPr>
-            <a:picLocks noChangeAspect="1"/>
-          </p:cNvPicPr>
-          <p:nvPr/>
-        </p:nvPicPr>
-        <p:blipFill>
-          <a:blip r:embed="rId2"/>
-          <a:stretch>
-            <a:fillRect/>
-          </a:stretch>
-        </p:blipFill>
-        <p:spPr>
-          <a:xfrm>
-            <a:off x="193040" y="170180"/>
-            <a:ext cx="1154430" cy="1129665"/>
-          </a:xfrm>
-          <a:prstGeom prst="rect">
-            <a:avLst/>
-          </a:prstGeom>
-        </p:spPr>
-      </p:pic>
-    </p:spTree>
-  </p:cSld>
-  <p:clrMapOvr>
-    <a:masterClrMapping/>
-  </p:clrMapOvr>
-  <mc:AlternateContent xmlns:mc="http://schemas.openxmlformats.org/markup-compatibility/2006">
-    <mc:Choice xmlns:p14="http://schemas.microsoft.com/office/powerpoint/2010/main" Requires="p14">
-      <p:transition spd="slow" p14:dur="2000">
-        <p:fade/>
-      </p:transition>
-    </mc:Choice>
-    <mc:Fallback>
-      <p:transition spd="slow">
-        <p:fade/>
-      </p:transition>
-    </mc:Fallback>
-  </mc:AlternateContent>
-</p:sld>
-</file>
-
-<file path=ppt/slides/slide15.xml><?xml version="1.0" encoding="utf-8"?>
-<p:sld xmlns:a="http://schemas.openxmlformats.org/drawingml/2006/main" xmlns:r="http://schemas.openxmlformats.org/officeDocument/2006/relationships" xmlns:p="http://schemas.openxmlformats.org/presentationml/2006/main">
-  <p:cSld>
-    <p:spTree>
-      <p:nvGrpSpPr>
-        <p:cNvPr id="1" name=""/>
-        <p:cNvGrpSpPr/>
-        <p:nvPr/>
-      </p:nvGrpSpPr>
-      <p:grpSpPr/>
-      <p:sp>
-        <p:nvSpPr>
-          <p:cNvPr id="5" name="Text Box 4"/>
-          <p:cNvSpPr txBox="1"/>
-          <p:nvPr/>
-        </p:nvSpPr>
-        <p:spPr>
-          <a:xfrm rot="10800000">
-            <a:off x="386080" y="0"/>
-            <a:ext cx="859790" cy="6858635"/>
-          </a:xfrm>
-          <a:prstGeom prst="rect">
-            <a:avLst/>
-          </a:prstGeom>
-          <a:noFill/>
-        </p:spPr>
-        <p:txBody>
-          <a:bodyPr vert="eaVert" wrap="square" rtlCol="0">
-            <a:spAutoFit/>
-          </a:bodyPr>
-          <a:p>
-            <a:pPr algn="ctr"/>
-            <a:r>
-              <a:rPr lang="en-US" sz="4400" b="1">
-                <a:gradFill>
-                  <a:gsLst>
-                    <a:gs pos="21000">
-                      <a:srgbClr val="53575C"/>
-                    </a:gs>
-                    <a:gs pos="88000">
-                      <a:srgbClr val="C5C7CA"/>
-                    </a:gs>
-                  </a:gsLst>
-                  <a:lin ang="5400000"/>
-                </a:gradFill>
-                <a:effectLst/>
-              </a:rPr>
-              <a:t>OUR METHODOLOGIES</a:t>
-            </a:r>
-            <a:endParaRPr lang="en-US" sz="4400" b="1">
-              <a:gradFill>
-                <a:gsLst>
-                  <a:gs pos="21000">
-                    <a:srgbClr val="53575C"/>
-                  </a:gs>
-                  <a:gs pos="88000">
-                    <a:srgbClr val="C5C7CA"/>
-                  </a:gs>
-                </a:gsLst>
-                <a:lin ang="5400000"/>
-              </a:gradFill>
-              <a:effectLst/>
-            </a:endParaRPr>
-          </a:p>
-        </p:txBody>
-      </p:sp>
-      <p:sp>
-        <p:nvSpPr>
-          <p:cNvPr id="6" name="Text Box 5"/>
-          <p:cNvSpPr txBox="1"/>
-          <p:nvPr/>
-        </p:nvSpPr>
-        <p:spPr>
-          <a:xfrm>
-            <a:off x="3968750" y="389255"/>
-            <a:ext cx="6099810" cy="922020"/>
-          </a:xfrm>
-          <a:prstGeom prst="rect">
-            <a:avLst/>
-          </a:prstGeom>
-          <a:noFill/>
-        </p:spPr>
-        <p:txBody>
-          <a:bodyPr wrap="none" rtlCol="0">
-            <a:spAutoFit/>
-          </a:bodyPr>
-          <a:p>
-            <a:r>
-              <a:rPr lang="en-US" sz="5400" b="1">
-                <a:solidFill>
-                  <a:schemeClr val="tx1"/>
-                </a:solidFill>
-                <a:effectLst>
-                  <a:outerShdw blurRad="38100" dist="19050" dir="2700000" algn="tl" rotWithShape="0">
-                    <a:schemeClr val="dk1">
-                      <a:alpha val="40000"/>
-                    </a:schemeClr>
-                  </a:outerShdw>
-                </a:effectLst>
-              </a:rPr>
-              <a:t>Abstractive Methods</a:t>
-            </a:r>
-            <a:endParaRPr lang="en-US" sz="5400" b="1">
-              <a:solidFill>
-                <a:schemeClr val="tx1"/>
-              </a:solidFill>
-              <a:effectLst>
-                <a:outerShdw blurRad="38100" dist="19050" dir="2700000" algn="tl" rotWithShape="0">
-                  <a:schemeClr val="dk1">
-                    <a:alpha val="40000"/>
-                  </a:schemeClr>
-                </a:outerShdw>
-              </a:effectLst>
-            </a:endParaRPr>
-          </a:p>
-        </p:txBody>
-      </p:sp>
-      <p:pic>
-        <p:nvPicPr>
-          <p:cNvPr id="2" name="Picture 1"/>
-          <p:cNvPicPr>
-            <a:picLocks noChangeAspect="1"/>
-          </p:cNvPicPr>
-          <p:nvPr/>
-        </p:nvPicPr>
-        <p:blipFill>
-          <a:blip r:embed="rId1"/>
-          <a:stretch>
-            <a:fillRect/>
-          </a:stretch>
-        </p:blipFill>
-        <p:spPr>
-          <a:xfrm>
-            <a:off x="10062845" y="170180"/>
-            <a:ext cx="1899285" cy="1129665"/>
-          </a:xfrm>
-          <a:prstGeom prst="rect">
-            <a:avLst/>
-          </a:prstGeom>
-        </p:spPr>
-      </p:pic>
-      <p:pic>
-        <p:nvPicPr>
-          <p:cNvPr id="7" name="Picture 6"/>
-          <p:cNvPicPr>
-            <a:picLocks noChangeAspect="1"/>
-          </p:cNvPicPr>
-          <p:nvPr/>
-        </p:nvPicPr>
-        <p:blipFill>
-          <a:blip r:embed="rId2"/>
-          <a:stretch>
-            <a:fillRect/>
-          </a:stretch>
-        </p:blipFill>
-        <p:spPr>
-          <a:xfrm>
-            <a:off x="193040" y="170180"/>
-            <a:ext cx="1154430" cy="1129665"/>
-          </a:xfrm>
-          <a:prstGeom prst="rect">
-            <a:avLst/>
-          </a:prstGeom>
-        </p:spPr>
-      </p:pic>
-    </p:spTree>
-  </p:cSld>
-  <p:clrMapOvr>
-    <a:masterClrMapping/>
-  </p:clrMapOvr>
-  <mc:AlternateContent xmlns:mc="http://schemas.openxmlformats.org/markup-compatibility/2006">
-    <mc:Choice xmlns:p14="http://schemas.microsoft.com/office/powerpoint/2010/main" Requires="p14">
-      <p:transition spd="slow" p14:dur="2000">
-        <p:fade/>
-      </p:transition>
-    </mc:Choice>
-    <mc:Fallback>
-      <p:transition spd="slow">
-        <p:fade/>
-      </p:transition>
-    </mc:Fallback>
-  </mc:AlternateContent>
-</p:sld>
-</file>
-
-<file path=ppt/slides/slide16.xml><?xml version="1.0" encoding="utf-8"?>
-<p:sld xmlns:a="http://schemas.openxmlformats.org/drawingml/2006/main" xmlns:r="http://schemas.openxmlformats.org/officeDocument/2006/relationships" xmlns:p="http://schemas.openxmlformats.org/presentationml/2006/main">
-  <p:cSld>
-    <p:spTree>
-      <p:nvGrpSpPr>
-        <p:cNvPr id="1" name=""/>
-        <p:cNvGrpSpPr/>
-        <p:nvPr/>
-      </p:nvGrpSpPr>
-      <p:grpSpPr/>
-    </p:spTree>
-  </p:cSld>
-  <p:clrMapOvr>
-    <a:masterClrMapping/>
-  </p:clrMapOvr>
-  <mc:AlternateContent xmlns:mc="http://schemas.openxmlformats.org/markup-compatibility/2006">
-    <mc:Choice xmlns:p14="http://schemas.microsoft.com/office/powerpoint/2010/main" Requires="p14">
-      <p:transition spd="slow" p14:dur="2000">
-        <p:fade/>
-      </p:transition>
-    </mc:Choice>
-    <mc:Fallback>
-      <p:transition spd="slow">
-        <p:fade/>
-      </p:transition>
-    </mc:Fallback>
-  </mc:AlternateContent>
-</p:sld>
-</file>
-
-<file path=ppt/slides/slide17.xml><?xml version="1.0" encoding="utf-8"?>
-<p:sld xmlns:a="http://schemas.openxmlformats.org/drawingml/2006/main" xmlns:r="http://schemas.openxmlformats.org/officeDocument/2006/relationships" xmlns:p="http://schemas.openxmlformats.org/presentationml/2006/main">
-  <p:cSld>
-    <p:spTree>
-      <p:nvGrpSpPr>
-        <p:cNvPr id="1" name=""/>
-        <p:cNvGrpSpPr/>
-        <p:nvPr/>
-      </p:nvGrpSpPr>
-      <p:grpSpPr/>
-    </p:spTree>
-  </p:cSld>
-  <p:clrMapOvr>
-    <a:masterClrMapping/>
-  </p:clrMapOvr>
-  <mc:AlternateContent xmlns:mc="http://schemas.openxmlformats.org/markup-compatibility/2006">
-    <mc:Choice xmlns:p14="http://schemas.microsoft.com/office/powerpoint/2010/main" Requires="p14">
-      <p:transition spd="slow" p14:dur="2000">
-        <p:fade/>
-      </p:transition>
-    </mc:Choice>
-    <mc:Fallback>
-      <p:transition spd="slow">
-        <p:fade/>
-      </p:transition>
-    </mc:Fallback>
-  </mc:AlternateContent>
-</p:sld>
-</file>
-
-<file path=ppt/slides/slide18.xml><?xml version="1.0" encoding="utf-8"?>
+<file path=ppt/slides/slide13.xml><?xml version="1.0" encoding="utf-8"?>
 <p:sld xmlns:a="http://schemas.openxmlformats.org/drawingml/2006/main" xmlns:r="http://schemas.openxmlformats.org/officeDocument/2006/relationships" xmlns:p="http://schemas.openxmlformats.org/presentationml/2006/main">
   <p:cSld>
     <p:bg>
@@ -14993,7 +15584,7 @@
 </p:sld>
 </file>
 
-<file path=ppt/slides/slide19.xml><?xml version="1.0" encoding="utf-8"?>
+<file path=ppt/slides/slide14.xml><?xml version="1.0" encoding="utf-8"?>
 <p:sld xmlns:a="http://schemas.openxmlformats.org/drawingml/2006/main" xmlns:r="http://schemas.openxmlformats.org/officeDocument/2006/relationships" xmlns:p="http://schemas.openxmlformats.org/presentationml/2006/main">
   <p:cSld>
     <p:bg>
@@ -15434,6 +16025,1381 @@
           </a:prstGeom>
         </p:spPr>
       </p:pic>
+      <p:sp>
+        <p:nvSpPr>
+          <p:cNvPr id="14" name="Rectangles 13"/>
+          <p:cNvSpPr/>
+          <p:nvPr/>
+        </p:nvSpPr>
+        <p:spPr>
+          <a:xfrm>
+            <a:off x="3188335" y="3830955"/>
+            <a:ext cx="3559810" cy="1144270"/>
+          </a:xfrm>
+          <a:prstGeom prst="rect">
+            <a:avLst/>
+          </a:prstGeom>
+          <a:solidFill>
+            <a:schemeClr val="bg1"/>
+          </a:solidFill>
+          <a:ln>
+            <a:noFill/>
+          </a:ln>
+        </p:spPr>
+        <p:style>
+          <a:lnRef idx="2">
+            <a:schemeClr val="accent1">
+              <a:shade val="50000"/>
+            </a:schemeClr>
+          </a:lnRef>
+          <a:fillRef idx="1">
+            <a:schemeClr val="accent1"/>
+          </a:fillRef>
+          <a:effectRef idx="0">
+            <a:schemeClr val="accent1"/>
+          </a:effectRef>
+          <a:fontRef idx="minor">
+            <a:schemeClr val="lt1"/>
+          </a:fontRef>
+        </p:style>
+        <p:txBody>
+          <a:bodyPr rtlCol="0" anchor="ctr"/>
+          <a:p>
+            <a:pPr algn="ctr"/>
+            <a:endParaRPr lang="en-US"/>
+          </a:p>
+        </p:txBody>
+      </p:sp>
+    </p:spTree>
+  </p:cSld>
+  <p:clrMapOvr>
+    <a:masterClrMapping/>
+  </p:clrMapOvr>
+  <mc:AlternateContent xmlns:mc="http://schemas.openxmlformats.org/markup-compatibility/2006">
+    <mc:Choice xmlns:p14="http://schemas.microsoft.com/office/powerpoint/2010/main" Requires="p14">
+      <p:transition spd="slow" p14:dur="2000">
+        <p:fade/>
+      </p:transition>
+    </mc:Choice>
+    <mc:Fallback>
+      <p:transition spd="slow">
+        <p:fade/>
+      </p:transition>
+    </mc:Fallback>
+  </mc:AlternateContent>
+</p:sld>
+</file>
+
+<file path=ppt/slides/slide15.xml><?xml version="1.0" encoding="utf-8"?>
+<p:sld xmlns:a="http://schemas.openxmlformats.org/drawingml/2006/main" xmlns:r="http://schemas.openxmlformats.org/officeDocument/2006/relationships" xmlns:p="http://schemas.openxmlformats.org/presentationml/2006/main">
+  <p:cSld>
+    <p:spTree>
+      <p:nvGrpSpPr>
+        <p:cNvPr id="1" name=""/>
+        <p:cNvGrpSpPr/>
+        <p:nvPr/>
+      </p:nvGrpSpPr>
+      <p:grpSpPr/>
+      <p:pic>
+        <p:nvPicPr>
+          <p:cNvPr id="5" name="Picture 3" descr="IMG_256"/>
+          <p:cNvPicPr>
+            <a:picLocks noChangeAspect="1"/>
+          </p:cNvPicPr>
+          <p:nvPr/>
+        </p:nvPicPr>
+        <p:blipFill>
+          <a:blip r:embed="rId1"/>
+          <a:stretch>
+            <a:fillRect/>
+          </a:stretch>
+        </p:blipFill>
+        <p:spPr>
+          <a:xfrm>
+            <a:off x="1895475" y="57785"/>
+            <a:ext cx="8416925" cy="6755765"/>
+          </a:xfrm>
+          <a:prstGeom prst="rect">
+            <a:avLst/>
+          </a:prstGeom>
+          <a:noFill/>
+          <a:ln w="9525">
+            <a:noFill/>
+          </a:ln>
+        </p:spPr>
+      </p:pic>
+      <p:sp>
+        <p:nvSpPr>
+          <p:cNvPr id="4" name="Text Box 3"/>
+          <p:cNvSpPr txBox="1"/>
+          <p:nvPr/>
+        </p:nvSpPr>
+        <p:spPr>
+          <a:xfrm rot="10800000">
+            <a:off x="386080" y="1310005"/>
+            <a:ext cx="859790" cy="5548630"/>
+          </a:xfrm>
+          <a:prstGeom prst="rect">
+            <a:avLst/>
+          </a:prstGeom>
+          <a:noFill/>
+        </p:spPr>
+        <p:txBody>
+          <a:bodyPr vert="eaVert" wrap="square" rtlCol="0">
+            <a:spAutoFit/>
+          </a:bodyPr>
+          <a:p>
+            <a:pPr algn="ctr"/>
+            <a:r>
+              <a:rPr lang="en-US" sz="4400" b="1">
+                <a:gradFill>
+                  <a:gsLst>
+                    <a:gs pos="21000">
+                      <a:srgbClr val="53575C"/>
+                    </a:gs>
+                    <a:gs pos="88000">
+                      <a:srgbClr val="C5C7CA"/>
+                    </a:gs>
+                  </a:gsLst>
+                  <a:lin ang="5400000"/>
+                </a:gradFill>
+                <a:effectLst/>
+              </a:rPr>
+              <a:t>USE CASE DIAGRAM</a:t>
+            </a:r>
+            <a:endParaRPr lang="en-US" sz="4400" b="1">
+              <a:gradFill>
+                <a:gsLst>
+                  <a:gs pos="21000">
+                    <a:srgbClr val="53575C"/>
+                  </a:gs>
+                  <a:gs pos="88000">
+                    <a:srgbClr val="C5C7CA"/>
+                  </a:gs>
+                </a:gsLst>
+                <a:lin ang="5400000"/>
+              </a:gradFill>
+              <a:effectLst/>
+            </a:endParaRPr>
+          </a:p>
+        </p:txBody>
+      </p:sp>
+      <p:sp>
+        <p:nvSpPr>
+          <p:cNvPr id="3" name="Text Box 2"/>
+          <p:cNvSpPr txBox="1"/>
+          <p:nvPr/>
+        </p:nvSpPr>
+        <p:spPr>
+          <a:xfrm>
+            <a:off x="9788525" y="388620"/>
+            <a:ext cx="1675130" cy="922020"/>
+          </a:xfrm>
+          <a:prstGeom prst="rect">
+            <a:avLst/>
+          </a:prstGeom>
+          <a:noFill/>
+        </p:spPr>
+        <p:txBody>
+          <a:bodyPr wrap="none" rtlCol="0">
+            <a:spAutoFit/>
+          </a:bodyPr>
+          <a:p>
+            <a:r>
+              <a:rPr lang="en-US" sz="5400" b="1">
+                <a:solidFill>
+                  <a:schemeClr val="tx1"/>
+                </a:solidFill>
+                <a:effectLst>
+                  <a:outerShdw blurRad="38100" dist="19050" dir="2700000" algn="tl" rotWithShape="0">
+                    <a:schemeClr val="dk1">
+                      <a:alpha val="40000"/>
+                    </a:schemeClr>
+                  </a:outerShdw>
+                </a:effectLst>
+              </a:rPr>
+              <a:t>USER</a:t>
+            </a:r>
+            <a:endParaRPr lang="en-US" sz="5400" b="1">
+              <a:solidFill>
+                <a:schemeClr val="tx1"/>
+              </a:solidFill>
+              <a:effectLst>
+                <a:outerShdw blurRad="38100" dist="19050" dir="2700000" algn="tl" rotWithShape="0">
+                  <a:schemeClr val="dk1">
+                    <a:alpha val="40000"/>
+                  </a:schemeClr>
+                </a:outerShdw>
+              </a:effectLst>
+            </a:endParaRPr>
+          </a:p>
+        </p:txBody>
+      </p:sp>
+      <p:pic>
+        <p:nvPicPr>
+          <p:cNvPr id="6" name="Picture 5"/>
+          <p:cNvPicPr>
+            <a:picLocks noChangeAspect="1"/>
+          </p:cNvPicPr>
+          <p:nvPr/>
+        </p:nvPicPr>
+        <p:blipFill>
+          <a:blip r:embed="rId2"/>
+          <a:stretch>
+            <a:fillRect/>
+          </a:stretch>
+        </p:blipFill>
+        <p:spPr>
+          <a:xfrm>
+            <a:off x="10062845" y="5372100"/>
+            <a:ext cx="1899285" cy="1129665"/>
+          </a:xfrm>
+          <a:prstGeom prst="rect">
+            <a:avLst/>
+          </a:prstGeom>
+        </p:spPr>
+      </p:pic>
+      <p:pic>
+        <p:nvPicPr>
+          <p:cNvPr id="7" name="Picture 6"/>
+          <p:cNvPicPr>
+            <a:picLocks noChangeAspect="1"/>
+          </p:cNvPicPr>
+          <p:nvPr/>
+        </p:nvPicPr>
+        <p:blipFill>
+          <a:blip r:embed="rId3"/>
+          <a:stretch>
+            <a:fillRect/>
+          </a:stretch>
+        </p:blipFill>
+        <p:spPr>
+          <a:xfrm>
+            <a:off x="193040" y="170180"/>
+            <a:ext cx="1154430" cy="1129665"/>
+          </a:xfrm>
+          <a:prstGeom prst="rect">
+            <a:avLst/>
+          </a:prstGeom>
+        </p:spPr>
+      </p:pic>
+    </p:spTree>
+  </p:cSld>
+  <p:clrMapOvr>
+    <a:masterClrMapping/>
+  </p:clrMapOvr>
+  <mc:AlternateContent xmlns:mc="http://schemas.openxmlformats.org/markup-compatibility/2006">
+    <mc:Choice xmlns:p14="http://schemas.microsoft.com/office/powerpoint/2010/main" Requires="p14">
+      <p:transition spd="slow" p14:dur="2000">
+        <p:fade/>
+      </p:transition>
+    </mc:Choice>
+    <mc:Fallback>
+      <p:transition spd="slow">
+        <p:fade/>
+      </p:transition>
+    </mc:Fallback>
+  </mc:AlternateContent>
+</p:sld>
+</file>
+
+<file path=ppt/slides/slide16.xml><?xml version="1.0" encoding="utf-8"?>
+<p:sld xmlns:a="http://schemas.openxmlformats.org/drawingml/2006/main" xmlns:r="http://schemas.openxmlformats.org/officeDocument/2006/relationships" xmlns:p="http://schemas.openxmlformats.org/presentationml/2006/main">
+  <p:cSld>
+    <p:spTree>
+      <p:nvGrpSpPr>
+        <p:cNvPr id="1" name=""/>
+        <p:cNvGrpSpPr/>
+        <p:nvPr/>
+      </p:nvGrpSpPr>
+      <p:grpSpPr/>
+      <p:sp>
+        <p:nvSpPr>
+          <p:cNvPr id="4" name="Text Box 3"/>
+          <p:cNvSpPr txBox="1"/>
+          <p:nvPr/>
+        </p:nvSpPr>
+        <p:spPr>
+          <a:xfrm rot="10800000">
+            <a:off x="386080" y="0"/>
+            <a:ext cx="859790" cy="6858635"/>
+          </a:xfrm>
+          <a:prstGeom prst="rect">
+            <a:avLst/>
+          </a:prstGeom>
+          <a:noFill/>
+        </p:spPr>
+        <p:txBody>
+          <a:bodyPr vert="eaVert" wrap="square" rtlCol="0">
+            <a:spAutoFit/>
+          </a:bodyPr>
+          <a:p>
+            <a:pPr algn="ctr"/>
+            <a:r>
+              <a:rPr lang="en-US" sz="4400" b="1">
+                <a:gradFill>
+                  <a:gsLst>
+                    <a:gs pos="21000">
+                      <a:srgbClr val="53575C"/>
+                    </a:gs>
+                    <a:gs pos="88000">
+                      <a:srgbClr val="C5C7CA"/>
+                    </a:gs>
+                  </a:gsLst>
+                  <a:lin ang="5400000"/>
+                </a:gradFill>
+                <a:effectLst/>
+              </a:rPr>
+              <a:t>CLASS DIAGRAM</a:t>
+            </a:r>
+            <a:endParaRPr lang="en-US" sz="4400" b="1">
+              <a:gradFill>
+                <a:gsLst>
+                  <a:gs pos="21000">
+                    <a:srgbClr val="53575C"/>
+                  </a:gs>
+                  <a:gs pos="88000">
+                    <a:srgbClr val="C5C7CA"/>
+                  </a:gs>
+                </a:gsLst>
+                <a:lin ang="5400000"/>
+              </a:gradFill>
+              <a:effectLst/>
+            </a:endParaRPr>
+          </a:p>
+        </p:txBody>
+      </p:sp>
+      <p:pic>
+        <p:nvPicPr>
+          <p:cNvPr id="2" name="Picture 2" descr="Class Diagram (2)"/>
+          <p:cNvPicPr>
+            <a:picLocks noChangeAspect="1"/>
+          </p:cNvPicPr>
+          <p:nvPr/>
+        </p:nvPicPr>
+        <p:blipFill>
+          <a:blip r:embed="rId1"/>
+          <a:srcRect l="2284" t="6888" r="19942" b="27772"/>
+          <a:stretch>
+            <a:fillRect/>
+          </a:stretch>
+        </p:blipFill>
+        <p:spPr>
+          <a:xfrm>
+            <a:off x="1617980" y="327660"/>
+            <a:ext cx="9879965" cy="6415405"/>
+          </a:xfrm>
+          <a:prstGeom prst="rect">
+            <a:avLst/>
+          </a:prstGeom>
+        </p:spPr>
+      </p:pic>
+      <p:sp>
+        <p:nvSpPr>
+          <p:cNvPr id="3" name="Snip and Round Single Corner Rectangle 2"/>
+          <p:cNvSpPr/>
+          <p:nvPr/>
+        </p:nvSpPr>
+        <p:spPr>
+          <a:xfrm>
+            <a:off x="7176135" y="82550"/>
+            <a:ext cx="2870200" cy="693420"/>
+          </a:xfrm>
+          <a:prstGeom prst="snipRoundRect">
+            <a:avLst/>
+          </a:prstGeom>
+          <a:solidFill>
+            <a:schemeClr val="bg1"/>
+          </a:solidFill>
+          <a:ln>
+            <a:noFill/>
+          </a:ln>
+        </p:spPr>
+        <p:style>
+          <a:lnRef idx="2">
+            <a:schemeClr val="accent1">
+              <a:shade val="50000"/>
+            </a:schemeClr>
+          </a:lnRef>
+          <a:fillRef idx="1">
+            <a:schemeClr val="accent1"/>
+          </a:fillRef>
+          <a:effectRef idx="0">
+            <a:schemeClr val="accent1"/>
+          </a:effectRef>
+          <a:fontRef idx="minor">
+            <a:schemeClr val="lt1"/>
+          </a:fontRef>
+        </p:style>
+        <p:txBody>
+          <a:bodyPr rtlCol="0" anchor="ctr"/>
+          <a:p>
+            <a:pPr algn="ctr"/>
+            <a:endParaRPr lang="en-US"/>
+          </a:p>
+        </p:txBody>
+      </p:sp>
+      <p:pic>
+        <p:nvPicPr>
+          <p:cNvPr id="6" name="Picture 5"/>
+          <p:cNvPicPr>
+            <a:picLocks noChangeAspect="1"/>
+          </p:cNvPicPr>
+          <p:nvPr/>
+        </p:nvPicPr>
+        <p:blipFill>
+          <a:blip r:embed="rId2"/>
+          <a:stretch>
+            <a:fillRect/>
+          </a:stretch>
+        </p:blipFill>
+        <p:spPr>
+          <a:xfrm>
+            <a:off x="10062845" y="170180"/>
+            <a:ext cx="1899285" cy="1129665"/>
+          </a:xfrm>
+          <a:prstGeom prst="rect">
+            <a:avLst/>
+          </a:prstGeom>
+        </p:spPr>
+      </p:pic>
+      <p:pic>
+        <p:nvPicPr>
+          <p:cNvPr id="7" name="Picture 6"/>
+          <p:cNvPicPr>
+            <a:picLocks noChangeAspect="1"/>
+          </p:cNvPicPr>
+          <p:nvPr/>
+        </p:nvPicPr>
+        <p:blipFill>
+          <a:blip r:embed="rId3"/>
+          <a:stretch>
+            <a:fillRect/>
+          </a:stretch>
+        </p:blipFill>
+        <p:spPr>
+          <a:xfrm>
+            <a:off x="193040" y="170180"/>
+            <a:ext cx="1154430" cy="1129665"/>
+          </a:xfrm>
+          <a:prstGeom prst="rect">
+            <a:avLst/>
+          </a:prstGeom>
+        </p:spPr>
+      </p:pic>
+    </p:spTree>
+  </p:cSld>
+  <p:clrMapOvr>
+    <a:masterClrMapping/>
+  </p:clrMapOvr>
+  <mc:AlternateContent xmlns:mc="http://schemas.openxmlformats.org/markup-compatibility/2006">
+    <mc:Choice xmlns:p14="http://schemas.microsoft.com/office/powerpoint/2010/main" Requires="p14">
+      <p:transition spd="slow" p14:dur="2000">
+        <p:fade/>
+      </p:transition>
+    </mc:Choice>
+    <mc:Fallback>
+      <p:transition spd="slow">
+        <p:fade/>
+      </p:transition>
+    </mc:Fallback>
+  </mc:AlternateContent>
+</p:sld>
+</file>
+
+<file path=ppt/slides/slide17.xml><?xml version="1.0" encoding="utf-8"?>
+<p:sld xmlns:a="http://schemas.openxmlformats.org/drawingml/2006/main" xmlns:r="http://schemas.openxmlformats.org/officeDocument/2006/relationships" xmlns:p="http://schemas.openxmlformats.org/presentationml/2006/main">
+  <p:cSld>
+    <p:spTree>
+      <p:nvGrpSpPr>
+        <p:cNvPr id="1" name=""/>
+        <p:cNvGrpSpPr/>
+        <p:nvPr/>
+      </p:nvGrpSpPr>
+      <p:grpSpPr/>
+      <p:sp>
+        <p:nvSpPr>
+          <p:cNvPr id="2" name="Title 1"/>
+          <p:cNvSpPr>
+            <a:spLocks noGrp="1"/>
+          </p:cNvSpPr>
+          <p:nvPr>
+            <p:ph type="title"/>
+          </p:nvPr>
+        </p:nvSpPr>
+        <p:spPr>
+          <a:xfrm>
+            <a:off x="838200" y="155575"/>
+            <a:ext cx="10515600" cy="805815"/>
+          </a:xfrm>
+        </p:spPr>
+        <p:txBody>
+          <a:bodyPr vert="horz" lIns="91440" tIns="45720" rIns="91440" bIns="45720" rtlCol="0" anchor="ctr">
+            <a:normAutofit/>
+          </a:bodyPr>
+          <a:lstStyle/>
+          <a:p>
+            <a:pPr marL="0" marR="0" lvl="0" indent="0" algn="l" defTabSz="914400" rtl="0" eaLnBrk="1" fontAlgn="auto" latinLnBrk="0" hangingPunct="1">
+              <a:lnSpc>
+                <a:spcPct val="90000"/>
+              </a:lnSpc>
+              <a:spcBef>
+                <a:spcPct val="0"/>
+              </a:spcBef>
+              <a:spcAft>
+                <a:spcPts val="0"/>
+              </a:spcAft>
+              <a:buClrTx/>
+              <a:buSzTx/>
+              <a:buFontTx/>
+              <a:buNone/>
+              <a:defRPr/>
+            </a:pPr>
+            <a:r>
+              <a:rPr kumimoji="0" lang="en-US" sz="4400" b="1" i="0" u="none" strike="noStrike" kern="1200" cap="none" spc="0" normalizeH="0" baseline="0" noProof="0" dirty="0">
+                <a:ln>
+                  <a:noFill/>
+                </a:ln>
+                <a:solidFill>
+                  <a:schemeClr val="tx1"/>
+                </a:solidFill>
+                <a:effectLst/>
+                <a:uLnTx/>
+                <a:uFillTx/>
+                <a:latin typeface="+mj-lt"/>
+                <a:ea typeface="+mj-ea"/>
+                <a:cs typeface="+mj-cs"/>
+              </a:rPr>
+              <a:t>System Configuration and Software Used</a:t>
+            </a:r>
+            <a:endParaRPr kumimoji="0" lang="en-IN" sz="4400" b="1" i="0" u="none" strike="noStrike" kern="1200" cap="none" spc="0" normalizeH="0" baseline="0" noProof="0" dirty="0">
+              <a:ln>
+                <a:noFill/>
+              </a:ln>
+              <a:solidFill>
+                <a:schemeClr val="tx1"/>
+              </a:solidFill>
+              <a:effectLst/>
+              <a:uLnTx/>
+              <a:uFillTx/>
+              <a:latin typeface="+mj-lt"/>
+              <a:ea typeface="+mj-ea"/>
+              <a:cs typeface="+mj-cs"/>
+            </a:endParaRPr>
+          </a:p>
+        </p:txBody>
+      </p:sp>
+      <p:sp>
+        <p:nvSpPr>
+          <p:cNvPr id="10242" name="Content Placeholder 2"/>
+          <p:cNvSpPr>
+            <a:spLocks noGrp="1"/>
+          </p:cNvSpPr>
+          <p:nvPr>
+            <p:ph sz="half" idx="1"/>
+          </p:nvPr>
+        </p:nvSpPr>
+        <p:spPr/>
+        <p:txBody>
+          <a:bodyPr anchor="t" anchorCtr="0"/>
+          <a:p>
+            <a:pPr defTabSz="914400">
+              <a:lnSpc>
+                <a:spcPct val="150000"/>
+              </a:lnSpc>
+              <a:buClrTx/>
+              <a:buSzTx/>
+              <a:buFont typeface="Wingdings" panose="05000000000000000000" charset="0"/>
+              <a:buChar char="ü"/>
+            </a:pPr>
+            <a:r>
+              <a:rPr lang="en-US" altLang="zh-CN">
+                <a:sym typeface="+mn-ea"/>
+              </a:rPr>
+              <a:t>HTML</a:t>
+            </a:r>
+            <a:endParaRPr lang="en-US" altLang="zh-CN"/>
+          </a:p>
+          <a:p>
+            <a:pPr defTabSz="914400">
+              <a:lnSpc>
+                <a:spcPct val="150000"/>
+              </a:lnSpc>
+              <a:buClrTx/>
+              <a:buSzTx/>
+              <a:buFont typeface="Wingdings" panose="05000000000000000000" charset="0"/>
+              <a:buChar char="ü"/>
+            </a:pPr>
+            <a:r>
+              <a:rPr lang="en-US" altLang="zh-CN">
+                <a:sym typeface="+mn-ea"/>
+              </a:rPr>
+              <a:t>CSS</a:t>
+            </a:r>
+            <a:endParaRPr lang="en-US" altLang="zh-CN"/>
+          </a:p>
+          <a:p>
+            <a:pPr defTabSz="914400">
+              <a:lnSpc>
+                <a:spcPct val="150000"/>
+              </a:lnSpc>
+              <a:buClrTx/>
+              <a:buSzTx/>
+              <a:buFont typeface="Wingdings" panose="05000000000000000000" charset="0"/>
+              <a:buChar char="ü"/>
+            </a:pPr>
+            <a:r>
+              <a:rPr lang="en-US" altLang="zh-CN">
+                <a:sym typeface="+mn-ea"/>
+              </a:rPr>
+              <a:t>JAVA SCRIPT</a:t>
+            </a:r>
+            <a:endParaRPr lang="en-US" altLang="zh-CN"/>
+          </a:p>
+          <a:p>
+            <a:pPr defTabSz="914400">
+              <a:lnSpc>
+                <a:spcPct val="150000"/>
+              </a:lnSpc>
+              <a:buClrTx/>
+              <a:buSzTx/>
+              <a:buFont typeface="Wingdings" panose="05000000000000000000" charset="0"/>
+              <a:buChar char="ü"/>
+            </a:pPr>
+            <a:r>
+              <a:rPr lang="en-US" altLang="zh-CN">
+                <a:sym typeface="+mn-ea"/>
+              </a:rPr>
+              <a:t>PYTHON </a:t>
+            </a:r>
+            <a:endParaRPr lang="en-US" altLang="zh-CN"/>
+          </a:p>
+          <a:p>
+            <a:pPr defTabSz="914400">
+              <a:lnSpc>
+                <a:spcPct val="150000"/>
+              </a:lnSpc>
+              <a:buClrTx/>
+              <a:buSzTx/>
+              <a:buFont typeface="Wingdings" panose="05000000000000000000" charset="0"/>
+              <a:buChar char="ü"/>
+            </a:pPr>
+            <a:r>
+              <a:rPr lang="en-US" altLang="zh-CN">
+                <a:sym typeface="+mn-ea"/>
+              </a:rPr>
+              <a:t>Flask</a:t>
+            </a:r>
+            <a:endParaRPr lang="en-US" altLang="zh-CN"/>
+          </a:p>
+          <a:p>
+            <a:pPr defTabSz="914400">
+              <a:buClrTx/>
+              <a:buSzTx/>
+              <a:buFont typeface="Arial" panose="020B0604020202020204" pitchFamily="34" charset="0"/>
+            </a:pPr>
+            <a:endParaRPr lang="en-US" altLang="zh-CN"/>
+          </a:p>
+        </p:txBody>
+      </p:sp>
+      <p:sp>
+        <p:nvSpPr>
+          <p:cNvPr id="10243" name="Content Placeholder 4"/>
+          <p:cNvSpPr>
+            <a:spLocks noGrp="1"/>
+          </p:cNvSpPr>
+          <p:nvPr>
+            <p:ph sz="half" idx="2"/>
+          </p:nvPr>
+        </p:nvSpPr>
+        <p:spPr/>
+        <p:txBody>
+          <a:bodyPr anchor="t" anchorCtr="0">
+            <a:normAutofit lnSpcReduction="10000"/>
+          </a:bodyPr>
+          <a:p>
+            <a:pPr defTabSz="914400">
+              <a:lnSpc>
+                <a:spcPct val="150000"/>
+              </a:lnSpc>
+              <a:buClrTx/>
+              <a:buSzTx/>
+              <a:buFont typeface="Wingdings" panose="05000000000000000000" charset="0"/>
+              <a:buChar char="ü"/>
+            </a:pPr>
+            <a:r>
+              <a:rPr lang="en-US" altLang="zh-CN">
+                <a:sym typeface="+mn-ea"/>
+              </a:rPr>
+              <a:t>System   :  Any processor after 		Pentium</a:t>
+            </a:r>
+            <a:endParaRPr lang="en-US" altLang="zh-CN"/>
+          </a:p>
+          <a:p>
+            <a:pPr defTabSz="914400">
+              <a:lnSpc>
+                <a:spcPct val="150000"/>
+              </a:lnSpc>
+              <a:buClrTx/>
+              <a:buSzTx/>
+              <a:buFont typeface="Wingdings" panose="05000000000000000000" charset="0"/>
+              <a:buChar char="ü"/>
+            </a:pPr>
+            <a:r>
+              <a:rPr lang="en-US" altLang="zh-CN">
+                <a:sym typeface="+mn-ea"/>
+              </a:rPr>
+              <a:t>Hard Disk :  40GB</a:t>
+            </a:r>
+            <a:endParaRPr lang="en-US" altLang="zh-CN"/>
+          </a:p>
+          <a:p>
+            <a:pPr defTabSz="914400">
+              <a:lnSpc>
+                <a:spcPct val="150000"/>
+              </a:lnSpc>
+              <a:buClrTx/>
+              <a:buSzTx/>
+              <a:buFont typeface="Wingdings" panose="05000000000000000000" charset="0"/>
+              <a:buChar char="ü"/>
+            </a:pPr>
+            <a:r>
+              <a:rPr lang="en-US" altLang="zh-CN">
+                <a:sym typeface="+mn-ea"/>
+              </a:rPr>
+              <a:t> Monitor   :  14’ColourMonitor </a:t>
+            </a:r>
+            <a:endParaRPr lang="en-US" altLang="zh-CN"/>
+          </a:p>
+          <a:p>
+            <a:pPr defTabSz="914400">
+              <a:lnSpc>
+                <a:spcPct val="150000"/>
+              </a:lnSpc>
+              <a:buClrTx/>
+              <a:buSzTx/>
+              <a:buFont typeface="Wingdings" panose="05000000000000000000" charset="0"/>
+              <a:buChar char="ü"/>
+            </a:pPr>
+            <a:r>
+              <a:rPr lang="en-US" altLang="zh-CN">
+                <a:sym typeface="+mn-ea"/>
+              </a:rPr>
+              <a:t>Mouse      :   Optical Mouse</a:t>
+            </a:r>
+            <a:endParaRPr lang="en-US" altLang="zh-CN"/>
+          </a:p>
+          <a:p>
+            <a:pPr defTabSz="914400">
+              <a:lnSpc>
+                <a:spcPct val="150000"/>
+              </a:lnSpc>
+              <a:buClrTx/>
+              <a:buSzTx/>
+              <a:buFont typeface="Wingdings" panose="05000000000000000000" charset="0"/>
+              <a:buChar char="ü"/>
+            </a:pPr>
+            <a:r>
+              <a:rPr lang="en-US" altLang="zh-CN">
+                <a:sym typeface="+mn-ea"/>
+              </a:rPr>
+              <a:t> Ram        :    2 GB</a:t>
+            </a:r>
+            <a:endParaRPr lang="en-US" altLang="zh-CN"/>
+          </a:p>
+        </p:txBody>
+      </p:sp>
+      <p:sp>
+        <p:nvSpPr>
+          <p:cNvPr id="10244" name="Slide Number Placeholder 3"/>
+          <p:cNvSpPr>
+            <a:spLocks noGrp="1"/>
+          </p:cNvSpPr>
+          <p:nvPr>
+            <p:ph type="sldNum" sz="quarter" idx="12"/>
+          </p:nvPr>
+        </p:nvSpPr>
+        <p:spPr>
+          <a:noFill/>
+          <a:ln>
+            <a:noFill/>
+          </a:ln>
+        </p:spPr>
+        <p:txBody>
+          <a:bodyPr lIns="91440" tIns="45720" rIns="91440" bIns="45720" anchor="ctr" anchorCtr="0"/>
+          <a:lstStyle>
+            <a:lvl1pPr marL="0" lvl="0" indent="0" algn="l" defTabSz="457200" rtl="0" eaLnBrk="0" fontAlgn="base" latinLnBrk="0" hangingPunct="0">
+              <a:lnSpc>
+                <a:spcPct val="100000"/>
+              </a:lnSpc>
+              <a:spcBef>
+                <a:spcPct val="0"/>
+              </a:spcBef>
+              <a:spcAft>
+                <a:spcPct val="0"/>
+              </a:spcAft>
+              <a:buNone/>
+              <a:defRPr sz="1800" b="0" i="0" u="none" kern="1200" baseline="0">
+                <a:solidFill>
+                  <a:schemeClr val="tx1"/>
+                </a:solidFill>
+                <a:latin typeface="Times New Roman" panose="02020603050405020304" charset="0"/>
+              </a:defRPr>
+            </a:lvl1pPr>
+            <a:lvl2pPr marL="457200" lvl="1" indent="0" algn="l" defTabSz="457200" rtl="0" eaLnBrk="1" fontAlgn="base" latinLnBrk="0" hangingPunct="1">
+              <a:lnSpc>
+                <a:spcPct val="100000"/>
+              </a:lnSpc>
+              <a:spcBef>
+                <a:spcPct val="0"/>
+              </a:spcBef>
+              <a:spcAft>
+                <a:spcPct val="0"/>
+              </a:spcAft>
+              <a:buNone/>
+              <a:defRPr b="0" i="0" u="none" kern="1200" baseline="0">
+                <a:solidFill>
+                  <a:schemeClr val="tx1"/>
+                </a:solidFill>
+                <a:latin typeface="Times New Roman" panose="02020603050405020304" charset="0"/>
+                <a:ea typeface="+mn-ea"/>
+                <a:cs typeface="+mn-cs"/>
+              </a:defRPr>
+            </a:lvl2pPr>
+            <a:lvl3pPr marL="914400" lvl="2" indent="0" algn="l" defTabSz="457200" rtl="0" eaLnBrk="1" fontAlgn="base" latinLnBrk="0" hangingPunct="1">
+              <a:lnSpc>
+                <a:spcPct val="100000"/>
+              </a:lnSpc>
+              <a:spcBef>
+                <a:spcPct val="0"/>
+              </a:spcBef>
+              <a:spcAft>
+                <a:spcPct val="0"/>
+              </a:spcAft>
+              <a:buNone/>
+              <a:defRPr b="0" i="0" u="none" kern="1200" baseline="0">
+                <a:solidFill>
+                  <a:schemeClr val="tx1"/>
+                </a:solidFill>
+                <a:latin typeface="Times New Roman" panose="02020603050405020304" charset="0"/>
+                <a:ea typeface="+mn-ea"/>
+                <a:cs typeface="+mn-cs"/>
+              </a:defRPr>
+            </a:lvl3pPr>
+            <a:lvl4pPr marL="1371600" lvl="3" indent="0" algn="l" defTabSz="457200" rtl="0" eaLnBrk="1" fontAlgn="base" latinLnBrk="0" hangingPunct="1">
+              <a:lnSpc>
+                <a:spcPct val="100000"/>
+              </a:lnSpc>
+              <a:spcBef>
+                <a:spcPct val="0"/>
+              </a:spcBef>
+              <a:spcAft>
+                <a:spcPct val="0"/>
+              </a:spcAft>
+              <a:buNone/>
+              <a:defRPr b="0" i="0" u="none" kern="1200" baseline="0">
+                <a:solidFill>
+                  <a:schemeClr val="tx1"/>
+                </a:solidFill>
+                <a:latin typeface="Times New Roman" panose="02020603050405020304" charset="0"/>
+                <a:ea typeface="+mn-ea"/>
+                <a:cs typeface="+mn-cs"/>
+              </a:defRPr>
+            </a:lvl4pPr>
+            <a:lvl5pPr marL="1828800" lvl="4" indent="0" algn="l" defTabSz="457200" rtl="0" eaLnBrk="1" fontAlgn="base" latinLnBrk="0" hangingPunct="1">
+              <a:lnSpc>
+                <a:spcPct val="100000"/>
+              </a:lnSpc>
+              <a:spcBef>
+                <a:spcPct val="0"/>
+              </a:spcBef>
+              <a:spcAft>
+                <a:spcPct val="0"/>
+              </a:spcAft>
+              <a:buNone/>
+              <a:defRPr b="0" i="0" u="none" kern="1200" baseline="0">
+                <a:solidFill>
+                  <a:schemeClr val="tx1"/>
+                </a:solidFill>
+                <a:latin typeface="Times New Roman" panose="02020603050405020304" charset="0"/>
+                <a:ea typeface="+mn-ea"/>
+                <a:cs typeface="+mn-cs"/>
+              </a:defRPr>
+            </a:lvl5pPr>
+          </a:lstStyle>
+          <a:p>
+            <a:pPr lvl="0" algn="r" eaLnBrk="1" hangingPunct="1">
+              <a:buSzTx/>
+            </a:pPr>
+            <a:fld id="{9A0DB2DC-4C9A-4742-B13C-FB6460FD3503}" type="slidenum">
+              <a:rPr lang="en-US" altLang="en-US" sz="1200" dirty="0">
+                <a:solidFill>
+                  <a:srgbClr val="898989"/>
+                </a:solidFill>
+              </a:rPr>
+            </a:fld>
+            <a:endParaRPr lang="en-US" altLang="en-US" sz="1200" dirty="0">
+              <a:solidFill>
+                <a:srgbClr val="898989"/>
+              </a:solidFill>
+            </a:endParaRPr>
+          </a:p>
+        </p:txBody>
+      </p:sp>
+      <p:sp>
+        <p:nvSpPr>
+          <p:cNvPr id="10245" name="Text Box 5"/>
+          <p:cNvSpPr txBox="1"/>
+          <p:nvPr/>
+        </p:nvSpPr>
+        <p:spPr>
+          <a:xfrm>
+            <a:off x="1295400" y="1219200"/>
+            <a:ext cx="3752850" cy="522288"/>
+          </a:xfrm>
+          <a:prstGeom prst="rect">
+            <a:avLst/>
+          </a:prstGeom>
+          <a:noFill/>
+          <a:ln w="9525">
+            <a:noFill/>
+          </a:ln>
+        </p:spPr>
+        <p:txBody>
+          <a:bodyPr wrap="none" anchor="t" anchorCtr="0">
+            <a:spAutoFit/>
+          </a:bodyPr>
+          <a:p>
+            <a:pPr eaLnBrk="0" hangingPunct="0"/>
+            <a:r>
+              <a:rPr lang="en-US" altLang="zh-CN" sz="2800" b="1">
+                <a:latin typeface="Times New Roman" panose="02020603050405020304" charset="0"/>
+              </a:rPr>
+              <a:t>Software Requirements</a:t>
+            </a:r>
+            <a:endParaRPr lang="en-US" altLang="zh-CN" sz="2800" b="1">
+              <a:latin typeface="Times New Roman" panose="02020603050405020304" charset="0"/>
+            </a:endParaRPr>
+          </a:p>
+        </p:txBody>
+      </p:sp>
+      <p:sp>
+        <p:nvSpPr>
+          <p:cNvPr id="10246" name="Text Box 6"/>
+          <p:cNvSpPr txBox="1"/>
+          <p:nvPr/>
+        </p:nvSpPr>
+        <p:spPr>
+          <a:xfrm>
+            <a:off x="6858000" y="1219200"/>
+            <a:ext cx="3509963" cy="522288"/>
+          </a:xfrm>
+          <a:prstGeom prst="rect">
+            <a:avLst/>
+          </a:prstGeom>
+          <a:noFill/>
+          <a:ln w="9525">
+            <a:noFill/>
+          </a:ln>
+        </p:spPr>
+        <p:txBody>
+          <a:bodyPr wrap="none" anchor="t" anchorCtr="0">
+            <a:spAutoFit/>
+          </a:bodyPr>
+          <a:p>
+            <a:pPr eaLnBrk="0" hangingPunct="0"/>
+            <a:r>
+              <a:rPr lang="en-US" altLang="zh-CN" sz="2800" b="1">
+                <a:latin typeface="Times New Roman" panose="02020603050405020304" charset="0"/>
+              </a:rPr>
+              <a:t>System Configuration</a:t>
+            </a:r>
+            <a:endParaRPr lang="en-US" altLang="zh-CN" sz="2800" b="1">
+              <a:latin typeface="Times New Roman" panose="02020603050405020304" charset="0"/>
+            </a:endParaRPr>
+          </a:p>
+        </p:txBody>
+      </p:sp>
+    </p:spTree>
+  </p:cSld>
+  <p:clrMapOvr>
+    <a:masterClrMapping/>
+  </p:clrMapOvr>
+  <mc:AlternateContent xmlns:mc="http://schemas.openxmlformats.org/markup-compatibility/2006">
+    <mc:Choice xmlns:p14="http://schemas.microsoft.com/office/powerpoint/2010/main" Requires="p14">
+      <p:transition spd="slow" p14:dur="2000">
+        <p:fade/>
+      </p:transition>
+    </mc:Choice>
+    <mc:Fallback>
+      <p:transition spd="slow">
+        <p:fade/>
+      </p:transition>
+    </mc:Fallback>
+  </mc:AlternateContent>
+</p:sld>
+</file>
+
+<file path=ppt/slides/slide18.xml><?xml version="1.0" encoding="utf-8"?>
+<p:sld xmlns:a="http://schemas.openxmlformats.org/drawingml/2006/main" xmlns:r="http://schemas.openxmlformats.org/officeDocument/2006/relationships" xmlns:p="http://schemas.openxmlformats.org/presentationml/2006/main">
+  <p:cSld>
+    <p:spTree>
+      <p:nvGrpSpPr>
+        <p:cNvPr id="1" name=""/>
+        <p:cNvGrpSpPr/>
+        <p:nvPr/>
+      </p:nvGrpSpPr>
+      <p:grpSpPr/>
+      <p:sp>
+        <p:nvSpPr>
+          <p:cNvPr id="6" name="Text Box 5"/>
+          <p:cNvSpPr txBox="1"/>
+          <p:nvPr/>
+        </p:nvSpPr>
+        <p:spPr>
+          <a:xfrm>
+            <a:off x="7096125" y="389255"/>
+            <a:ext cx="2172970" cy="922020"/>
+          </a:xfrm>
+          <a:prstGeom prst="rect">
+            <a:avLst/>
+          </a:prstGeom>
+          <a:noFill/>
+        </p:spPr>
+        <p:txBody>
+          <a:bodyPr wrap="none" rtlCol="0">
+            <a:spAutoFit/>
+          </a:bodyPr>
+          <a:p>
+            <a:r>
+              <a:rPr lang="en-US" sz="5400" b="1">
+                <a:solidFill>
+                  <a:schemeClr val="tx1"/>
+                </a:solidFill>
+                <a:effectLst>
+                  <a:outerShdw blurRad="38100" dist="19050" dir="2700000" algn="tl" rotWithShape="0">
+                    <a:schemeClr val="dk1">
+                      <a:alpha val="40000"/>
+                    </a:schemeClr>
+                  </a:outerShdw>
+                </a:effectLst>
+              </a:rPr>
+              <a:t>Testing</a:t>
+            </a:r>
+            <a:endParaRPr lang="en-US" sz="5400" b="1">
+              <a:solidFill>
+                <a:schemeClr val="tx1"/>
+              </a:solidFill>
+              <a:effectLst>
+                <a:outerShdw blurRad="38100" dist="19050" dir="2700000" algn="tl" rotWithShape="0">
+                  <a:schemeClr val="dk1">
+                    <a:alpha val="40000"/>
+                  </a:schemeClr>
+                </a:outerShdw>
+              </a:effectLst>
+            </a:endParaRPr>
+          </a:p>
+        </p:txBody>
+      </p:sp>
+      <p:pic>
+        <p:nvPicPr>
+          <p:cNvPr id="2" name="Picture 1"/>
+          <p:cNvPicPr>
+            <a:picLocks noChangeAspect="1"/>
+          </p:cNvPicPr>
+          <p:nvPr/>
+        </p:nvPicPr>
+        <p:blipFill>
+          <a:blip r:embed="rId1"/>
+          <a:stretch>
+            <a:fillRect/>
+          </a:stretch>
+        </p:blipFill>
+        <p:spPr>
+          <a:xfrm>
+            <a:off x="10062845" y="170180"/>
+            <a:ext cx="1899285" cy="1129665"/>
+          </a:xfrm>
+          <a:prstGeom prst="rect">
+            <a:avLst/>
+          </a:prstGeom>
+        </p:spPr>
+      </p:pic>
+      <p:pic>
+        <p:nvPicPr>
+          <p:cNvPr id="3" name="Picture 2"/>
+          <p:cNvPicPr>
+            <a:picLocks noChangeAspect="1"/>
+          </p:cNvPicPr>
+          <p:nvPr/>
+        </p:nvPicPr>
+        <p:blipFill>
+          <a:blip r:embed="rId2"/>
+          <a:stretch>
+            <a:fillRect/>
+          </a:stretch>
+        </p:blipFill>
+        <p:spPr>
+          <a:xfrm>
+            <a:off x="6231255" y="1896110"/>
+            <a:ext cx="4733925" cy="1619885"/>
+          </a:xfrm>
+          <a:prstGeom prst="rect">
+            <a:avLst/>
+          </a:prstGeom>
+        </p:spPr>
+      </p:pic>
+      <p:pic>
+        <p:nvPicPr>
+          <p:cNvPr id="4" name="Picture 3"/>
+          <p:cNvPicPr>
+            <a:picLocks noChangeAspect="1"/>
+          </p:cNvPicPr>
+          <p:nvPr/>
+        </p:nvPicPr>
+        <p:blipFill>
+          <a:blip r:embed="rId3"/>
+          <a:srcRect b="7495"/>
+          <a:stretch>
+            <a:fillRect/>
+          </a:stretch>
+        </p:blipFill>
+        <p:spPr>
+          <a:xfrm>
+            <a:off x="215900" y="139700"/>
+            <a:ext cx="4899660" cy="6560185"/>
+          </a:xfrm>
+          <a:prstGeom prst="rect">
+            <a:avLst/>
+          </a:prstGeom>
+        </p:spPr>
+      </p:pic>
+    </p:spTree>
+  </p:cSld>
+  <p:clrMapOvr>
+    <a:masterClrMapping/>
+  </p:clrMapOvr>
+  <mc:AlternateContent xmlns:mc="http://schemas.openxmlformats.org/markup-compatibility/2006">
+    <mc:Choice xmlns:p14="http://schemas.microsoft.com/office/powerpoint/2010/main" Requires="p14">
+      <p:transition spd="slow" p14:dur="2000">
+        <p:fade/>
+      </p:transition>
+    </mc:Choice>
+    <mc:Fallback>
+      <p:transition spd="slow">
+        <p:fade/>
+      </p:transition>
+    </mc:Fallback>
+  </mc:AlternateContent>
+</p:sld>
+</file>
+
+<file path=ppt/slides/slide19.xml><?xml version="1.0" encoding="utf-8"?>
+<p:sld xmlns:a="http://schemas.openxmlformats.org/drawingml/2006/main" xmlns:r="http://schemas.openxmlformats.org/officeDocument/2006/relationships" xmlns:p="http://schemas.openxmlformats.org/presentationml/2006/main">
+  <p:cSld>
+    <p:spTree>
+      <p:nvGrpSpPr>
+        <p:cNvPr id="1" name=""/>
+        <p:cNvGrpSpPr/>
+        <p:nvPr/>
+      </p:nvGrpSpPr>
+      <p:grpSpPr/>
+      <p:sp>
+        <p:nvSpPr>
+          <p:cNvPr id="6" name="Text Box 5"/>
+          <p:cNvSpPr txBox="1"/>
+          <p:nvPr/>
+        </p:nvSpPr>
+        <p:spPr>
+          <a:xfrm>
+            <a:off x="7445375" y="389255"/>
+            <a:ext cx="2225675" cy="922020"/>
+          </a:xfrm>
+          <a:prstGeom prst="rect">
+            <a:avLst/>
+          </a:prstGeom>
+          <a:noFill/>
+        </p:spPr>
+        <p:txBody>
+          <a:bodyPr wrap="none" rtlCol="0">
+            <a:spAutoFit/>
+          </a:bodyPr>
+          <a:p>
+            <a:r>
+              <a:rPr lang="en-US" sz="5400" b="1">
+                <a:solidFill>
+                  <a:schemeClr val="tx1"/>
+                </a:solidFill>
+                <a:effectLst>
+                  <a:outerShdw blurRad="38100" dist="19050" dir="2700000" algn="tl" rotWithShape="0">
+                    <a:schemeClr val="dk1">
+                      <a:alpha val="40000"/>
+                    </a:schemeClr>
+                  </a:outerShdw>
+                </a:effectLst>
+              </a:rPr>
+              <a:t>Results</a:t>
+            </a:r>
+            <a:endParaRPr lang="en-US" sz="5400" b="1">
+              <a:solidFill>
+                <a:schemeClr val="tx1"/>
+              </a:solidFill>
+              <a:effectLst>
+                <a:outerShdw blurRad="38100" dist="19050" dir="2700000" algn="tl" rotWithShape="0">
+                  <a:schemeClr val="dk1">
+                    <a:alpha val="40000"/>
+                  </a:schemeClr>
+                </a:outerShdw>
+              </a:effectLst>
+            </a:endParaRPr>
+          </a:p>
+        </p:txBody>
+      </p:sp>
+      <p:pic>
+        <p:nvPicPr>
+          <p:cNvPr id="2" name="Picture 1"/>
+          <p:cNvPicPr>
+            <a:picLocks noChangeAspect="1"/>
+          </p:cNvPicPr>
+          <p:nvPr/>
+        </p:nvPicPr>
+        <p:blipFill>
+          <a:blip r:embed="rId1"/>
+          <a:stretch>
+            <a:fillRect/>
+          </a:stretch>
+        </p:blipFill>
+        <p:spPr>
+          <a:xfrm>
+            <a:off x="10062845" y="170180"/>
+            <a:ext cx="1899285" cy="1129665"/>
+          </a:xfrm>
+          <a:prstGeom prst="rect">
+            <a:avLst/>
+          </a:prstGeom>
+        </p:spPr>
+      </p:pic>
+      <p:pic>
+        <p:nvPicPr>
+          <p:cNvPr id="7" name="Picture 6"/>
+          <p:cNvPicPr>
+            <a:picLocks noChangeAspect="1"/>
+          </p:cNvPicPr>
+          <p:nvPr/>
+        </p:nvPicPr>
+        <p:blipFill>
+          <a:blip r:embed="rId2"/>
+          <a:stretch>
+            <a:fillRect/>
+          </a:stretch>
+        </p:blipFill>
+        <p:spPr>
+          <a:xfrm>
+            <a:off x="193040" y="170180"/>
+            <a:ext cx="1154430" cy="1129665"/>
+          </a:xfrm>
+          <a:prstGeom prst="rect">
+            <a:avLst/>
+          </a:prstGeom>
+        </p:spPr>
+      </p:pic>
+      <p:pic>
+        <p:nvPicPr>
+          <p:cNvPr id="3" name="Picture 2"/>
+          <p:cNvPicPr>
+            <a:picLocks noChangeAspect="1"/>
+          </p:cNvPicPr>
+          <p:nvPr/>
+        </p:nvPicPr>
+        <p:blipFill>
+          <a:blip r:embed="rId3"/>
+          <a:stretch>
+            <a:fillRect/>
+          </a:stretch>
+        </p:blipFill>
+        <p:spPr>
+          <a:xfrm>
+            <a:off x="365125" y="1492885"/>
+            <a:ext cx="4723765" cy="5240020"/>
+          </a:xfrm>
+          <a:prstGeom prst="rect">
+            <a:avLst/>
+          </a:prstGeom>
+        </p:spPr>
+      </p:pic>
+      <p:pic>
+        <p:nvPicPr>
+          <p:cNvPr id="4" name="Picture 3"/>
+          <p:cNvPicPr>
+            <a:picLocks noChangeAspect="1"/>
+          </p:cNvPicPr>
+          <p:nvPr/>
+        </p:nvPicPr>
+        <p:blipFill>
+          <a:blip r:embed="rId4"/>
+          <a:srcRect r="15106"/>
+          <a:stretch>
+            <a:fillRect/>
+          </a:stretch>
+        </p:blipFill>
+        <p:spPr>
+          <a:xfrm>
+            <a:off x="5088890" y="1605280"/>
+            <a:ext cx="3258185" cy="2473960"/>
+          </a:xfrm>
+          <a:prstGeom prst="rect">
+            <a:avLst/>
+          </a:prstGeom>
+        </p:spPr>
+      </p:pic>
+      <p:pic>
+        <p:nvPicPr>
+          <p:cNvPr id="8" name="Picture 7"/>
+          <p:cNvPicPr>
+            <a:picLocks noChangeAspect="1"/>
+          </p:cNvPicPr>
+          <p:nvPr/>
+        </p:nvPicPr>
+        <p:blipFill>
+          <a:blip r:embed="rId5"/>
+          <a:stretch>
+            <a:fillRect/>
+          </a:stretch>
+        </p:blipFill>
+        <p:spPr>
+          <a:xfrm>
+            <a:off x="5368290" y="4255770"/>
+            <a:ext cx="3124200" cy="1790700"/>
+          </a:xfrm>
+          <a:prstGeom prst="rect">
+            <a:avLst/>
+          </a:prstGeom>
+        </p:spPr>
+      </p:pic>
+      <p:pic>
+        <p:nvPicPr>
+          <p:cNvPr id="9" name="Picture 8"/>
+          <p:cNvPicPr>
+            <a:picLocks noChangeAspect="1"/>
+          </p:cNvPicPr>
+          <p:nvPr/>
+        </p:nvPicPr>
+        <p:blipFill>
+          <a:blip r:embed="rId6"/>
+          <a:stretch>
+            <a:fillRect/>
+          </a:stretch>
+        </p:blipFill>
+        <p:spPr>
+          <a:xfrm>
+            <a:off x="8656955" y="1816100"/>
+            <a:ext cx="3305175" cy="4351655"/>
+          </a:xfrm>
+          <a:prstGeom prst="rect">
+            <a:avLst/>
+          </a:prstGeom>
+        </p:spPr>
+      </p:pic>
     </p:spTree>
   </p:cSld>
   <p:clrMapOvr>
@@ -15476,16 +17442,17 @@
         </p:nvSpPr>
         <p:spPr>
           <a:xfrm>
-            <a:off x="1676400" y="381635"/>
-            <a:ext cx="8057515" cy="1325880"/>
+            <a:off x="838200" y="123825"/>
+            <a:ext cx="10515600" cy="861060"/>
           </a:xfrm>
         </p:spPr>
         <p:txBody>
-          <a:bodyPr/>
-          <a:p>
-            <a:pPr algn="ctr"/>
+          <a:bodyPr>
+            <a:noAutofit/>
+          </a:bodyPr>
+          <a:p>
             <a:r>
-              <a:rPr lang="en-US" sz="6000" b="1">
+              <a:rPr lang="en-US" altLang="zh-CN" sz="4800" b="1">
                 <a:gradFill>
                   <a:gsLst>
                     <a:gs pos="0">
@@ -15508,10 +17475,13 @@
                 <a:effectLst>
                   <a:reflection blurRad="6350" stA="53000" endA="300" endPos="35500" dir="5400000" sy="-90000" algn="bl" rotWithShape="0"/>
                 </a:effectLst>
+                <a:latin typeface="Times New Roman" panose="02020603050405020304" charset="0"/>
+                <a:cs typeface="Times New Roman" panose="02020603050405020304" charset="0"/>
+                <a:sym typeface="+mn-ea"/>
               </a:rPr>
-              <a:t>AIM OF THE PROJECT</a:t>
+              <a:t>Abstract</a:t>
             </a:r>
-            <a:endParaRPr lang="en-US" sz="6000" b="1">
+            <a:endParaRPr lang="en-US" altLang="zh-CN" sz="4800" b="1">
               <a:gradFill>
                 <a:gsLst>
                   <a:gs pos="0">
@@ -15534,6 +17504,9 @@
               <a:effectLst>
                 <a:reflection blurRad="6350" stA="53000" endA="300" endPos="35500" dir="5400000" sy="-90000" algn="bl" rotWithShape="0"/>
               </a:effectLst>
+              <a:latin typeface="Times New Roman" panose="02020603050405020304" charset="0"/>
+              <a:cs typeface="Times New Roman" panose="02020603050405020304" charset="0"/>
+              <a:sym typeface="+mn-ea"/>
             </a:endParaRPr>
           </a:p>
         </p:txBody>
@@ -15548,11 +17521,275 @@
             <p:ph idx="1"/>
           </p:nvPr>
         </p:nvSpPr>
-        <p:spPr/>
+        <p:spPr>
+          <a:xfrm>
+            <a:off x="838200" y="1117600"/>
+            <a:ext cx="10515600" cy="5526405"/>
+          </a:xfrm>
+        </p:spPr>
         <p:txBody>
-          <a:bodyPr/>
-          <a:p>
-            <a:pPr>
+          <a:bodyPr>
+            <a:noAutofit/>
+          </a:bodyPr>
+          <a:p>
+            <a:r>
+              <a:rPr lang="en-US" altLang="en-IN" sz="1900" dirty="0">
+                <a:latin typeface="Times New Roman" panose="02020603050405020304" charset="0"/>
+                <a:cs typeface="Times New Roman" panose="02020603050405020304" charset="0"/>
+                <a:sym typeface="+mn-ea"/>
+              </a:rPr>
+              <a:t>T</a:t>
+            </a:r>
+            <a:r>
+              <a:rPr lang="en-IN" altLang="x-none" sz="1900" dirty="0">
+                <a:latin typeface="Times New Roman" panose="02020603050405020304" charset="0"/>
+                <a:cs typeface="Times New Roman" panose="02020603050405020304" charset="0"/>
+                <a:sym typeface="+mn-ea"/>
+              </a:rPr>
+              <a:t>here are lot of actions that we do on data </a:t>
+            </a:r>
+            <a:r>
+              <a:rPr lang="en-US" altLang="en-IN" sz="1900" dirty="0">
+                <a:latin typeface="Times New Roman" panose="02020603050405020304" charset="0"/>
+                <a:cs typeface="Times New Roman" panose="02020603050405020304" charset="0"/>
+                <a:sym typeface="+mn-ea"/>
+              </a:rPr>
+              <a:t>that </a:t>
+            </a:r>
+            <a:r>
+              <a:rPr lang="en-IN" altLang="x-none" sz="1900" dirty="0">
+                <a:latin typeface="Times New Roman" panose="02020603050405020304" charset="0"/>
+                <a:cs typeface="Times New Roman" panose="02020603050405020304" charset="0"/>
+                <a:sym typeface="+mn-ea"/>
+              </a:rPr>
+              <a:t>takes much time and consume more human resources.</a:t>
+            </a:r>
+            <a:endParaRPr lang="en-IN" altLang="x-none" sz="1900" dirty="0">
+              <a:latin typeface="Times New Roman" panose="02020603050405020304" charset="0"/>
+              <a:cs typeface="Times New Roman" panose="02020603050405020304" charset="0"/>
+            </a:endParaRPr>
+          </a:p>
+          <a:p>
+            <a:r>
+              <a:rPr lang="en-IN" altLang="x-none" sz="1900" dirty="0">
+                <a:latin typeface="Times New Roman" panose="02020603050405020304" charset="0"/>
+                <a:cs typeface="Times New Roman" panose="02020603050405020304" charset="0"/>
+                <a:sym typeface="+mn-ea"/>
+              </a:rPr>
+              <a:t> </a:t>
+            </a:r>
+            <a:r>
+              <a:rPr lang="en-US" altLang="zh-CN" sz="1900" dirty="0">
+                <a:latin typeface="Times New Roman" panose="02020603050405020304" charset="0"/>
+                <a:cs typeface="Times New Roman" panose="02020603050405020304" charset="0"/>
+                <a:sym typeface="+mn-ea"/>
+              </a:rPr>
+              <a:t>Natural Language Processing </a:t>
+            </a:r>
+            <a:r>
+              <a:rPr lang="en-IN" altLang="x-none" sz="1900" dirty="0">
+                <a:latin typeface="Times New Roman" panose="02020603050405020304" charset="0"/>
+                <a:cs typeface="Times New Roman" panose="02020603050405020304" charset="0"/>
+                <a:sym typeface="+mn-ea"/>
+              </a:rPr>
+              <a:t> allow computers to track, extract, and analyse the vast array of information.</a:t>
+            </a:r>
+            <a:endParaRPr lang="en-IN" altLang="x-none" sz="1900" dirty="0">
+              <a:latin typeface="Times New Roman" panose="02020603050405020304" charset="0"/>
+              <a:cs typeface="Times New Roman" panose="02020603050405020304" charset="0"/>
+            </a:endParaRPr>
+          </a:p>
+          <a:p>
+            <a:r>
+              <a:rPr lang="en-IN" altLang="x-none" sz="1900" dirty="0">
+                <a:latin typeface="Times New Roman" panose="02020603050405020304" charset="0"/>
+                <a:cs typeface="Times New Roman" panose="02020603050405020304" charset="0"/>
+                <a:sym typeface="+mn-ea"/>
+              </a:rPr>
+              <a:t>This application is an one stop solution for most of the text related tasks that we encounter daily on our large corpus of data which include large articles , text documents etc.</a:t>
+            </a:r>
+            <a:endParaRPr lang="en-IN" altLang="x-none" sz="1900" dirty="0">
+              <a:latin typeface="Times New Roman" panose="02020603050405020304" charset="0"/>
+              <a:cs typeface="Times New Roman" panose="02020603050405020304" charset="0"/>
+            </a:endParaRPr>
+          </a:p>
+          <a:p>
+            <a:r>
+              <a:rPr lang="en-IN" altLang="x-none" sz="1900" dirty="0">
+                <a:latin typeface="Times New Roman" panose="02020603050405020304" charset="0"/>
+                <a:cs typeface="Times New Roman" panose="02020603050405020304" charset="0"/>
+                <a:sym typeface="+mn-ea"/>
+              </a:rPr>
+              <a:t> </a:t>
+            </a:r>
+            <a:r>
+              <a:rPr lang="en-US" altLang="en-IN" sz="1900" dirty="0">
+                <a:latin typeface="Times New Roman" panose="02020603050405020304" charset="0"/>
+                <a:cs typeface="Times New Roman" panose="02020603050405020304" charset="0"/>
+                <a:sym typeface="+mn-ea"/>
+              </a:rPr>
+              <a:t>It </a:t>
+            </a:r>
+            <a:r>
+              <a:rPr lang="en-IN" altLang="x-none" sz="1900" dirty="0">
+                <a:latin typeface="Times New Roman" panose="02020603050405020304" charset="0"/>
+                <a:cs typeface="Times New Roman" panose="02020603050405020304" charset="0"/>
+                <a:sym typeface="+mn-ea"/>
+              </a:rPr>
+              <a:t>manages user given data and aids users to grasp much information and get valuable insights of their data. </a:t>
+            </a:r>
+            <a:endParaRPr lang="en-IN" altLang="x-none" sz="1900" dirty="0">
+              <a:latin typeface="Times New Roman" panose="02020603050405020304" charset="0"/>
+              <a:cs typeface="Times New Roman" panose="02020603050405020304" charset="0"/>
+            </a:endParaRPr>
+          </a:p>
+          <a:p>
+            <a:r>
+              <a:rPr lang="en-IN" altLang="x-none" sz="1900" dirty="0">
+                <a:latin typeface="Times New Roman" panose="02020603050405020304" charset="0"/>
+                <a:cs typeface="Times New Roman" panose="02020603050405020304" charset="0"/>
+                <a:sym typeface="+mn-ea"/>
+              </a:rPr>
+              <a:t>The application provides textual summary of  input in both extractive and abstractive ways.</a:t>
+            </a:r>
+            <a:endParaRPr lang="en-IN" altLang="x-none" sz="1900" dirty="0">
+              <a:latin typeface="Times New Roman" panose="02020603050405020304" charset="0"/>
+              <a:cs typeface="Times New Roman" panose="02020603050405020304" charset="0"/>
+            </a:endParaRPr>
+          </a:p>
+          <a:p>
+            <a:r>
+              <a:rPr lang="en-US" altLang="en-IN" sz="1900" dirty="0">
+                <a:latin typeface="Times New Roman" panose="02020603050405020304" charset="0"/>
+                <a:cs typeface="Times New Roman" panose="02020603050405020304" charset="0"/>
+                <a:sym typeface="+mn-ea"/>
+              </a:rPr>
+              <a:t>Sentence ranking is used for giving scores and extracting senteces for extractive summaries.</a:t>
+            </a:r>
+            <a:endParaRPr lang="en-US" altLang="en-IN" sz="1900" dirty="0">
+              <a:latin typeface="Times New Roman" panose="02020603050405020304" charset="0"/>
+              <a:cs typeface="Times New Roman" panose="02020603050405020304" charset="0"/>
+            </a:endParaRPr>
+          </a:p>
+          <a:p>
+            <a:r>
+              <a:rPr lang="en-US" altLang="en-IN" sz="1900" dirty="0">
+                <a:latin typeface="Times New Roman" panose="02020603050405020304" charset="0"/>
+                <a:cs typeface="Times New Roman" panose="02020603050405020304" charset="0"/>
+                <a:sym typeface="+mn-ea"/>
+              </a:rPr>
+              <a:t>Tf - idf method is used for getting keywords.</a:t>
+            </a:r>
+            <a:endParaRPr lang="en-US" altLang="en-IN" sz="1900" dirty="0">
+              <a:latin typeface="Times New Roman" panose="02020603050405020304" charset="0"/>
+              <a:cs typeface="Times New Roman" panose="02020603050405020304" charset="0"/>
+            </a:endParaRPr>
+          </a:p>
+          <a:p>
+            <a:r>
+              <a:rPr lang="en-US" altLang="en-IN" sz="1900" dirty="0">
+                <a:latin typeface="Times New Roman" panose="02020603050405020304" charset="0"/>
+                <a:cs typeface="Times New Roman" panose="02020603050405020304" charset="0"/>
+                <a:sym typeface="+mn-ea"/>
+              </a:rPr>
+              <a:t>web scraping is used for getting text from internet during the extraction of summaries or for the sake of getting answers to the users questions.</a:t>
+            </a:r>
+            <a:endParaRPr lang="en-US" altLang="en-IN" sz="1900" dirty="0">
+              <a:latin typeface="Times New Roman" panose="02020603050405020304" charset="0"/>
+              <a:cs typeface="Times New Roman" panose="02020603050405020304" charset="0"/>
+            </a:endParaRPr>
+          </a:p>
+          <a:p>
+            <a:r>
+              <a:rPr lang="en-IN" altLang="x-none" sz="1900" dirty="0">
+                <a:latin typeface="Times New Roman" panose="02020603050405020304" charset="0"/>
+                <a:cs typeface="Times New Roman" panose="02020603050405020304" charset="0"/>
+                <a:sym typeface="+mn-ea"/>
+              </a:rPr>
+              <a:t>Also, the application generates visualizations of your textual data ( through word cloud representations , statistics of different kinds of words ) , keywords extraction etc. for gaining better knowledge. </a:t>
+            </a:r>
+            <a:endParaRPr lang="en-IN" altLang="x-none" sz="1900" dirty="0">
+              <a:latin typeface="Times New Roman" panose="02020603050405020304" charset="0"/>
+              <a:cs typeface="Times New Roman" panose="02020603050405020304" charset="0"/>
+            </a:endParaRPr>
+          </a:p>
+          <a:p>
+            <a:r>
+              <a:rPr lang="en-IN" altLang="x-none" sz="1900" dirty="0">
+                <a:latin typeface="Times New Roman" panose="02020603050405020304" charset="0"/>
+                <a:cs typeface="Times New Roman" panose="02020603050405020304" charset="0"/>
+                <a:sym typeface="+mn-ea"/>
+              </a:rPr>
+              <a:t>Users can also query their own text for answers or just give an question to the application which can try to fetch relevant answers. </a:t>
+            </a:r>
+            <a:endParaRPr lang="en-IN" altLang="x-none" sz="1900" dirty="0">
+              <a:latin typeface="Times New Roman" panose="02020603050405020304" charset="0"/>
+              <a:cs typeface="Times New Roman" panose="02020603050405020304" charset="0"/>
+            </a:endParaRPr>
+          </a:p>
+          <a:p>
+            <a:endParaRPr lang="en-IN" altLang="x-none" sz="1900" dirty="0">
+              <a:latin typeface="Times New Roman" panose="02020603050405020304" charset="0"/>
+              <a:cs typeface="Times New Roman" panose="02020603050405020304" charset="0"/>
+            </a:endParaRPr>
+          </a:p>
+        </p:txBody>
+      </p:sp>
+    </p:spTree>
+  </p:cSld>
+  <p:clrMapOvr>
+    <a:masterClrMapping/>
+  </p:clrMapOvr>
+  <mc:AlternateContent xmlns:mc="http://schemas.openxmlformats.org/markup-compatibility/2006">
+    <mc:Choice xmlns:p14="http://schemas.microsoft.com/office/powerpoint/2010/main" Requires="p14">
+      <p:transition spd="slow" p14:dur="2000">
+        <p:fade/>
+      </p:transition>
+    </mc:Choice>
+    <mc:Fallback>
+      <p:transition spd="slow">
+        <p:fade/>
+      </p:transition>
+    </mc:Fallback>
+  </mc:AlternateContent>
+</p:sld>
+</file>
+
+<file path=ppt/slides/slide20.xml><?xml version="1.0" encoding="utf-8"?>
+<p:sld xmlns:a="http://schemas.openxmlformats.org/drawingml/2006/main" xmlns:r="http://schemas.openxmlformats.org/officeDocument/2006/relationships" xmlns:p="http://schemas.openxmlformats.org/presentationml/2006/main">
+  <p:cSld>
+    <p:spTree>
+      <p:nvGrpSpPr>
+        <p:cNvPr id="1" name=""/>
+        <p:cNvGrpSpPr/>
+        <p:nvPr/>
+      </p:nvGrpSpPr>
+      <p:grpSpPr/>
+      <p:sp>
+        <p:nvSpPr>
+          <p:cNvPr id="100" name="Text Box 99"/>
+          <p:cNvSpPr txBox="1"/>
+          <p:nvPr/>
+        </p:nvSpPr>
+        <p:spPr>
+          <a:xfrm>
+            <a:off x="1372870" y="941705"/>
+            <a:ext cx="10539730" cy="4615815"/>
+          </a:xfrm>
+          <a:prstGeom prst="rect">
+            <a:avLst/>
+          </a:prstGeom>
+          <a:noFill/>
+          <a:ln w="9525">
+            <a:noFill/>
+          </a:ln>
+        </p:spPr>
+        <p:txBody>
+          <a:bodyPr wrap="square">
+            <a:spAutoFit/>
+          </a:bodyPr>
+          <a:p>
+            <a:pPr marL="285750" indent="-285750" algn="l">
               <a:lnSpc>
                 <a:spcPct val="150000"/>
               </a:lnSpc>
@@ -15560,13 +17797,19 @@
               <a:buChar char="ü"/>
             </a:pPr>
             <a:r>
-              <a:rPr lang="en-US"/>
-              <a:t>To reduce the hectic work with large corpus of text.</a:t>
+              <a:rPr lang="en-US" sz="2800">
+                <a:latin typeface="Times New Roman" panose="02020603050405020304" charset="0"/>
+                <a:ea typeface="SimSun" panose="02010600030101010101" pitchFamily="2" charset="-122"/>
+              </a:rPr>
+              <a:t>Extract hidden semantic relationship</a:t>
             </a:r>
-            <a:endParaRPr lang="en-US"/>
-          </a:p>
-          <a:p>
-            <a:pPr>
+            <a:endParaRPr lang="en-US" sz="2800">
+              <a:latin typeface="Times New Roman" panose="02020603050405020304" charset="0"/>
+              <a:ea typeface="SimSun" panose="02010600030101010101" pitchFamily="2" charset="-122"/>
+            </a:endParaRPr>
+          </a:p>
+          <a:p>
+            <a:pPr marL="285750" indent="-285750" algn="l">
               <a:lnSpc>
                 <a:spcPct val="150000"/>
               </a:lnSpc>
@@ -15574,13 +17817,19 @@
               <a:buChar char="ü"/>
             </a:pPr>
             <a:r>
-              <a:rPr lang="en-US"/>
-              <a:t>Leaving Mundane tasks to machines.</a:t>
+              <a:rPr lang="en-US" sz="2800">
+                <a:latin typeface="Times New Roman" panose="02020603050405020304" charset="0"/>
+                <a:ea typeface="SimSun" panose="02010600030101010101" pitchFamily="2" charset="-122"/>
+              </a:rPr>
+              <a:t>Relevance detection</a:t>
             </a:r>
-            <a:endParaRPr lang="en-US"/>
-          </a:p>
-          <a:p>
-            <a:pPr>
+            <a:endParaRPr lang="en-US" sz="2800">
+              <a:latin typeface="Times New Roman" panose="02020603050405020304" charset="0"/>
+              <a:ea typeface="SimSun" panose="02010600030101010101" pitchFamily="2" charset="-122"/>
+            </a:endParaRPr>
+          </a:p>
+          <a:p>
+            <a:pPr marL="285750" indent="-285750" algn="l">
               <a:lnSpc>
                 <a:spcPct val="150000"/>
               </a:lnSpc>
@@ -15588,13 +17837,96 @@
               <a:buChar char="ü"/>
             </a:pPr>
             <a:r>
-              <a:rPr lang="en-US"/>
-              <a:t>Understanding large textual data in an easy and fun way.</a:t>
+              <a:rPr lang="en-US" sz="2800">
+                <a:latin typeface="Times New Roman" panose="02020603050405020304" charset="0"/>
+                <a:ea typeface="SimSun" panose="02010600030101010101" pitchFamily="2" charset="-122"/>
+              </a:rPr>
+              <a:t>Appearance of pronouns during extractive text summarization which will make the summary unclear.</a:t>
             </a:r>
-            <a:endParaRPr lang="en-US"/>
-          </a:p>
-          <a:p>
-            <a:endParaRPr lang="en-US"/>
+            <a:endParaRPr lang="en-US" sz="2800">
+              <a:latin typeface="Times New Roman" panose="02020603050405020304" charset="0"/>
+              <a:ea typeface="SimSun" panose="02010600030101010101" pitchFamily="2" charset="-122"/>
+            </a:endParaRPr>
+          </a:p>
+          <a:p>
+            <a:pPr marL="285750" indent="-285750" algn="l">
+              <a:lnSpc>
+                <a:spcPct val="150000"/>
+              </a:lnSpc>
+              <a:buFont typeface="Wingdings" panose="05000000000000000000" charset="0"/>
+              <a:buChar char="ü"/>
+            </a:pPr>
+            <a:r>
+              <a:rPr lang="en-US" sz="2800">
+                <a:latin typeface="Times New Roman" panose="02020603050405020304" charset="0"/>
+                <a:ea typeface="SimSun" panose="02010600030101010101" pitchFamily="2" charset="-122"/>
+              </a:rPr>
+              <a:t>If unnecessary topic is also present in the source text , there are chances of getting them during the summary generation if topic is taken care then this problem can be taken care to some extent. </a:t>
+            </a:r>
+            <a:endParaRPr lang="en-US" sz="2800">
+              <a:latin typeface="Times New Roman" panose="02020603050405020304" charset="0"/>
+              <a:ea typeface="SimSun" panose="02010600030101010101" pitchFamily="2" charset="-122"/>
+            </a:endParaRPr>
+          </a:p>
+        </p:txBody>
+      </p:sp>
+      <p:sp>
+        <p:nvSpPr>
+          <p:cNvPr id="4" name="Text Box 3"/>
+          <p:cNvSpPr txBox="1"/>
+          <p:nvPr/>
+        </p:nvSpPr>
+        <p:spPr>
+          <a:xfrm rot="10800000">
+            <a:off x="386080" y="0"/>
+            <a:ext cx="859790" cy="6858635"/>
+          </a:xfrm>
+          <a:prstGeom prst="rect">
+            <a:avLst/>
+          </a:prstGeom>
+          <a:noFill/>
+        </p:spPr>
+        <p:txBody>
+          <a:bodyPr vert="eaVert" wrap="square" rtlCol="0">
+            <a:spAutoFit/>
+          </a:bodyPr>
+          <a:p>
+            <a:pPr algn="ctr"/>
+            <a:r>
+              <a:rPr lang="en-US" sz="4400" b="1">
+                <a:gradFill>
+                  <a:gsLst>
+                    <a:gs pos="21000">
+                      <a:srgbClr val="53575C"/>
+                    </a:gs>
+                    <a:gs pos="88000">
+                      <a:srgbClr val="C5C7CA"/>
+                    </a:gs>
+                  </a:gsLst>
+                  <a:lin ang="5400000"/>
+                </a:gradFill>
+                <a:effectLst/>
+                <a:latin typeface="Times New Roman" panose="02020603050405020304" charset="0"/>
+                <a:sym typeface="+mn-ea"/>
+              </a:rPr>
+              <a:t>Challenges</a:t>
+            </a:r>
+            <a:endParaRPr lang="en-US" sz="4400" b="1">
+              <a:gradFill>
+                <a:gsLst>
+                  <a:gs pos="21000">
+                    <a:srgbClr val="53575C"/>
+                  </a:gs>
+                  <a:gs pos="88000">
+                    <a:srgbClr val="C5C7CA"/>
+                  </a:gs>
+                </a:gsLst>
+                <a:lin ang="5400000"/>
+              </a:gradFill>
+              <a:effectLst/>
+              <a:latin typeface="Times New Roman" panose="02020603050405020304" charset="0"/>
+              <a:sym typeface="+mn-ea"/>
+            </a:endParaRPr>
           </a:p>
         </p:txBody>
       </p:sp>
@@ -15666,219 +17998,6 @@
 </p:sld>
 </file>
 
-<file path=ppt/slides/slide20.xml><?xml version="1.0" encoding="utf-8"?>
-<p:sld xmlns:a="http://schemas.openxmlformats.org/drawingml/2006/main" xmlns:r="http://schemas.openxmlformats.org/officeDocument/2006/relationships" xmlns:p="http://schemas.openxmlformats.org/presentationml/2006/main">
-  <p:cSld>
-    <p:spTree>
-      <p:nvGrpSpPr>
-        <p:cNvPr id="1" name=""/>
-        <p:cNvGrpSpPr/>
-        <p:nvPr/>
-      </p:nvGrpSpPr>
-      <p:grpSpPr/>
-      <p:pic>
-        <p:nvPicPr>
-          <p:cNvPr id="5" name="Picture 3" descr="IMG_256"/>
-          <p:cNvPicPr>
-            <a:picLocks noChangeAspect="1"/>
-          </p:cNvPicPr>
-          <p:nvPr/>
-        </p:nvPicPr>
-        <p:blipFill>
-          <a:blip r:embed="rId1"/>
-          <a:stretch>
-            <a:fillRect/>
-          </a:stretch>
-        </p:blipFill>
-        <p:spPr>
-          <a:xfrm>
-            <a:off x="1895475" y="57785"/>
-            <a:ext cx="8416925" cy="6755765"/>
-          </a:xfrm>
-          <a:prstGeom prst="rect">
-            <a:avLst/>
-          </a:prstGeom>
-          <a:noFill/>
-          <a:ln w="9525">
-            <a:noFill/>
-          </a:ln>
-        </p:spPr>
-      </p:pic>
-      <p:sp>
-        <p:nvSpPr>
-          <p:cNvPr id="4" name="Text Box 3"/>
-          <p:cNvSpPr txBox="1"/>
-          <p:nvPr/>
-        </p:nvSpPr>
-        <p:spPr>
-          <a:xfrm rot="10800000">
-            <a:off x="386080" y="1310005"/>
-            <a:ext cx="859790" cy="5548630"/>
-          </a:xfrm>
-          <a:prstGeom prst="rect">
-            <a:avLst/>
-          </a:prstGeom>
-          <a:noFill/>
-        </p:spPr>
-        <p:txBody>
-          <a:bodyPr vert="eaVert" wrap="square" rtlCol="0">
-            <a:spAutoFit/>
-          </a:bodyPr>
-          <a:p>
-            <a:pPr algn="ctr"/>
-            <a:r>
-              <a:rPr lang="en-US" sz="4400" b="1">
-                <a:gradFill>
-                  <a:gsLst>
-                    <a:gs pos="21000">
-                      <a:srgbClr val="53575C"/>
-                    </a:gs>
-                    <a:gs pos="88000">
-                      <a:srgbClr val="C5C7CA"/>
-                    </a:gs>
-                  </a:gsLst>
-                  <a:lin ang="5400000"/>
-                </a:gradFill>
-                <a:effectLst/>
-              </a:rPr>
-              <a:t>USE CASE DIAGRAM</a:t>
-            </a:r>
-            <a:endParaRPr lang="en-US" sz="4400" b="1">
-              <a:gradFill>
-                <a:gsLst>
-                  <a:gs pos="21000">
-                    <a:srgbClr val="53575C"/>
-                  </a:gs>
-                  <a:gs pos="88000">
-                    <a:srgbClr val="C5C7CA"/>
-                  </a:gs>
-                </a:gsLst>
-                <a:lin ang="5400000"/>
-              </a:gradFill>
-              <a:effectLst/>
-            </a:endParaRPr>
-          </a:p>
-        </p:txBody>
-      </p:sp>
-      <p:sp>
-        <p:nvSpPr>
-          <p:cNvPr id="3" name="Text Box 2"/>
-          <p:cNvSpPr txBox="1"/>
-          <p:nvPr/>
-        </p:nvSpPr>
-        <p:spPr>
-          <a:xfrm>
-            <a:off x="9788525" y="388620"/>
-            <a:ext cx="1675130" cy="922020"/>
-          </a:xfrm>
-          <a:prstGeom prst="rect">
-            <a:avLst/>
-          </a:prstGeom>
-          <a:noFill/>
-        </p:spPr>
-        <p:txBody>
-          <a:bodyPr wrap="none" rtlCol="0">
-            <a:spAutoFit/>
-          </a:bodyPr>
-          <a:p>
-            <a:r>
-              <a:rPr lang="en-US" sz="5400" b="1">
-                <a:solidFill>
-                  <a:schemeClr val="tx1"/>
-                </a:solidFill>
-                <a:effectLst>
-                  <a:outerShdw blurRad="38100" dist="19050" dir="2700000" algn="tl" rotWithShape="0">
-                    <a:schemeClr val="dk1">
-                      <a:alpha val="40000"/>
-                    </a:schemeClr>
-                  </a:outerShdw>
-                </a:effectLst>
-              </a:rPr>
-              <a:t>USER</a:t>
-            </a:r>
-            <a:endParaRPr lang="en-US" sz="5400" b="1">
-              <a:solidFill>
-                <a:schemeClr val="tx1"/>
-              </a:solidFill>
-              <a:effectLst>
-                <a:outerShdw blurRad="38100" dist="19050" dir="2700000" algn="tl" rotWithShape="0">
-                  <a:schemeClr val="dk1">
-                    <a:alpha val="40000"/>
-                  </a:schemeClr>
-                </a:outerShdw>
-              </a:effectLst>
-            </a:endParaRPr>
-          </a:p>
-        </p:txBody>
-      </p:sp>
-      <p:pic>
-        <p:nvPicPr>
-          <p:cNvPr id="6" name="Picture 5"/>
-          <p:cNvPicPr>
-            <a:picLocks noChangeAspect="1"/>
-          </p:cNvPicPr>
-          <p:nvPr/>
-        </p:nvPicPr>
-        <p:blipFill>
-          <a:blip r:embed="rId2"/>
-          <a:stretch>
-            <a:fillRect/>
-          </a:stretch>
-        </p:blipFill>
-        <p:spPr>
-          <a:xfrm>
-            <a:off x="10062845" y="5372100"/>
-            <a:ext cx="1899285" cy="1129665"/>
-          </a:xfrm>
-          <a:prstGeom prst="rect">
-            <a:avLst/>
-          </a:prstGeom>
-        </p:spPr>
-      </p:pic>
-      <p:pic>
-        <p:nvPicPr>
-          <p:cNvPr id="7" name="Picture 6"/>
-          <p:cNvPicPr>
-            <a:picLocks noChangeAspect="1"/>
-          </p:cNvPicPr>
-          <p:nvPr/>
-        </p:nvPicPr>
-        <p:blipFill>
-          <a:blip r:embed="rId3"/>
-          <a:stretch>
-            <a:fillRect/>
-          </a:stretch>
-        </p:blipFill>
-        <p:spPr>
-          <a:xfrm>
-            <a:off x="193040" y="170180"/>
-            <a:ext cx="1154430" cy="1129665"/>
-          </a:xfrm>
-          <a:prstGeom prst="rect">
-            <a:avLst/>
-          </a:prstGeom>
-        </p:spPr>
-      </p:pic>
-    </p:spTree>
-  </p:cSld>
-  <p:clrMapOvr>
-    <a:masterClrMapping/>
-  </p:clrMapOvr>
-  <mc:AlternateContent xmlns:mc="http://schemas.openxmlformats.org/markup-compatibility/2006">
-    <mc:Choice xmlns:p14="http://schemas.microsoft.com/office/powerpoint/2010/main" Requires="p14">
-      <p:transition spd="slow" p14:dur="2000">
-        <p:fade/>
-      </p:transition>
-    </mc:Choice>
-    <mc:Fallback>
-      <p:transition spd="slow">
-        <p:fade/>
-      </p:transition>
-    </mc:Fallback>
-  </mc:AlternateContent>
-</p:sld>
-</file>
-
 <file path=ppt/slides/slide21.xml><?xml version="1.0" encoding="utf-8"?>
 <p:sld xmlns:a="http://schemas.openxmlformats.org/drawingml/2006/main" xmlns:r="http://schemas.openxmlformats.org/officeDocument/2006/relationships" xmlns:p="http://schemas.openxmlformats.org/presentationml/2006/main">
   <p:cSld>
@@ -15891,354 +18010,209 @@
       <p:grpSpPr/>
       <p:sp>
         <p:nvSpPr>
-          <p:cNvPr id="4" name="Text Box 3"/>
+          <p:cNvPr id="100" name="Text Box 99"/>
           <p:cNvSpPr txBox="1"/>
           <p:nvPr/>
         </p:nvSpPr>
         <p:spPr>
-          <a:xfrm rot="10800000">
-            <a:off x="386080" y="0"/>
-            <a:ext cx="859790" cy="6858635"/>
+          <a:xfrm>
+            <a:off x="-635" y="1167130"/>
+            <a:ext cx="12192635" cy="4523105"/>
           </a:xfrm>
           <a:prstGeom prst="rect">
             <a:avLst/>
           </a:prstGeom>
           <a:noFill/>
+          <a:ln w="9525">
+            <a:noFill/>
+          </a:ln>
         </p:spPr>
         <p:txBody>
-          <a:bodyPr vert="eaVert" wrap="square" rtlCol="0">
+          <a:bodyPr wrap="square">
             <a:spAutoFit/>
+            <a:scene3d>
+              <a:camera prst="orthographicFront"/>
+              <a:lightRig rig="threePt" dir="t"/>
+            </a:scene3d>
           </a:bodyPr>
           <a:p>
-            <a:pPr algn="ctr"/>
+            <a:pPr marL="269875" indent="-269875" algn="ctr"/>
             <a:r>
-              <a:rPr lang="en-US" sz="4400" b="1">
+              <a:rPr lang="en-US" sz="9600" b="1">
                 <a:gradFill>
                   <a:gsLst>
-                    <a:gs pos="21000">
-                      <a:srgbClr val="53575C"/>
+                    <a:gs pos="0">
+                      <a:schemeClr val="accent5">
+                        <a:lumMod val="50000"/>
+                      </a:schemeClr>
                     </a:gs>
-                    <a:gs pos="88000">
-                      <a:srgbClr val="C5C7CA"/>
+                    <a:gs pos="50000">
+                      <a:schemeClr val="accent5"/>
+                    </a:gs>
+                    <a:gs pos="100000">
+                      <a:schemeClr val="accent5">
+                        <a:lumMod val="60000"/>
+                        <a:lumOff val="40000"/>
+                      </a:schemeClr>
                     </a:gs>
                   </a:gsLst>
                   <a:lin ang="5400000"/>
                 </a:gradFill>
-                <a:effectLst/>
+                <a:effectLst>
+                  <a:reflection blurRad="6350" stA="53000" endA="300" endPos="35500" dir="5400000" sy="-90000" algn="bl" rotWithShape="0"/>
+                </a:effectLst>
+                <a:latin typeface="Calibri" panose="020F0502020204030204" charset="0"/>
+                <a:ea typeface="SimSun" panose="02010600030101010101" pitchFamily="2" charset="-122"/>
+                <a:cs typeface="Times New Roman" panose="02020603050405020304" charset="0"/>
               </a:rPr>
-              <a:t>CLASS DIAGRAM</a:t>
+              <a:t>Conclusion</a:t>
             </a:r>
-            <a:endParaRPr lang="en-US" sz="4400" b="1">
+            <a:endParaRPr lang="en-US" sz="9600" b="1">
               <a:gradFill>
                 <a:gsLst>
-                  <a:gs pos="21000">
-                    <a:srgbClr val="53575C"/>
+                  <a:gs pos="0">
+                    <a:schemeClr val="accent5">
+                      <a:lumMod val="50000"/>
+                    </a:schemeClr>
                   </a:gs>
-                  <a:gs pos="88000">
-                    <a:srgbClr val="C5C7CA"/>
+                  <a:gs pos="50000">
+                    <a:schemeClr val="accent5"/>
+                  </a:gs>
+                  <a:gs pos="100000">
+                    <a:schemeClr val="accent5">
+                      <a:lumMod val="60000"/>
+                      <a:lumOff val="40000"/>
+                    </a:schemeClr>
                   </a:gs>
                 </a:gsLst>
                 <a:lin ang="5400000"/>
               </a:gradFill>
-              <a:effectLst/>
+              <a:effectLst>
+                <a:reflection blurRad="6350" stA="53000" endA="300" endPos="35500" dir="5400000" sy="-90000" algn="bl" rotWithShape="0"/>
+              </a:effectLst>
+              <a:latin typeface="Calibri" panose="020F0502020204030204" charset="0"/>
+              <a:ea typeface="SimSun" panose="02010600030101010101" pitchFamily="2" charset="-122"/>
+              <a:cs typeface="Times New Roman" panose="02020603050405020304" charset="0"/>
             </a:endParaRPr>
           </a:p>
-        </p:txBody>
-      </p:sp>
-      <p:pic>
-        <p:nvPicPr>
-          <p:cNvPr id="2" name="Picture 2" descr="Class Diagram (2)"/>
-          <p:cNvPicPr>
-            <a:picLocks noChangeAspect="1"/>
-          </p:cNvPicPr>
-          <p:nvPr/>
-        </p:nvPicPr>
-        <p:blipFill>
-          <a:blip r:embed="rId1"/>
-          <a:srcRect l="2284" t="6888" r="19942" b="27772"/>
-          <a:stretch>
-            <a:fillRect/>
-          </a:stretch>
-        </p:blipFill>
-        <p:spPr>
-          <a:xfrm>
-            <a:off x="1617980" y="327660"/>
-            <a:ext cx="9879965" cy="6415405"/>
-          </a:xfrm>
-          <a:prstGeom prst="rect">
-            <a:avLst/>
-          </a:prstGeom>
-        </p:spPr>
-      </p:pic>
-      <p:sp>
-        <p:nvSpPr>
-          <p:cNvPr id="3" name="Snip and Round Single Corner Rectangle 2"/>
-          <p:cNvSpPr/>
-          <p:nvPr/>
-        </p:nvSpPr>
-        <p:spPr>
-          <a:xfrm>
-            <a:off x="7176135" y="82550"/>
-            <a:ext cx="2870200" cy="693420"/>
-          </a:xfrm>
-          <a:prstGeom prst="snipRoundRect">
-            <a:avLst/>
-          </a:prstGeom>
-          <a:solidFill>
-            <a:schemeClr val="bg1"/>
-          </a:solidFill>
-          <a:ln>
-            <a:noFill/>
-          </a:ln>
-        </p:spPr>
-        <p:style>
-          <a:lnRef idx="2">
-            <a:schemeClr val="accent1">
-              <a:shade val="50000"/>
-            </a:schemeClr>
-          </a:lnRef>
-          <a:fillRef idx="1">
-            <a:schemeClr val="accent1"/>
-          </a:fillRef>
-          <a:effectRef idx="0">
-            <a:schemeClr val="accent1"/>
-          </a:effectRef>
-          <a:fontRef idx="minor">
-            <a:schemeClr val="lt1"/>
-          </a:fontRef>
-        </p:style>
-        <p:txBody>
-          <a:bodyPr rtlCol="0" anchor="ctr"/>
-          <a:p>
-            <a:pPr algn="ctr"/>
-            <a:endParaRPr lang="en-US"/>
-          </a:p>
-        </p:txBody>
-      </p:sp>
-      <p:pic>
-        <p:nvPicPr>
-          <p:cNvPr id="6" name="Picture 5"/>
-          <p:cNvPicPr>
-            <a:picLocks noChangeAspect="1"/>
-          </p:cNvPicPr>
-          <p:nvPr/>
-        </p:nvPicPr>
-        <p:blipFill>
-          <a:blip r:embed="rId2"/>
-          <a:stretch>
-            <a:fillRect/>
-          </a:stretch>
-        </p:blipFill>
-        <p:spPr>
-          <a:xfrm>
-            <a:off x="10062845" y="170180"/>
-            <a:ext cx="1899285" cy="1129665"/>
-          </a:xfrm>
-          <a:prstGeom prst="rect">
-            <a:avLst/>
-          </a:prstGeom>
-        </p:spPr>
-      </p:pic>
-      <p:pic>
-        <p:nvPicPr>
-          <p:cNvPr id="7" name="Picture 6"/>
-          <p:cNvPicPr>
-            <a:picLocks noChangeAspect="1"/>
-          </p:cNvPicPr>
-          <p:nvPr/>
-        </p:nvPicPr>
-        <p:blipFill>
-          <a:blip r:embed="rId3"/>
-          <a:stretch>
-            <a:fillRect/>
-          </a:stretch>
-        </p:blipFill>
-        <p:spPr>
-          <a:xfrm>
-            <a:off x="193040" y="170180"/>
-            <a:ext cx="1154430" cy="1129665"/>
-          </a:xfrm>
-          <a:prstGeom prst="rect">
-            <a:avLst/>
-          </a:prstGeom>
-        </p:spPr>
-      </p:pic>
-    </p:spTree>
-  </p:cSld>
-  <p:clrMapOvr>
-    <a:masterClrMapping/>
-  </p:clrMapOvr>
-  <mc:AlternateContent xmlns:mc="http://schemas.openxmlformats.org/markup-compatibility/2006">
-    <mc:Choice xmlns:p14="http://schemas.microsoft.com/office/powerpoint/2010/main" Requires="p14">
-      <p:transition spd="slow" p14:dur="2000">
-        <p:fade/>
-      </p:transition>
-    </mc:Choice>
-    <mc:Fallback>
-      <p:transition spd="slow">
-        <p:fade/>
-      </p:transition>
-    </mc:Fallback>
-  </mc:AlternateContent>
-</p:sld>
-</file>
-
-<file path=ppt/slides/slide22.xml><?xml version="1.0" encoding="utf-8"?>
-<p:sld xmlns:a="http://schemas.openxmlformats.org/drawingml/2006/main" xmlns:r="http://schemas.openxmlformats.org/officeDocument/2006/relationships" xmlns:p="http://schemas.openxmlformats.org/presentationml/2006/main">
-  <p:cSld>
-    <p:spTree>
-      <p:nvGrpSpPr>
-        <p:cNvPr id="1" name=""/>
-        <p:cNvGrpSpPr/>
-        <p:nvPr/>
-      </p:nvGrpSpPr>
-      <p:grpSpPr/>
-      <p:pic>
-        <p:nvPicPr>
-          <p:cNvPr id="10" name="Picture 9"/>
-          <p:cNvPicPr>
-            <a:picLocks noChangeAspect="1"/>
-          </p:cNvPicPr>
-          <p:nvPr/>
-        </p:nvPicPr>
-        <p:blipFill>
-          <a:blip r:embed="rId1"/>
-          <a:srcRect b="16463"/>
-          <a:stretch>
-            <a:fillRect/>
-          </a:stretch>
-        </p:blipFill>
-        <p:spPr>
-          <a:xfrm>
-            <a:off x="183515" y="152400"/>
-            <a:ext cx="11824970" cy="6553835"/>
-          </a:xfrm>
-          <a:prstGeom prst="rect">
-            <a:avLst/>
-          </a:prstGeom>
-        </p:spPr>
-      </p:pic>
-    </p:spTree>
-  </p:cSld>
-  <p:clrMapOvr>
-    <a:masterClrMapping/>
-  </p:clrMapOvr>
-  <mc:AlternateContent xmlns:mc="http://schemas.openxmlformats.org/markup-compatibility/2006">
-    <mc:Choice xmlns:p14="http://schemas.microsoft.com/office/powerpoint/2010/main" Requires="p14">
-      <p:transition spd="slow" p14:dur="2000">
-        <p:fade/>
-      </p:transition>
-    </mc:Choice>
-    <mc:Fallback>
-      <p:transition spd="slow">
-        <p:fade/>
-      </p:transition>
-    </mc:Fallback>
-  </mc:AlternateContent>
-</p:sld>
-</file>
-
-<file path=ppt/slides/slide23.xml><?xml version="1.0" encoding="utf-8"?>
-<p:sld xmlns:a="http://schemas.openxmlformats.org/drawingml/2006/main" xmlns:r="http://schemas.openxmlformats.org/officeDocument/2006/relationships" xmlns:p="http://schemas.openxmlformats.org/presentationml/2006/main">
-  <p:cSld>
-    <p:spTree>
-      <p:nvGrpSpPr>
-        <p:cNvPr id="1" name=""/>
-        <p:cNvGrpSpPr/>
-        <p:nvPr/>
-      </p:nvGrpSpPr>
-      <p:grpSpPr/>
-      <p:sp>
-        <p:nvSpPr>
-          <p:cNvPr id="3" name="Text Box 2"/>
-          <p:cNvSpPr txBox="1"/>
-          <p:nvPr/>
-        </p:nvSpPr>
-        <p:spPr>
-          <a:xfrm>
-            <a:off x="288925" y="2677795"/>
-            <a:ext cx="11306810" cy="1198880"/>
-          </a:xfrm>
-          <a:prstGeom prst="rect">
-            <a:avLst/>
-          </a:prstGeom>
-          <a:noFill/>
-        </p:spPr>
-        <p:txBody>
-          <a:bodyPr wrap="square" rtlCol="0">
-            <a:spAutoFit/>
-          </a:bodyPr>
-          <a:p>
-            <a:pPr algn="ctr"/>
+          <a:p>
+            <a:pPr marL="269875" indent="-269875" algn="ctr"/>
             <a:r>
-              <a:rPr lang="en-US" sz="7200" b="1">
+              <a:rPr lang="en-US" sz="9600" b="1">
                 <a:gradFill>
                   <a:gsLst>
-                    <a:gs pos="21000">
-                      <a:srgbClr val="53575C"/>
+                    <a:gs pos="0">
+                      <a:schemeClr val="accent5">
+                        <a:lumMod val="50000"/>
+                      </a:schemeClr>
                     </a:gs>
-                    <a:gs pos="88000">
-                      <a:srgbClr val="C5C7CA"/>
+                    <a:gs pos="50000">
+                      <a:schemeClr val="accent5"/>
+                    </a:gs>
+                    <a:gs pos="100000">
+                      <a:schemeClr val="accent5">
+                        <a:lumMod val="60000"/>
+                        <a:lumOff val="40000"/>
+                      </a:schemeClr>
                     </a:gs>
                   </a:gsLst>
                   <a:lin ang="5400000"/>
                 </a:gradFill>
-                <a:effectLst/>
+                <a:effectLst>
+                  <a:reflection blurRad="6350" stA="53000" endA="300" endPos="35500" dir="5400000" sy="-90000" algn="bl" rotWithShape="0"/>
+                </a:effectLst>
+                <a:latin typeface="Calibri" panose="020F0502020204030204" charset="0"/>
+                <a:ea typeface="SimSun" panose="02010600030101010101" pitchFamily="2" charset="-122"/>
+                <a:cs typeface="Times New Roman" panose="02020603050405020304" charset="0"/>
               </a:rPr>
-              <a:t>Why we need this </a:t>
+              <a:t>&amp;</a:t>
             </a:r>
-            <a:endParaRPr lang="en-US" sz="7200" b="1">
+            <a:endParaRPr lang="en-US" sz="9600" b="1">
               <a:gradFill>
                 <a:gsLst>
-                  <a:gs pos="21000">
-                    <a:srgbClr val="53575C"/>
+                  <a:gs pos="0">
+                    <a:schemeClr val="accent5">
+                      <a:lumMod val="50000"/>
+                    </a:schemeClr>
                   </a:gs>
-                  <a:gs pos="88000">
-                    <a:srgbClr val="C5C7CA"/>
+                  <a:gs pos="50000">
+                    <a:schemeClr val="accent5"/>
+                  </a:gs>
+                  <a:gs pos="100000">
+                    <a:schemeClr val="accent5">
+                      <a:lumMod val="60000"/>
+                      <a:lumOff val="40000"/>
+                    </a:schemeClr>
                   </a:gs>
                 </a:gsLst>
                 <a:lin ang="5400000"/>
               </a:gradFill>
-              <a:effectLst/>
+              <a:effectLst>
+                <a:reflection blurRad="6350" stA="53000" endA="300" endPos="35500" dir="5400000" sy="-90000" algn="bl" rotWithShape="0"/>
+              </a:effectLst>
+              <a:latin typeface="Calibri" panose="020F0502020204030204" charset="0"/>
+              <a:ea typeface="SimSun" panose="02010600030101010101" pitchFamily="2" charset="-122"/>
+              <a:cs typeface="Times New Roman" panose="02020603050405020304" charset="0"/>
             </a:endParaRPr>
           </a:p>
-        </p:txBody>
-      </p:sp>
-      <p:sp>
-        <p:nvSpPr>
-          <p:cNvPr id="4" name="Text Box 3"/>
-          <p:cNvSpPr txBox="1"/>
-          <p:nvPr/>
-        </p:nvSpPr>
-        <p:spPr>
-          <a:xfrm>
-            <a:off x="9917430" y="1700530"/>
-            <a:ext cx="1353820" cy="3153410"/>
-          </a:xfrm>
-          <a:prstGeom prst="rect">
-            <a:avLst/>
-          </a:prstGeom>
-          <a:noFill/>
-        </p:spPr>
-        <p:txBody>
-          <a:bodyPr wrap="none" rtlCol="0">
-            <a:spAutoFit/>
-          </a:bodyPr>
-          <a:p>
+          <a:p>
+            <a:pPr marL="269875" indent="-269875" algn="ctr"/>
             <a:r>
-              <a:rPr lang="en-US" sz="19900" b="1">
-                <a:solidFill>
-                  <a:srgbClr val="FF0000"/>
-                </a:solidFill>
-                <a:effectLst/>
+              <a:rPr lang="en-US" sz="9600" b="1">
+                <a:gradFill>
+                  <a:gsLst>
+                    <a:gs pos="0">
+                      <a:schemeClr val="accent5">
+                        <a:lumMod val="50000"/>
+                      </a:schemeClr>
+                    </a:gs>
+                    <a:gs pos="50000">
+                      <a:schemeClr val="accent5"/>
+                    </a:gs>
+                    <a:gs pos="100000">
+                      <a:schemeClr val="accent5">
+                        <a:lumMod val="60000"/>
+                        <a:lumOff val="40000"/>
+                      </a:schemeClr>
+                    </a:gs>
+                  </a:gsLst>
+                  <a:lin ang="5400000"/>
+                </a:gradFill>
+                <a:effectLst>
+                  <a:reflection blurRad="6350" stA="53000" endA="300" endPos="35500" dir="5400000" sy="-90000" algn="bl" rotWithShape="0"/>
+                </a:effectLst>
+                <a:latin typeface="Calibri" panose="020F0502020204030204" charset="0"/>
+                <a:ea typeface="SimSun" panose="02010600030101010101" pitchFamily="2" charset="-122"/>
+                <a:cs typeface="Times New Roman" panose="02020603050405020304" charset="0"/>
               </a:rPr>
-              <a:t>?</a:t>
+              <a:t>Future Scope</a:t>
             </a:r>
-            <a:endParaRPr lang="en-US" sz="19900" b="1">
-              <a:solidFill>
-                <a:srgbClr val="FF0000"/>
-              </a:solidFill>
-              <a:effectLst/>
+            <a:endParaRPr lang="en-US" sz="9600" b="1">
+              <a:gradFill>
+                <a:gsLst>
+                  <a:gs pos="0">
+                    <a:schemeClr val="accent5">
+                      <a:lumMod val="50000"/>
+                    </a:schemeClr>
+                  </a:gs>
+                  <a:gs pos="50000">
+                    <a:schemeClr val="accent5"/>
+                  </a:gs>
+                  <a:gs pos="100000">
+                    <a:schemeClr val="accent5">
+                      <a:lumMod val="60000"/>
+                      <a:lumOff val="40000"/>
+                    </a:schemeClr>
+                  </a:gs>
+                </a:gsLst>
+                <a:lin ang="5400000"/>
+              </a:gradFill>
+              <a:effectLst>
+                <a:reflection blurRad="6350" stA="53000" endA="300" endPos="35500" dir="5400000" sy="-90000" algn="bl" rotWithShape="0"/>
+              </a:effectLst>
+              <a:latin typeface="Calibri" panose="020F0502020204030204" charset="0"/>
+              <a:ea typeface="SimSun" panose="02010600030101010101" pitchFamily="2" charset="-122"/>
+              <a:cs typeface="Times New Roman" panose="02020603050405020304" charset="0"/>
             </a:endParaRPr>
           </a:p>
         </p:txBody>
@@ -16311,417 +18285,7 @@
 </p:sld>
 </file>
 
-<file path=ppt/slides/slide24.xml><?xml version="1.0" encoding="utf-8"?>
-<p:sld xmlns:a="http://schemas.openxmlformats.org/drawingml/2006/main" xmlns:r="http://schemas.openxmlformats.org/officeDocument/2006/relationships" xmlns:p="http://schemas.openxmlformats.org/presentationml/2006/main">
-  <p:cSld>
-    <p:spTree>
-      <p:nvGrpSpPr>
-        <p:cNvPr id="1" name=""/>
-        <p:cNvGrpSpPr/>
-        <p:nvPr/>
-      </p:nvGrpSpPr>
-      <p:grpSpPr/>
-      <p:sp>
-        <p:nvSpPr>
-          <p:cNvPr id="100" name="Text Box 99"/>
-          <p:cNvSpPr txBox="1"/>
-          <p:nvPr/>
-        </p:nvSpPr>
-        <p:spPr>
-          <a:xfrm>
-            <a:off x="1372870" y="941705"/>
-            <a:ext cx="10539730" cy="4615815"/>
-          </a:xfrm>
-          <a:prstGeom prst="rect">
-            <a:avLst/>
-          </a:prstGeom>
-          <a:noFill/>
-          <a:ln w="9525">
-            <a:noFill/>
-          </a:ln>
-        </p:spPr>
-        <p:txBody>
-          <a:bodyPr wrap="square">
-            <a:spAutoFit/>
-          </a:bodyPr>
-          <a:p>
-            <a:pPr marL="285750" indent="-285750" algn="l">
-              <a:lnSpc>
-                <a:spcPct val="150000"/>
-              </a:lnSpc>
-              <a:buFont typeface="Wingdings" panose="05000000000000000000" charset="0"/>
-              <a:buChar char="ü"/>
-            </a:pPr>
-            <a:r>
-              <a:rPr lang="en-US" sz="2800">
-                <a:latin typeface="Times New Roman" panose="02020603050405020304" charset="0"/>
-                <a:ea typeface="SimSun" panose="02010600030101010101" pitchFamily="2" charset="-122"/>
-              </a:rPr>
-              <a:t>Extract hidden semantic relationship</a:t>
-            </a:r>
-            <a:endParaRPr lang="en-US" sz="2800">
-              <a:latin typeface="Times New Roman" panose="02020603050405020304" charset="0"/>
-              <a:ea typeface="SimSun" panose="02010600030101010101" pitchFamily="2" charset="-122"/>
-            </a:endParaRPr>
-          </a:p>
-          <a:p>
-            <a:pPr marL="285750" indent="-285750" algn="l">
-              <a:lnSpc>
-                <a:spcPct val="150000"/>
-              </a:lnSpc>
-              <a:buFont typeface="Wingdings" panose="05000000000000000000" charset="0"/>
-              <a:buChar char="ü"/>
-            </a:pPr>
-            <a:r>
-              <a:rPr lang="en-US" sz="2800">
-                <a:latin typeface="Times New Roman" panose="02020603050405020304" charset="0"/>
-                <a:ea typeface="SimSun" panose="02010600030101010101" pitchFamily="2" charset="-122"/>
-              </a:rPr>
-              <a:t>Relevance detection</a:t>
-            </a:r>
-            <a:endParaRPr lang="en-US" sz="2800">
-              <a:latin typeface="Times New Roman" panose="02020603050405020304" charset="0"/>
-              <a:ea typeface="SimSun" panose="02010600030101010101" pitchFamily="2" charset="-122"/>
-            </a:endParaRPr>
-          </a:p>
-          <a:p>
-            <a:pPr marL="285750" indent="-285750" algn="l">
-              <a:lnSpc>
-                <a:spcPct val="150000"/>
-              </a:lnSpc>
-              <a:buFont typeface="Wingdings" panose="05000000000000000000" charset="0"/>
-              <a:buChar char="ü"/>
-            </a:pPr>
-            <a:r>
-              <a:rPr lang="en-US" sz="2800">
-                <a:latin typeface="Times New Roman" panose="02020603050405020304" charset="0"/>
-                <a:ea typeface="SimSun" panose="02010600030101010101" pitchFamily="2" charset="-122"/>
-              </a:rPr>
-              <a:t>Appearance of pronouns during extractive text summarization which will make the summary unclear.</a:t>
-            </a:r>
-            <a:endParaRPr lang="en-US" sz="2800">
-              <a:latin typeface="Times New Roman" panose="02020603050405020304" charset="0"/>
-              <a:ea typeface="SimSun" panose="02010600030101010101" pitchFamily="2" charset="-122"/>
-            </a:endParaRPr>
-          </a:p>
-          <a:p>
-            <a:pPr marL="285750" indent="-285750" algn="l">
-              <a:lnSpc>
-                <a:spcPct val="150000"/>
-              </a:lnSpc>
-              <a:buFont typeface="Wingdings" panose="05000000000000000000" charset="0"/>
-              <a:buChar char="ü"/>
-            </a:pPr>
-            <a:r>
-              <a:rPr lang="en-US" sz="2800">
-                <a:latin typeface="Times New Roman" panose="02020603050405020304" charset="0"/>
-                <a:ea typeface="SimSun" panose="02010600030101010101" pitchFamily="2" charset="-122"/>
-              </a:rPr>
-              <a:t>If unnecessary topic is also present in the source text , there are chances of getting them during the summary generation if topic is taken care then this problem can be taken care to some extent. </a:t>
-            </a:r>
-            <a:endParaRPr lang="en-US" sz="2800">
-              <a:latin typeface="Times New Roman" panose="02020603050405020304" charset="0"/>
-              <a:ea typeface="SimSun" panose="02010600030101010101" pitchFamily="2" charset="-122"/>
-            </a:endParaRPr>
-          </a:p>
-        </p:txBody>
-      </p:sp>
-      <p:sp>
-        <p:nvSpPr>
-          <p:cNvPr id="4" name="Text Box 3"/>
-          <p:cNvSpPr txBox="1"/>
-          <p:nvPr/>
-        </p:nvSpPr>
-        <p:spPr>
-          <a:xfrm rot="10800000">
-            <a:off x="386080" y="0"/>
-            <a:ext cx="859790" cy="6858635"/>
-          </a:xfrm>
-          <a:prstGeom prst="rect">
-            <a:avLst/>
-          </a:prstGeom>
-          <a:noFill/>
-        </p:spPr>
-        <p:txBody>
-          <a:bodyPr vert="eaVert" wrap="square" rtlCol="0">
-            <a:spAutoFit/>
-          </a:bodyPr>
-          <a:p>
-            <a:pPr algn="ctr"/>
-            <a:r>
-              <a:rPr lang="en-US" sz="4400" b="1">
-                <a:gradFill>
-                  <a:gsLst>
-                    <a:gs pos="21000">
-                      <a:srgbClr val="53575C"/>
-                    </a:gs>
-                    <a:gs pos="88000">
-                      <a:srgbClr val="C5C7CA"/>
-                    </a:gs>
-                  </a:gsLst>
-                  <a:lin ang="5400000"/>
-                </a:gradFill>
-                <a:effectLst/>
-                <a:latin typeface="Times New Roman" panose="02020603050405020304" charset="0"/>
-                <a:sym typeface="+mn-ea"/>
-              </a:rPr>
-              <a:t>Challenges</a:t>
-            </a:r>
-            <a:endParaRPr lang="en-US" sz="4400" b="1">
-              <a:gradFill>
-                <a:gsLst>
-                  <a:gs pos="21000">
-                    <a:srgbClr val="53575C"/>
-                  </a:gs>
-                  <a:gs pos="88000">
-                    <a:srgbClr val="C5C7CA"/>
-                  </a:gs>
-                </a:gsLst>
-                <a:lin ang="5400000"/>
-              </a:gradFill>
-              <a:effectLst/>
-              <a:latin typeface="Times New Roman" panose="02020603050405020304" charset="0"/>
-              <a:sym typeface="+mn-ea"/>
-            </a:endParaRPr>
-          </a:p>
-        </p:txBody>
-      </p:sp>
-      <p:pic>
-        <p:nvPicPr>
-          <p:cNvPr id="6" name="Picture 5"/>
-          <p:cNvPicPr>
-            <a:picLocks noChangeAspect="1"/>
-          </p:cNvPicPr>
-          <p:nvPr/>
-        </p:nvPicPr>
-        <p:blipFill>
-          <a:blip r:embed="rId1"/>
-          <a:stretch>
-            <a:fillRect/>
-          </a:stretch>
-        </p:blipFill>
-        <p:spPr>
-          <a:xfrm>
-            <a:off x="10062845" y="170180"/>
-            <a:ext cx="1899285" cy="1129665"/>
-          </a:xfrm>
-          <a:prstGeom prst="rect">
-            <a:avLst/>
-          </a:prstGeom>
-        </p:spPr>
-      </p:pic>
-      <p:pic>
-        <p:nvPicPr>
-          <p:cNvPr id="7" name="Picture 6"/>
-          <p:cNvPicPr>
-            <a:picLocks noChangeAspect="1"/>
-          </p:cNvPicPr>
-          <p:nvPr/>
-        </p:nvPicPr>
-        <p:blipFill>
-          <a:blip r:embed="rId2"/>
-          <a:stretch>
-            <a:fillRect/>
-          </a:stretch>
-        </p:blipFill>
-        <p:spPr>
-          <a:xfrm>
-            <a:off x="193040" y="170180"/>
-            <a:ext cx="1154430" cy="1129665"/>
-          </a:xfrm>
-          <a:prstGeom prst="rect">
-            <a:avLst/>
-          </a:prstGeom>
-        </p:spPr>
-      </p:pic>
-    </p:spTree>
-  </p:cSld>
-  <p:clrMapOvr>
-    <a:masterClrMapping/>
-  </p:clrMapOvr>
-  <mc:AlternateContent xmlns:mc="http://schemas.openxmlformats.org/markup-compatibility/2006">
-    <mc:Choice xmlns:p14="http://schemas.microsoft.com/office/powerpoint/2010/main" Requires="p14">
-      <p:transition spd="slow" p14:dur="2000">
-        <p:fade/>
-      </p:transition>
-    </mc:Choice>
-    <mc:Fallback>
-      <p:transition spd="slow">
-        <p:fade/>
-      </p:transition>
-    </mc:Fallback>
-  </mc:AlternateContent>
-</p:sld>
-</file>
-
-<file path=ppt/slides/slide25.xml><?xml version="1.0" encoding="utf-8"?>
-<p:sld xmlns:a="http://schemas.openxmlformats.org/drawingml/2006/main" xmlns:r="http://schemas.openxmlformats.org/officeDocument/2006/relationships" xmlns:p="http://schemas.openxmlformats.org/presentationml/2006/main">
-  <p:cSld>
-    <p:spTree>
-      <p:nvGrpSpPr>
-        <p:cNvPr id="1" name=""/>
-        <p:cNvGrpSpPr/>
-        <p:nvPr/>
-      </p:nvGrpSpPr>
-      <p:grpSpPr/>
-      <p:sp>
-        <p:nvSpPr>
-          <p:cNvPr id="100" name="Text Box 99"/>
-          <p:cNvSpPr txBox="1"/>
-          <p:nvPr/>
-        </p:nvSpPr>
-        <p:spPr>
-          <a:xfrm>
-            <a:off x="-635" y="2019935"/>
-            <a:ext cx="12192635" cy="1568450"/>
-          </a:xfrm>
-          <a:prstGeom prst="rect">
-            <a:avLst/>
-          </a:prstGeom>
-          <a:noFill/>
-          <a:ln w="9525">
-            <a:noFill/>
-          </a:ln>
-        </p:spPr>
-        <p:txBody>
-          <a:bodyPr wrap="square">
-            <a:spAutoFit/>
-            <a:scene3d>
-              <a:camera prst="orthographicFront"/>
-              <a:lightRig rig="threePt" dir="t"/>
-            </a:scene3d>
-          </a:bodyPr>
-          <a:p>
-            <a:pPr marL="269875" indent="-269875" algn="ctr"/>
-            <a:r>
-              <a:rPr lang="en-US" sz="9600" b="1">
-                <a:gradFill>
-                  <a:gsLst>
-                    <a:gs pos="0">
-                      <a:schemeClr val="accent5">
-                        <a:lumMod val="50000"/>
-                      </a:schemeClr>
-                    </a:gs>
-                    <a:gs pos="50000">
-                      <a:schemeClr val="accent5"/>
-                    </a:gs>
-                    <a:gs pos="100000">
-                      <a:schemeClr val="accent5">
-                        <a:lumMod val="60000"/>
-                        <a:lumOff val="40000"/>
-                      </a:schemeClr>
-                    </a:gs>
-                  </a:gsLst>
-                  <a:lin ang="5400000"/>
-                </a:gradFill>
-                <a:effectLst>
-                  <a:reflection blurRad="6350" stA="53000" endA="300" endPos="35500" dir="5400000" sy="-90000" algn="bl" rotWithShape="0"/>
-                </a:effectLst>
-                <a:latin typeface="Calibri" panose="020F0502020204030204" charset="0"/>
-                <a:ea typeface="SimSun" panose="02010600030101010101" pitchFamily="2" charset="-122"/>
-                <a:cs typeface="Times New Roman" panose="02020603050405020304" charset="0"/>
-              </a:rPr>
-              <a:t>CONCLUSION</a:t>
-            </a:r>
-            <a:endParaRPr lang="en-US" sz="9600" b="1">
-              <a:gradFill>
-                <a:gsLst>
-                  <a:gs pos="0">
-                    <a:schemeClr val="accent5">
-                      <a:lumMod val="50000"/>
-                    </a:schemeClr>
-                  </a:gs>
-                  <a:gs pos="50000">
-                    <a:schemeClr val="accent5"/>
-                  </a:gs>
-                  <a:gs pos="100000">
-                    <a:schemeClr val="accent5">
-                      <a:lumMod val="60000"/>
-                      <a:lumOff val="40000"/>
-                    </a:schemeClr>
-                  </a:gs>
-                </a:gsLst>
-                <a:lin ang="5400000"/>
-              </a:gradFill>
-              <a:effectLst>
-                <a:reflection blurRad="6350" stA="53000" endA="300" endPos="35500" dir="5400000" sy="-90000" algn="bl" rotWithShape="0"/>
-              </a:effectLst>
-              <a:latin typeface="Calibri" panose="020F0502020204030204" charset="0"/>
-              <a:ea typeface="SimSun" panose="02010600030101010101" pitchFamily="2" charset="-122"/>
-              <a:cs typeface="Times New Roman" panose="02020603050405020304" charset="0"/>
-            </a:endParaRPr>
-          </a:p>
-        </p:txBody>
-      </p:sp>
-      <p:pic>
-        <p:nvPicPr>
-          <p:cNvPr id="6" name="Picture 5"/>
-          <p:cNvPicPr>
-            <a:picLocks noChangeAspect="1"/>
-          </p:cNvPicPr>
-          <p:nvPr/>
-        </p:nvPicPr>
-        <p:blipFill>
-          <a:blip r:embed="rId1"/>
-          <a:stretch>
-            <a:fillRect/>
-          </a:stretch>
-        </p:blipFill>
-        <p:spPr>
-          <a:xfrm>
-            <a:off x="10062845" y="170180"/>
-            <a:ext cx="1899285" cy="1129665"/>
-          </a:xfrm>
-          <a:prstGeom prst="rect">
-            <a:avLst/>
-          </a:prstGeom>
-        </p:spPr>
-      </p:pic>
-      <p:pic>
-        <p:nvPicPr>
-          <p:cNvPr id="7" name="Picture 6"/>
-          <p:cNvPicPr>
-            <a:picLocks noChangeAspect="1"/>
-          </p:cNvPicPr>
-          <p:nvPr/>
-        </p:nvPicPr>
-        <p:blipFill>
-          <a:blip r:embed="rId2"/>
-          <a:stretch>
-            <a:fillRect/>
-          </a:stretch>
-        </p:blipFill>
-        <p:spPr>
-          <a:xfrm>
-            <a:off x="193040" y="170180"/>
-            <a:ext cx="1154430" cy="1129665"/>
-          </a:xfrm>
-          <a:prstGeom prst="rect">
-            <a:avLst/>
-          </a:prstGeom>
-        </p:spPr>
-      </p:pic>
-    </p:spTree>
-  </p:cSld>
-  <p:clrMapOvr>
-    <a:masterClrMapping/>
-  </p:clrMapOvr>
-  <mc:AlternateContent xmlns:mc="http://schemas.openxmlformats.org/markup-compatibility/2006">
-    <mc:Choice xmlns:p14="http://schemas.microsoft.com/office/powerpoint/2010/main" Requires="p14">
-      <p:transition spd="slow" p14:dur="2000">
-        <p:fade/>
-      </p:transition>
-    </mc:Choice>
-    <mc:Fallback>
-      <p:transition spd="slow">
-        <p:fade/>
-      </p:transition>
-    </mc:Fallback>
-  </mc:AlternateContent>
-</p:sld>
-</file>
-
-<file path=ppt/slides/slide26.xml><?xml version="1.0" encoding="utf-8"?>
+<file path=ppt/slides/slide22.xml><?xml version="1.0" encoding="utf-8"?>
 <p:sld xmlns:a="http://schemas.openxmlformats.org/drawingml/2006/main" xmlns:r="http://schemas.openxmlformats.org/officeDocument/2006/relationships" xmlns:p="http://schemas.openxmlformats.org/presentationml/2006/main">
   <p:cSld>
     <p:spTree>
@@ -16785,6 +18349,374 @@
 </file>
 
 <file path=ppt/slides/slide3.xml><?xml version="1.0" encoding="utf-8"?>
+<p:sld xmlns:a="http://schemas.openxmlformats.org/drawingml/2006/main" xmlns:r="http://schemas.openxmlformats.org/officeDocument/2006/relationships" xmlns:p="http://schemas.openxmlformats.org/presentationml/2006/main">
+  <p:cSld>
+    <p:spTree>
+      <p:nvGrpSpPr>
+        <p:cNvPr id="1" name=""/>
+        <p:cNvGrpSpPr/>
+        <p:nvPr/>
+      </p:nvGrpSpPr>
+      <p:grpSpPr/>
+      <p:sp>
+        <p:nvSpPr>
+          <p:cNvPr id="3" name="Content Placeholder 2"/>
+          <p:cNvSpPr>
+            <a:spLocks noGrp="1"/>
+          </p:cNvSpPr>
+          <p:nvPr>
+            <p:ph idx="1"/>
+          </p:nvPr>
+        </p:nvSpPr>
+        <p:spPr>
+          <a:xfrm>
+            <a:off x="1234440" y="0"/>
+            <a:ext cx="9735185" cy="6857365"/>
+          </a:xfrm>
+        </p:spPr>
+        <p:txBody>
+          <a:bodyPr>
+            <a:normAutofit fontScale="90000" lnSpcReduction="10000"/>
+          </a:bodyPr>
+          <a:p>
+            <a:pPr marL="0" indent="0">
+              <a:lnSpc>
+                <a:spcPct val="100000"/>
+              </a:lnSpc>
+              <a:buFont typeface="Wingdings" panose="05000000000000000000" charset="0"/>
+              <a:buNone/>
+            </a:pPr>
+            <a:endParaRPr lang="en-US"/>
+          </a:p>
+          <a:p>
+            <a:pPr marR="0" algn="ctr" defTabSz="914400" rtl="0" eaLnBrk="1" fontAlgn="auto" latinLnBrk="0" hangingPunct="1">
+              <a:lnSpc>
+                <a:spcPct val="90000"/>
+              </a:lnSpc>
+              <a:spcBef>
+                <a:spcPts val="1000"/>
+              </a:spcBef>
+              <a:spcAft>
+                <a:spcPct val="0"/>
+              </a:spcAft>
+              <a:buClrTx/>
+              <a:buSzTx/>
+              <a:buFont typeface="Arial" panose="020B0604020202020204" pitchFamily="34" charset="0"/>
+              <a:buNone/>
+            </a:pPr>
+            <a:r>
+              <a:rPr lang="en-US" altLang="en-IN" sz="3600" b="1" dirty="0">
+                <a:gradFill>
+                  <a:gsLst>
+                    <a:gs pos="0">
+                      <a:schemeClr val="accent5">
+                        <a:lumMod val="50000"/>
+                      </a:schemeClr>
+                    </a:gs>
+                    <a:gs pos="50000">
+                      <a:schemeClr val="accent5"/>
+                    </a:gs>
+                    <a:gs pos="100000">
+                      <a:schemeClr val="accent5">
+                        <a:lumMod val="60000"/>
+                        <a:lumOff val="40000"/>
+                      </a:schemeClr>
+                    </a:gs>
+                  </a:gsLst>
+                  <a:lin ang="5400000"/>
+                </a:gradFill>
+                <a:effectLst>
+                  <a:reflection blurRad="6350" stA="53000" endA="300" endPos="35500" dir="5400000" sy="-90000" algn="bl" rotWithShape="0"/>
+                </a:effectLst>
+                <a:sym typeface="+mn-ea"/>
+              </a:rPr>
+              <a:t>Aim</a:t>
+            </a:r>
+            <a:endParaRPr lang="en-US"/>
+          </a:p>
+          <a:p>
+            <a:pPr>
+              <a:lnSpc>
+                <a:spcPct val="100000"/>
+              </a:lnSpc>
+              <a:buFont typeface="Wingdings" panose="05000000000000000000" charset="0"/>
+              <a:buChar char="ü"/>
+            </a:pPr>
+            <a:r>
+              <a:rPr lang="en-US"/>
+              <a:t>To reduce the hectic work with large corpus of text.</a:t>
+            </a:r>
+            <a:endParaRPr lang="en-US"/>
+          </a:p>
+          <a:p>
+            <a:pPr>
+              <a:lnSpc>
+                <a:spcPct val="100000"/>
+              </a:lnSpc>
+              <a:buFont typeface="Wingdings" panose="05000000000000000000" charset="0"/>
+              <a:buChar char="ü"/>
+            </a:pPr>
+            <a:r>
+              <a:rPr lang="en-US"/>
+              <a:t>Leaving Mundane tasks to machines.</a:t>
+            </a:r>
+            <a:endParaRPr lang="en-US"/>
+          </a:p>
+          <a:p>
+            <a:pPr>
+              <a:lnSpc>
+                <a:spcPct val="100000"/>
+              </a:lnSpc>
+              <a:buFont typeface="Wingdings" panose="05000000000000000000" charset="0"/>
+              <a:buChar char="ü"/>
+            </a:pPr>
+            <a:r>
+              <a:rPr lang="en-US"/>
+              <a:t>Understanding large textual data in an easy and fun way.</a:t>
+            </a:r>
+            <a:endParaRPr lang="en-US"/>
+          </a:p>
+          <a:p>
+            <a:pPr marL="0" indent="0">
+              <a:lnSpc>
+                <a:spcPct val="100000"/>
+              </a:lnSpc>
+              <a:buFont typeface="Wingdings" panose="05000000000000000000" charset="0"/>
+              <a:buNone/>
+            </a:pPr>
+            <a:endParaRPr lang="en-US"/>
+          </a:p>
+          <a:p>
+            <a:pPr marR="0" algn="ctr" defTabSz="914400" rtl="0" eaLnBrk="1" fontAlgn="auto" latinLnBrk="0" hangingPunct="1">
+              <a:lnSpc>
+                <a:spcPct val="90000"/>
+              </a:lnSpc>
+              <a:spcBef>
+                <a:spcPts val="1000"/>
+              </a:spcBef>
+              <a:spcAft>
+                <a:spcPct val="0"/>
+              </a:spcAft>
+              <a:buClrTx/>
+              <a:buSzTx/>
+              <a:buFont typeface="Arial" panose="020B0604020202020204" pitchFamily="34" charset="0"/>
+              <a:buNone/>
+            </a:pPr>
+            <a:r>
+              <a:rPr lang="en-IN" altLang="x-none" sz="3600" b="1" dirty="0">
+                <a:gradFill>
+                  <a:gsLst>
+                    <a:gs pos="0">
+                      <a:schemeClr val="accent5">
+                        <a:lumMod val="50000"/>
+                      </a:schemeClr>
+                    </a:gs>
+                    <a:gs pos="50000">
+                      <a:schemeClr val="accent5"/>
+                    </a:gs>
+                    <a:gs pos="100000">
+                      <a:schemeClr val="accent5">
+                        <a:lumMod val="60000"/>
+                        <a:lumOff val="40000"/>
+                      </a:schemeClr>
+                    </a:gs>
+                  </a:gsLst>
+                  <a:lin ang="5400000"/>
+                </a:gradFill>
+                <a:effectLst>
+                  <a:reflection blurRad="6350" stA="53000" endA="300" endPos="35500" dir="5400000" sy="-90000" algn="bl" rotWithShape="0"/>
+                </a:effectLst>
+                <a:sym typeface="+mn-ea"/>
+              </a:rPr>
+              <a:t>Problem Definition</a:t>
+            </a:r>
+            <a:endParaRPr lang="en-IN" altLang="x-none" sz="3600" b="1" dirty="0">
+              <a:gradFill>
+                <a:gsLst>
+                  <a:gs pos="0">
+                    <a:schemeClr val="accent5">
+                      <a:lumMod val="50000"/>
+                    </a:schemeClr>
+                  </a:gs>
+                  <a:gs pos="50000">
+                    <a:schemeClr val="accent5"/>
+                  </a:gs>
+                  <a:gs pos="100000">
+                    <a:schemeClr val="accent5">
+                      <a:lumMod val="60000"/>
+                      <a:lumOff val="40000"/>
+                    </a:schemeClr>
+                  </a:gs>
+                </a:gsLst>
+                <a:lin ang="5400000"/>
+              </a:gradFill>
+              <a:effectLst>
+                <a:reflection blurRad="6350" stA="53000" endA="300" endPos="35500" dir="5400000" sy="-90000" algn="bl" rotWithShape="0"/>
+              </a:effectLst>
+              <a:sym typeface="+mn-ea"/>
+            </a:endParaRPr>
+          </a:p>
+          <a:p>
+            <a:pPr marR="0" algn="l" defTabSz="914400" rtl="0" eaLnBrk="1" fontAlgn="auto" latinLnBrk="0" hangingPunct="1">
+              <a:lnSpc>
+                <a:spcPct val="90000"/>
+              </a:lnSpc>
+              <a:spcBef>
+                <a:spcPts val="1000"/>
+              </a:spcBef>
+              <a:spcAft>
+                <a:spcPct val="0"/>
+              </a:spcAft>
+              <a:buClrTx/>
+              <a:buSzTx/>
+              <a:buFont typeface="Arial" panose="020B0604020202020204" pitchFamily="34" charset="0"/>
+              <a:buNone/>
+            </a:pPr>
+            <a:endParaRPr kumimoji="0" lang="en-IN" altLang="x-none" b="1" i="0" u="none" strike="noStrike" kern="1200" cap="none" spc="0" normalizeH="0" baseline="0" noProof="1" dirty="0">
+              <a:gradFill>
+                <a:gsLst>
+                  <a:gs pos="0">
+                    <a:schemeClr val="accent5">
+                      <a:lumMod val="50000"/>
+                    </a:schemeClr>
+                  </a:gs>
+                  <a:gs pos="50000">
+                    <a:schemeClr val="accent5"/>
+                  </a:gs>
+                  <a:gs pos="100000">
+                    <a:schemeClr val="accent5">
+                      <a:lumMod val="60000"/>
+                      <a:lumOff val="40000"/>
+                    </a:schemeClr>
+                  </a:gs>
+                </a:gsLst>
+                <a:lin ang="5400000"/>
+              </a:gradFill>
+              <a:effectLst>
+                <a:reflection blurRad="6350" stA="53000" endA="300" endPos="35500" dir="5400000" sy="-90000" algn="bl" rotWithShape="0"/>
+              </a:effectLst>
+              <a:latin typeface="+mn-lt"/>
+              <a:ea typeface="+mn-ea"/>
+              <a:cs typeface="+mn-cs"/>
+            </a:endParaRPr>
+          </a:p>
+          <a:p>
+            <a:pPr marL="0" marR="0" indent="0" algn="l" defTabSz="914400" rtl="0" eaLnBrk="1" fontAlgn="auto" latinLnBrk="0" hangingPunct="1">
+              <a:lnSpc>
+                <a:spcPct val="150000"/>
+              </a:lnSpc>
+              <a:spcBef>
+                <a:spcPts val="1000"/>
+              </a:spcBef>
+              <a:spcAft>
+                <a:spcPct val="0"/>
+              </a:spcAft>
+              <a:buClrTx/>
+              <a:buSzTx/>
+              <a:buFont typeface="Arial" panose="020B0604020202020204" pitchFamily="34" charset="0"/>
+              <a:buNone/>
+            </a:pPr>
+            <a:r>
+              <a:rPr lang="en-IN" altLang="x-none" dirty="0">
+                <a:sym typeface="+mn-ea"/>
+              </a:rPr>
+              <a:t>This project is based on shrinking the text to the extent that is useful for the user. The aim is to generate summaries by keeping sentence relativity , meaning and mainly important and required information form the original text , also to request answers to the questions generated by users , to make some </a:t>
+            </a:r>
+            <a:r>
+              <a:rPr lang="en-US" altLang="en-IN" dirty="0">
+                <a:sym typeface="+mn-ea"/>
+              </a:rPr>
+              <a:t>visuals</a:t>
+            </a:r>
+            <a:r>
+              <a:rPr lang="en-IN" altLang="x-none" dirty="0">
+                <a:sym typeface="+mn-ea"/>
+              </a:rPr>
+              <a:t> out of text that will help more for us to get into it. </a:t>
+            </a:r>
+            <a:endParaRPr kumimoji="0" lang="en-IN" altLang="x-none" b="0" i="0" u="none" strike="noStrike" kern="1200" cap="none" spc="0" normalizeH="0" baseline="0" noProof="1" dirty="0">
+              <a:solidFill>
+                <a:schemeClr val="tx1"/>
+              </a:solidFill>
+              <a:latin typeface="+mn-lt"/>
+              <a:ea typeface="+mn-ea"/>
+              <a:cs typeface="+mn-cs"/>
+            </a:endParaRPr>
+          </a:p>
+          <a:p>
+            <a:endParaRPr lang="en-US"/>
+          </a:p>
+        </p:txBody>
+      </p:sp>
+      <p:pic>
+        <p:nvPicPr>
+          <p:cNvPr id="6" name="Picture 5"/>
+          <p:cNvPicPr>
+            <a:picLocks noChangeAspect="1"/>
+          </p:cNvPicPr>
+          <p:nvPr/>
+        </p:nvPicPr>
+        <p:blipFill>
+          <a:blip r:embed="rId1"/>
+          <a:stretch>
+            <a:fillRect/>
+          </a:stretch>
+        </p:blipFill>
+        <p:spPr>
+          <a:xfrm>
+            <a:off x="10062845" y="170180"/>
+            <a:ext cx="1899285" cy="1129665"/>
+          </a:xfrm>
+          <a:prstGeom prst="rect">
+            <a:avLst/>
+          </a:prstGeom>
+        </p:spPr>
+      </p:pic>
+      <p:pic>
+        <p:nvPicPr>
+          <p:cNvPr id="5" name="Picture 4"/>
+          <p:cNvPicPr>
+            <a:picLocks noChangeAspect="1"/>
+          </p:cNvPicPr>
+          <p:nvPr/>
+        </p:nvPicPr>
+        <p:blipFill>
+          <a:blip r:embed="rId2"/>
+          <a:stretch>
+            <a:fillRect/>
+          </a:stretch>
+        </p:blipFill>
+        <p:spPr>
+          <a:xfrm>
+            <a:off x="193040" y="170180"/>
+            <a:ext cx="1154430" cy="1129665"/>
+          </a:xfrm>
+          <a:prstGeom prst="rect">
+            <a:avLst/>
+          </a:prstGeom>
+        </p:spPr>
+      </p:pic>
+    </p:spTree>
+  </p:cSld>
+  <p:clrMapOvr>
+    <a:masterClrMapping/>
+  </p:clrMapOvr>
+  <mc:AlternateContent xmlns:mc="http://schemas.openxmlformats.org/markup-compatibility/2006">
+    <mc:Choice xmlns:p14="http://schemas.microsoft.com/office/powerpoint/2010/main" Requires="p14">
+      <p:transition spd="slow" p14:dur="2000">
+        <p:fade/>
+      </p:transition>
+    </mc:Choice>
+    <mc:Fallback>
+      <p:transition spd="slow">
+        <p:fade/>
+      </p:transition>
+    </mc:Fallback>
+  </mc:AlternateContent>
+</p:sld>
+</file>
+
+<file path=ppt/slides/slide4.xml><?xml version="1.0" encoding="utf-8"?>
 <p:sld xmlns:a="http://schemas.openxmlformats.org/drawingml/2006/main" xmlns:r="http://schemas.openxmlformats.org/officeDocument/2006/relationships" xmlns:p="http://schemas.openxmlformats.org/presentationml/2006/main">
   <p:cSld>
     <p:spTree>
@@ -17011,7 +18943,7 @@
 </p:sld>
 </file>
 
-<file path=ppt/slides/slide4.xml><?xml version="1.0" encoding="utf-8"?>
+<file path=ppt/slides/slide5.xml><?xml version="1.0" encoding="utf-8"?>
 <p:sld xmlns:a="http://schemas.openxmlformats.org/drawingml/2006/main" xmlns:r="http://schemas.openxmlformats.org/officeDocument/2006/relationships" xmlns:p="http://schemas.openxmlformats.org/presentationml/2006/main">
   <p:cSld>
     <p:spTree>
@@ -17419,7 +19351,7 @@
 </p:sld>
 </file>
 
-<file path=ppt/slides/slide5.xml><?xml version="1.0" encoding="utf-8"?>
+<file path=ppt/slides/slide6.xml><?xml version="1.0" encoding="utf-8"?>
 <p:sld xmlns:a="http://schemas.openxmlformats.org/drawingml/2006/main" xmlns:r="http://schemas.openxmlformats.org/officeDocument/2006/relationships" xmlns:p="http://schemas.openxmlformats.org/presentationml/2006/main">
   <p:cSld>
     <p:spTree>
@@ -18149,7 +20081,7 @@
 </p:sld>
 </file>
 
-<file path=ppt/slides/slide6.xml><?xml version="1.0" encoding="utf-8"?>
+<file path=ppt/slides/slide7.xml><?xml version="1.0" encoding="utf-8"?>
 <p:sld xmlns:a="http://schemas.openxmlformats.org/drawingml/2006/main" xmlns:r="http://schemas.openxmlformats.org/officeDocument/2006/relationships" xmlns:p="http://schemas.openxmlformats.org/presentationml/2006/main">
   <p:cSld>
     <p:spTree>
@@ -18273,7 +20205,7 @@
           <p:nvPr/>
         </p:nvGraphicFramePr>
         <p:xfrm>
-          <a:off x="2861310" y="3489960"/>
+          <a:off x="2861310" y="3474085"/>
           <a:ext cx="8240395" cy="1437640"/>
         </p:xfrm>
         <a:graphic>
@@ -18289,7 +20221,7 @@
           <p:nvPr/>
         </p:nvGraphicFramePr>
         <p:xfrm>
-          <a:off x="2062480" y="1830070"/>
+          <a:off x="2062480" y="1814195"/>
           <a:ext cx="8240395" cy="1437640"/>
         </p:xfrm>
         <a:graphic>
@@ -18366,7 +20298,7 @@
 </p:sld>
 </file>
 
-<file path=ppt/slides/slide7.xml><?xml version="1.0" encoding="utf-8"?>
+<file path=ppt/slides/slide8.xml><?xml version="1.0" encoding="utf-8"?>
 <p:sld xmlns:a="http://schemas.openxmlformats.org/drawingml/2006/main" xmlns:r="http://schemas.openxmlformats.org/officeDocument/2006/relationships" xmlns:p="http://schemas.openxmlformats.org/presentationml/2006/main">
   <p:cSld>
     <p:spTree>
@@ -18629,7 +20561,7 @@
 </p:sld>
 </file>
 
-<file path=ppt/slides/slide8.xml><?xml version="1.0" encoding="utf-8"?>
+<file path=ppt/slides/slide9.xml><?xml version="1.0" encoding="utf-8"?>
 <p:sld xmlns:a="http://schemas.openxmlformats.org/drawingml/2006/main" xmlns:r="http://schemas.openxmlformats.org/officeDocument/2006/relationships" xmlns:p="http://schemas.openxmlformats.org/presentationml/2006/main">
   <p:cSld>
     <p:spTree>
@@ -18647,8 +20579,8 @@
         </p:nvSpPr>
         <p:spPr>
           <a:xfrm rot="10800000">
-            <a:off x="386080" y="0"/>
-            <a:ext cx="859790" cy="6858635"/>
+            <a:off x="386080" y="1311910"/>
+            <a:ext cx="859790" cy="5546725"/>
           </a:xfrm>
           <a:prstGeom prst="rect">
             <a:avLst/>
@@ -18810,193 +20742,8 @@
         </p:blipFill>
         <p:spPr>
           <a:xfrm>
-            <a:off x="4404995" y="1874520"/>
+            <a:off x="2087245" y="1874520"/>
             <a:ext cx="3381375" cy="4010025"/>
-          </a:xfrm>
-          <a:prstGeom prst="rect">
-            <a:avLst/>
-          </a:prstGeom>
-        </p:spPr>
-      </p:pic>
-    </p:spTree>
-  </p:cSld>
-  <p:clrMapOvr>
-    <a:masterClrMapping/>
-  </p:clrMapOvr>
-  <mc:AlternateContent xmlns:mc="http://schemas.openxmlformats.org/markup-compatibility/2006">
-    <mc:Choice xmlns:p14="http://schemas.microsoft.com/office/powerpoint/2010/main" Requires="p14">
-      <p:transition spd="slow" p14:dur="2000">
-        <p:fade/>
-      </p:transition>
-    </mc:Choice>
-    <mc:Fallback>
-      <p:transition spd="slow">
-        <p:fade/>
-      </p:transition>
-    </mc:Fallback>
-  </mc:AlternateContent>
-</p:sld>
-</file>
-
-<file path=ppt/slides/slide9.xml><?xml version="1.0" encoding="utf-8"?>
-<p:sld xmlns:a="http://schemas.openxmlformats.org/drawingml/2006/main" xmlns:r="http://schemas.openxmlformats.org/officeDocument/2006/relationships" xmlns:p="http://schemas.openxmlformats.org/presentationml/2006/main">
-  <p:cSld>
-    <p:spTree>
-      <p:nvGrpSpPr>
-        <p:cNvPr id="1" name=""/>
-        <p:cNvGrpSpPr/>
-        <p:nvPr/>
-      </p:nvGrpSpPr>
-      <p:grpSpPr/>
-      <p:sp>
-        <p:nvSpPr>
-          <p:cNvPr id="5" name="Text Box 4"/>
-          <p:cNvSpPr txBox="1"/>
-          <p:nvPr/>
-        </p:nvSpPr>
-        <p:spPr>
-          <a:xfrm rot="10800000">
-            <a:off x="386080" y="1311275"/>
-            <a:ext cx="859790" cy="5547360"/>
-          </a:xfrm>
-          <a:prstGeom prst="rect">
-            <a:avLst/>
-          </a:prstGeom>
-          <a:noFill/>
-        </p:spPr>
-        <p:txBody>
-          <a:bodyPr vert="eaVert" wrap="square" rtlCol="0">
-            <a:spAutoFit/>
-          </a:bodyPr>
-          <a:p>
-            <a:pPr algn="ctr"/>
-            <a:r>
-              <a:rPr lang="en-US" sz="4400" b="1">
-                <a:gradFill>
-                  <a:gsLst>
-                    <a:gs pos="21000">
-                      <a:srgbClr val="53575C"/>
-                    </a:gs>
-                    <a:gs pos="88000">
-                      <a:srgbClr val="C5C7CA"/>
-                    </a:gs>
-                  </a:gsLst>
-                  <a:lin ang="5400000"/>
-                </a:gradFill>
-                <a:effectLst/>
-              </a:rPr>
-              <a:t>OUR METHODOLOGIES</a:t>
-            </a:r>
-            <a:endParaRPr lang="en-US" sz="4400" b="1">
-              <a:gradFill>
-                <a:gsLst>
-                  <a:gs pos="21000">
-                    <a:srgbClr val="53575C"/>
-                  </a:gs>
-                  <a:gs pos="88000">
-                    <a:srgbClr val="C5C7CA"/>
-                  </a:gs>
-                </a:gsLst>
-                <a:lin ang="5400000"/>
-              </a:gradFill>
-              <a:effectLst/>
-            </a:endParaRPr>
-          </a:p>
-        </p:txBody>
-      </p:sp>
-      <p:sp>
-        <p:nvSpPr>
-          <p:cNvPr id="6" name="Text Box 5"/>
-          <p:cNvSpPr txBox="1"/>
-          <p:nvPr/>
-        </p:nvSpPr>
-        <p:spPr>
-          <a:xfrm>
-            <a:off x="2762250" y="389255"/>
-            <a:ext cx="6003290" cy="922020"/>
-          </a:xfrm>
-          <a:prstGeom prst="rect">
-            <a:avLst/>
-          </a:prstGeom>
-          <a:noFill/>
-        </p:spPr>
-        <p:txBody>
-          <a:bodyPr wrap="none" rtlCol="0">
-            <a:spAutoFit/>
-          </a:bodyPr>
-          <a:p>
-            <a:r>
-              <a:rPr lang="en-US" sz="5400" b="1">
-                <a:solidFill>
-                  <a:schemeClr val="tx1"/>
-                </a:solidFill>
-                <a:effectLst>
-                  <a:outerShdw blurRad="38100" dist="19050" dir="2700000" algn="tl" rotWithShape="0">
-                    <a:schemeClr val="dk1">
-                      <a:alpha val="40000"/>
-                    </a:schemeClr>
-                  </a:outerShdw>
-                </a:effectLst>
-              </a:rPr>
-              <a:t>Keywords Extraction</a:t>
-            </a:r>
-            <a:endParaRPr lang="en-US" sz="5400" b="1">
-              <a:solidFill>
-                <a:schemeClr val="tx1"/>
-              </a:solidFill>
-              <a:effectLst>
-                <a:outerShdw blurRad="38100" dist="19050" dir="2700000" algn="tl" rotWithShape="0">
-                  <a:schemeClr val="dk1">
-                    <a:alpha val="40000"/>
-                  </a:schemeClr>
-                </a:outerShdw>
-              </a:effectLst>
-            </a:endParaRPr>
-          </a:p>
-        </p:txBody>
-      </p:sp>
-      <p:pic>
-        <p:nvPicPr>
-          <p:cNvPr id="2" name="Picture 1"/>
-          <p:cNvPicPr>
-            <a:picLocks noChangeAspect="1"/>
-          </p:cNvPicPr>
-          <p:nvPr/>
-        </p:nvPicPr>
-        <p:blipFill>
-          <a:blip r:embed="rId1"/>
-          <a:stretch>
-            <a:fillRect/>
-          </a:stretch>
-        </p:blipFill>
-        <p:spPr>
-          <a:xfrm>
-            <a:off x="10062845" y="170180"/>
-            <a:ext cx="1899285" cy="1129665"/>
-          </a:xfrm>
-          <a:prstGeom prst="rect">
-            <a:avLst/>
-          </a:prstGeom>
-        </p:spPr>
-      </p:pic>
-      <p:pic>
-        <p:nvPicPr>
-          <p:cNvPr id="7" name="Picture 6"/>
-          <p:cNvPicPr>
-            <a:picLocks noChangeAspect="1"/>
-          </p:cNvPicPr>
-          <p:nvPr/>
-        </p:nvPicPr>
-        <p:blipFill>
-          <a:blip r:embed="rId2"/>
-          <a:stretch>
-            <a:fillRect/>
-          </a:stretch>
-        </p:blipFill>
-        <p:spPr>
-          <a:xfrm>
-            <a:off x="193040" y="170180"/>
-            <a:ext cx="1154430" cy="1129665"/>
           </a:xfrm>
           <a:prstGeom prst="rect">
             <a:avLst/>
@@ -19012,14 +20759,14 @@
           <p:nvPr/>
         </p:nvPicPr>
         <p:blipFill>
-          <a:blip r:embed="rId3"/>
+          <a:blip r:embed="rId4"/>
           <a:stretch>
             <a:fillRect/>
           </a:stretch>
         </p:blipFill>
         <p:spPr>
           <a:xfrm>
-            <a:off x="2898775" y="2531745"/>
+            <a:off x="7820025" y="2420620"/>
             <a:ext cx="3314700" cy="1381125"/>
           </a:xfrm>
           <a:prstGeom prst="rect">
@@ -19035,7 +20782,7 @@
         </p:nvSpPr>
         <p:spPr>
           <a:xfrm>
-            <a:off x="1614170" y="2004695"/>
+            <a:off x="6535420" y="1893570"/>
             <a:ext cx="3264535" cy="460375"/>
           </a:xfrm>
           <a:prstGeom prst="rect">
@@ -19064,7 +20811,7 @@
         </p:nvSpPr>
         <p:spPr>
           <a:xfrm>
-            <a:off x="1614170" y="4220845"/>
+            <a:off x="6535420" y="4109720"/>
             <a:ext cx="5133340" cy="460375"/>
           </a:xfrm>
           <a:prstGeom prst="rect">
@@ -19088,66 +20835,6 @@
       <p:pic>
         <p:nvPicPr>
           <p:cNvPr id="11" name="Picture 10"/>
-          <p:cNvPicPr>
-            <a:picLocks noChangeAspect="1"/>
-          </p:cNvPicPr>
-          <p:nvPr/>
-        </p:nvPicPr>
-        <p:blipFill>
-          <a:blip r:embed="rId4"/>
-          <a:stretch>
-            <a:fillRect/>
-          </a:stretch>
-        </p:blipFill>
-        <p:spPr>
-          <a:xfrm>
-            <a:off x="3057525" y="4893945"/>
-            <a:ext cx="3028950" cy="1514475"/>
-          </a:xfrm>
-          <a:prstGeom prst="rect">
-            <a:avLst/>
-          </a:prstGeom>
-        </p:spPr>
-      </p:pic>
-      <p:sp>
-        <p:nvSpPr>
-          <p:cNvPr id="12" name="Text Box 11"/>
-          <p:cNvSpPr txBox="1"/>
-          <p:nvPr/>
-        </p:nvSpPr>
-        <p:spPr>
-          <a:xfrm>
-            <a:off x="7226935" y="2004695"/>
-            <a:ext cx="4735195" cy="1383665"/>
-          </a:xfrm>
-          <a:prstGeom prst="rect">
-            <a:avLst/>
-          </a:prstGeom>
-          <a:noFill/>
-        </p:spPr>
-        <p:txBody>
-          <a:bodyPr wrap="square" rtlCol="0" anchor="t">
-            <a:spAutoFit/>
-          </a:bodyPr>
-          <a:p>
-            <a:r>
-              <a:rPr lang="en-US" sz="2800" b="1"/>
-              <a:t>TERM FREQUENCY- INVERSE DOCUMENT FREQUENCY </a:t>
-            </a:r>
-            <a:endParaRPr lang="en-US" sz="2800" b="1"/>
-          </a:p>
-          <a:p>
-            <a:r>
-              <a:rPr lang="en-US" sz="2800" b="1"/>
-              <a:t>(TF-IDF)</a:t>
-            </a:r>
-            <a:endParaRPr lang="en-US" sz="2800" b="1"/>
-          </a:p>
-        </p:txBody>
-      </p:sp>
-      <p:pic>
-        <p:nvPicPr>
-          <p:cNvPr id="13" name="Picture 12"/>
           <p:cNvPicPr>
             <a:picLocks noChangeAspect="1"/>
           </p:cNvPicPr>
@@ -19161,8 +20848,8 @@
         </p:blipFill>
         <p:spPr>
           <a:xfrm>
-            <a:off x="7902575" y="3912870"/>
-            <a:ext cx="3557270" cy="1900555"/>
+            <a:off x="7978775" y="4782820"/>
+            <a:ext cx="3028950" cy="1514475"/>
           </a:xfrm>
           <a:prstGeom prst="rect">
             <a:avLst/>
